--- a/进化算法/交叉/部分匹配交叉 .pptx
+++ b/进化算法/交叉/部分匹配交叉 .pptx
@@ -5,7 +5,10 @@
     <p:sldMasterId id="2147483648" r:id="rId1"/>
   </p:sldMasterIdLst>
   <p:sldIdLst>
-    <p:sldId id="259" r:id="rId2"/>
+    <p:sldId id="260" r:id="rId2"/>
+    <p:sldId id="259" r:id="rId3"/>
+    <p:sldId id="261" r:id="rId4"/>
+    <p:sldId id="262" r:id="rId5"/>
   </p:sldIdLst>
   <p:sldSz cx="12192000" cy="6858000"/>
   <p:notesSz cx="6858000" cy="9144000"/>
@@ -154,10 +157,9 @@
           </a:lstStyle>
           <a:p>
             <a:r>
-              <a:rPr lang="zh-CN" altLang="en-US" smtClean="0"/>
+              <a:rPr lang="zh-CN" altLang="en-US"/>
               <a:t>单击此处编辑母版标题样式</a:t>
             </a:r>
-            <a:endParaRPr lang="zh-CN" altLang="en-US"/>
           </a:p>
         </p:txBody>
       </p:sp>
@@ -219,10 +221,9 @@
           </a:lstStyle>
           <a:p>
             <a:r>
-              <a:rPr lang="zh-CN" altLang="en-US" smtClean="0"/>
+              <a:rPr lang="zh-CN" altLang="en-US"/>
               <a:t>单击以编辑母版副标题样式</a:t>
             </a:r>
-            <a:endParaRPr lang="zh-CN" altLang="en-US"/>
           </a:p>
         </p:txBody>
       </p:sp>
@@ -243,7 +244,7 @@
           <a:p>
             <a:fld id="{040B7C12-11E1-412E-B2DA-388387B615FD}" type="datetimeFigureOut">
               <a:rPr lang="zh-CN" altLang="en-US" smtClean="0"/>
-              <a:t>2019/11/18</a:t>
+              <a:t>2019/11/30</a:t>
             </a:fld>
             <a:endParaRPr lang="zh-CN" altLang="en-US"/>
           </a:p>
@@ -337,10 +338,9 @@
           <a:lstStyle/>
           <a:p>
             <a:r>
-              <a:rPr lang="zh-CN" altLang="en-US" smtClean="0"/>
+              <a:rPr lang="zh-CN" altLang="en-US"/>
               <a:t>单击此处编辑母版标题样式</a:t>
             </a:r>
-            <a:endParaRPr lang="zh-CN" altLang="en-US"/>
           </a:p>
         </p:txBody>
       </p:sp>
@@ -361,38 +361,37 @@
           <a:p>
             <a:pPr lvl="0"/>
             <a:r>
-              <a:rPr lang="zh-CN" altLang="en-US" smtClean="0"/>
+              <a:rPr lang="zh-CN" altLang="en-US"/>
               <a:t>编辑母版文本样式</a:t>
             </a:r>
           </a:p>
           <a:p>
             <a:pPr lvl="1"/>
             <a:r>
-              <a:rPr lang="zh-CN" altLang="en-US" smtClean="0"/>
+              <a:rPr lang="zh-CN" altLang="en-US"/>
               <a:t>第二级</a:t>
             </a:r>
           </a:p>
           <a:p>
             <a:pPr lvl="2"/>
             <a:r>
-              <a:rPr lang="zh-CN" altLang="en-US" smtClean="0"/>
+              <a:rPr lang="zh-CN" altLang="en-US"/>
               <a:t>第三级</a:t>
             </a:r>
           </a:p>
           <a:p>
             <a:pPr lvl="3"/>
             <a:r>
-              <a:rPr lang="zh-CN" altLang="en-US" smtClean="0"/>
+              <a:rPr lang="zh-CN" altLang="en-US"/>
               <a:t>第四级</a:t>
             </a:r>
           </a:p>
           <a:p>
             <a:pPr lvl="4"/>
             <a:r>
-              <a:rPr lang="zh-CN" altLang="en-US" smtClean="0"/>
+              <a:rPr lang="zh-CN" altLang="en-US"/>
               <a:t>第五级</a:t>
             </a:r>
-            <a:endParaRPr lang="zh-CN" altLang="en-US"/>
           </a:p>
         </p:txBody>
       </p:sp>
@@ -413,7 +412,7 @@
           <a:p>
             <a:fld id="{040B7C12-11E1-412E-B2DA-388387B615FD}" type="datetimeFigureOut">
               <a:rPr lang="zh-CN" altLang="en-US" smtClean="0"/>
-              <a:t>2019/11/18</a:t>
+              <a:t>2019/11/30</a:t>
             </a:fld>
             <a:endParaRPr lang="zh-CN" altLang="en-US"/>
           </a:p>
@@ -512,10 +511,9 @@
           <a:lstStyle/>
           <a:p>
             <a:r>
-              <a:rPr lang="zh-CN" altLang="en-US" smtClean="0"/>
+              <a:rPr lang="zh-CN" altLang="en-US"/>
               <a:t>单击此处编辑母版标题样式</a:t>
             </a:r>
-            <a:endParaRPr lang="zh-CN" altLang="en-US"/>
           </a:p>
         </p:txBody>
       </p:sp>
@@ -541,38 +539,37 @@
           <a:p>
             <a:pPr lvl="0"/>
             <a:r>
-              <a:rPr lang="zh-CN" altLang="en-US" smtClean="0"/>
+              <a:rPr lang="zh-CN" altLang="en-US"/>
               <a:t>编辑母版文本样式</a:t>
             </a:r>
           </a:p>
           <a:p>
             <a:pPr lvl="1"/>
             <a:r>
-              <a:rPr lang="zh-CN" altLang="en-US" smtClean="0"/>
+              <a:rPr lang="zh-CN" altLang="en-US"/>
               <a:t>第二级</a:t>
             </a:r>
           </a:p>
           <a:p>
             <a:pPr lvl="2"/>
             <a:r>
-              <a:rPr lang="zh-CN" altLang="en-US" smtClean="0"/>
+              <a:rPr lang="zh-CN" altLang="en-US"/>
               <a:t>第三级</a:t>
             </a:r>
           </a:p>
           <a:p>
             <a:pPr lvl="3"/>
             <a:r>
-              <a:rPr lang="zh-CN" altLang="en-US" smtClean="0"/>
+              <a:rPr lang="zh-CN" altLang="en-US"/>
               <a:t>第四级</a:t>
             </a:r>
           </a:p>
           <a:p>
             <a:pPr lvl="4"/>
             <a:r>
-              <a:rPr lang="zh-CN" altLang="en-US" smtClean="0"/>
+              <a:rPr lang="zh-CN" altLang="en-US"/>
               <a:t>第五级</a:t>
             </a:r>
-            <a:endParaRPr lang="zh-CN" altLang="en-US"/>
           </a:p>
         </p:txBody>
       </p:sp>
@@ -593,7 +590,7 @@
           <a:p>
             <a:fld id="{040B7C12-11E1-412E-B2DA-388387B615FD}" type="datetimeFigureOut">
               <a:rPr lang="zh-CN" altLang="en-US" smtClean="0"/>
-              <a:t>2019/11/18</a:t>
+              <a:t>2019/11/30</a:t>
             </a:fld>
             <a:endParaRPr lang="zh-CN" altLang="en-US"/>
           </a:p>
@@ -687,10 +684,9 @@
           <a:lstStyle/>
           <a:p>
             <a:r>
-              <a:rPr lang="zh-CN" altLang="en-US" smtClean="0"/>
+              <a:rPr lang="zh-CN" altLang="en-US"/>
               <a:t>单击此处编辑母版标题样式</a:t>
             </a:r>
-            <a:endParaRPr lang="zh-CN" altLang="en-US"/>
           </a:p>
         </p:txBody>
       </p:sp>
@@ -711,38 +707,37 @@
           <a:p>
             <a:pPr lvl="0"/>
             <a:r>
-              <a:rPr lang="zh-CN" altLang="en-US" smtClean="0"/>
+              <a:rPr lang="zh-CN" altLang="en-US"/>
               <a:t>编辑母版文本样式</a:t>
             </a:r>
           </a:p>
           <a:p>
             <a:pPr lvl="1"/>
             <a:r>
-              <a:rPr lang="zh-CN" altLang="en-US" smtClean="0"/>
+              <a:rPr lang="zh-CN" altLang="en-US"/>
               <a:t>第二级</a:t>
             </a:r>
           </a:p>
           <a:p>
             <a:pPr lvl="2"/>
             <a:r>
-              <a:rPr lang="zh-CN" altLang="en-US" smtClean="0"/>
+              <a:rPr lang="zh-CN" altLang="en-US"/>
               <a:t>第三级</a:t>
             </a:r>
           </a:p>
           <a:p>
             <a:pPr lvl="3"/>
             <a:r>
-              <a:rPr lang="zh-CN" altLang="en-US" smtClean="0"/>
+              <a:rPr lang="zh-CN" altLang="en-US"/>
               <a:t>第四级</a:t>
             </a:r>
           </a:p>
           <a:p>
             <a:pPr lvl="4"/>
             <a:r>
-              <a:rPr lang="zh-CN" altLang="en-US" smtClean="0"/>
+              <a:rPr lang="zh-CN" altLang="en-US"/>
               <a:t>第五级</a:t>
             </a:r>
-            <a:endParaRPr lang="zh-CN" altLang="en-US"/>
           </a:p>
         </p:txBody>
       </p:sp>
@@ -763,7 +758,7 @@
           <a:p>
             <a:fld id="{040B7C12-11E1-412E-B2DA-388387B615FD}" type="datetimeFigureOut">
               <a:rPr lang="zh-CN" altLang="en-US" smtClean="0"/>
-              <a:t>2019/11/18</a:t>
+              <a:t>2019/11/30</a:t>
             </a:fld>
             <a:endParaRPr lang="zh-CN" altLang="en-US"/>
           </a:p>
@@ -821,13 +816,6 @@
   <p:clrMapOvr>
     <a:masterClrMapping/>
   </p:clrMapOvr>
-  <p:timing>
-    <p:tnLst>
-      <p:par>
-        <p:cTn id="1" dur="indefinite" restart="never" nodeType="tmRoot"/>
-      </p:par>
-    </p:tnLst>
-  </p:timing>
 </p:sldLayout>
 </file>
 
@@ -873,10 +861,9 @@
           </a:lstStyle>
           <a:p>
             <a:r>
-              <a:rPr lang="zh-CN" altLang="en-US" smtClean="0"/>
+              <a:rPr lang="zh-CN" altLang="en-US"/>
               <a:t>单击此处编辑母版标题样式</a:t>
             </a:r>
-            <a:endParaRPr lang="zh-CN" altLang="en-US"/>
           </a:p>
         </p:txBody>
       </p:sp>
@@ -993,7 +980,7 @@
           <a:p>
             <a:pPr lvl="0"/>
             <a:r>
-              <a:rPr lang="zh-CN" altLang="en-US" smtClean="0"/>
+              <a:rPr lang="zh-CN" altLang="en-US"/>
               <a:t>编辑母版文本样式</a:t>
             </a:r>
           </a:p>
@@ -1016,7 +1003,7 @@
           <a:p>
             <a:fld id="{040B7C12-11E1-412E-B2DA-388387B615FD}" type="datetimeFigureOut">
               <a:rPr lang="zh-CN" altLang="en-US" smtClean="0"/>
-              <a:t>2019/11/18</a:t>
+              <a:t>2019/11/30</a:t>
             </a:fld>
             <a:endParaRPr lang="zh-CN" altLang="en-US"/>
           </a:p>
@@ -1110,10 +1097,9 @@
           <a:lstStyle/>
           <a:p>
             <a:r>
-              <a:rPr lang="zh-CN" altLang="en-US" smtClean="0"/>
+              <a:rPr lang="zh-CN" altLang="en-US"/>
               <a:t>单击此处编辑母版标题样式</a:t>
             </a:r>
-            <a:endParaRPr lang="zh-CN" altLang="en-US"/>
           </a:p>
         </p:txBody>
       </p:sp>
@@ -1139,38 +1125,37 @@
           <a:p>
             <a:pPr lvl="0"/>
             <a:r>
-              <a:rPr lang="zh-CN" altLang="en-US" smtClean="0"/>
+              <a:rPr lang="zh-CN" altLang="en-US"/>
               <a:t>编辑母版文本样式</a:t>
             </a:r>
           </a:p>
           <a:p>
             <a:pPr lvl="1"/>
             <a:r>
-              <a:rPr lang="zh-CN" altLang="en-US" smtClean="0"/>
+              <a:rPr lang="zh-CN" altLang="en-US"/>
               <a:t>第二级</a:t>
             </a:r>
           </a:p>
           <a:p>
             <a:pPr lvl="2"/>
             <a:r>
-              <a:rPr lang="zh-CN" altLang="en-US" smtClean="0"/>
+              <a:rPr lang="zh-CN" altLang="en-US"/>
               <a:t>第三级</a:t>
             </a:r>
           </a:p>
           <a:p>
             <a:pPr lvl="3"/>
             <a:r>
-              <a:rPr lang="zh-CN" altLang="en-US" smtClean="0"/>
+              <a:rPr lang="zh-CN" altLang="en-US"/>
               <a:t>第四级</a:t>
             </a:r>
           </a:p>
           <a:p>
             <a:pPr lvl="4"/>
             <a:r>
-              <a:rPr lang="zh-CN" altLang="en-US" smtClean="0"/>
+              <a:rPr lang="zh-CN" altLang="en-US"/>
               <a:t>第五级</a:t>
             </a:r>
-            <a:endParaRPr lang="zh-CN" altLang="en-US"/>
           </a:p>
         </p:txBody>
       </p:sp>
@@ -1196,38 +1181,37 @@
           <a:p>
             <a:pPr lvl="0"/>
             <a:r>
-              <a:rPr lang="zh-CN" altLang="en-US" smtClean="0"/>
+              <a:rPr lang="zh-CN" altLang="en-US"/>
               <a:t>编辑母版文本样式</a:t>
             </a:r>
           </a:p>
           <a:p>
             <a:pPr lvl="1"/>
             <a:r>
-              <a:rPr lang="zh-CN" altLang="en-US" smtClean="0"/>
+              <a:rPr lang="zh-CN" altLang="en-US"/>
               <a:t>第二级</a:t>
             </a:r>
           </a:p>
           <a:p>
             <a:pPr lvl="2"/>
             <a:r>
-              <a:rPr lang="zh-CN" altLang="en-US" smtClean="0"/>
+              <a:rPr lang="zh-CN" altLang="en-US"/>
               <a:t>第三级</a:t>
             </a:r>
           </a:p>
           <a:p>
             <a:pPr lvl="3"/>
             <a:r>
-              <a:rPr lang="zh-CN" altLang="en-US" smtClean="0"/>
+              <a:rPr lang="zh-CN" altLang="en-US"/>
               <a:t>第四级</a:t>
             </a:r>
           </a:p>
           <a:p>
             <a:pPr lvl="4"/>
             <a:r>
-              <a:rPr lang="zh-CN" altLang="en-US" smtClean="0"/>
+              <a:rPr lang="zh-CN" altLang="en-US"/>
               <a:t>第五级</a:t>
             </a:r>
-            <a:endParaRPr lang="zh-CN" altLang="en-US"/>
           </a:p>
         </p:txBody>
       </p:sp>
@@ -1248,7 +1232,7 @@
           <a:p>
             <a:fld id="{040B7C12-11E1-412E-B2DA-388387B615FD}" type="datetimeFigureOut">
               <a:rPr lang="zh-CN" altLang="en-US" smtClean="0"/>
-              <a:t>2019/11/18</a:t>
+              <a:t>2019/11/30</a:t>
             </a:fld>
             <a:endParaRPr lang="zh-CN" altLang="en-US"/>
           </a:p>
@@ -1347,10 +1331,9 @@
           <a:lstStyle/>
           <a:p>
             <a:r>
-              <a:rPr lang="zh-CN" altLang="en-US" smtClean="0"/>
+              <a:rPr lang="zh-CN" altLang="en-US"/>
               <a:t>单击此处编辑母版标题样式</a:t>
             </a:r>
-            <a:endParaRPr lang="zh-CN" altLang="en-US"/>
           </a:p>
         </p:txBody>
       </p:sp>
@@ -1413,7 +1396,7 @@
           <a:p>
             <a:pPr lvl="0"/>
             <a:r>
-              <a:rPr lang="zh-CN" altLang="en-US" smtClean="0"/>
+              <a:rPr lang="zh-CN" altLang="en-US"/>
               <a:t>编辑母版文本样式</a:t>
             </a:r>
           </a:p>
@@ -1441,38 +1424,37 @@
           <a:p>
             <a:pPr lvl="0"/>
             <a:r>
-              <a:rPr lang="zh-CN" altLang="en-US" smtClean="0"/>
+              <a:rPr lang="zh-CN" altLang="en-US"/>
               <a:t>编辑母版文本样式</a:t>
             </a:r>
           </a:p>
           <a:p>
             <a:pPr lvl="1"/>
             <a:r>
-              <a:rPr lang="zh-CN" altLang="en-US" smtClean="0"/>
+              <a:rPr lang="zh-CN" altLang="en-US"/>
               <a:t>第二级</a:t>
             </a:r>
           </a:p>
           <a:p>
             <a:pPr lvl="2"/>
             <a:r>
-              <a:rPr lang="zh-CN" altLang="en-US" smtClean="0"/>
+              <a:rPr lang="zh-CN" altLang="en-US"/>
               <a:t>第三级</a:t>
             </a:r>
           </a:p>
           <a:p>
             <a:pPr lvl="3"/>
             <a:r>
-              <a:rPr lang="zh-CN" altLang="en-US" smtClean="0"/>
+              <a:rPr lang="zh-CN" altLang="en-US"/>
               <a:t>第四级</a:t>
             </a:r>
           </a:p>
           <a:p>
             <a:pPr lvl="4"/>
             <a:r>
-              <a:rPr lang="zh-CN" altLang="en-US" smtClean="0"/>
+              <a:rPr lang="zh-CN" altLang="en-US"/>
               <a:t>第五级</a:t>
             </a:r>
-            <a:endParaRPr lang="zh-CN" altLang="en-US"/>
           </a:p>
         </p:txBody>
       </p:sp>
@@ -1535,7 +1517,7 @@
           <a:p>
             <a:pPr lvl="0"/>
             <a:r>
-              <a:rPr lang="zh-CN" altLang="en-US" smtClean="0"/>
+              <a:rPr lang="zh-CN" altLang="en-US"/>
               <a:t>编辑母版文本样式</a:t>
             </a:r>
           </a:p>
@@ -1563,38 +1545,37 @@
           <a:p>
             <a:pPr lvl="0"/>
             <a:r>
-              <a:rPr lang="zh-CN" altLang="en-US" smtClean="0"/>
+              <a:rPr lang="zh-CN" altLang="en-US"/>
               <a:t>编辑母版文本样式</a:t>
             </a:r>
           </a:p>
           <a:p>
             <a:pPr lvl="1"/>
             <a:r>
-              <a:rPr lang="zh-CN" altLang="en-US" smtClean="0"/>
+              <a:rPr lang="zh-CN" altLang="en-US"/>
               <a:t>第二级</a:t>
             </a:r>
           </a:p>
           <a:p>
             <a:pPr lvl="2"/>
             <a:r>
-              <a:rPr lang="zh-CN" altLang="en-US" smtClean="0"/>
+              <a:rPr lang="zh-CN" altLang="en-US"/>
               <a:t>第三级</a:t>
             </a:r>
           </a:p>
           <a:p>
             <a:pPr lvl="3"/>
             <a:r>
-              <a:rPr lang="zh-CN" altLang="en-US" smtClean="0"/>
+              <a:rPr lang="zh-CN" altLang="en-US"/>
               <a:t>第四级</a:t>
             </a:r>
           </a:p>
           <a:p>
             <a:pPr lvl="4"/>
             <a:r>
-              <a:rPr lang="zh-CN" altLang="en-US" smtClean="0"/>
+              <a:rPr lang="zh-CN" altLang="en-US"/>
               <a:t>第五级</a:t>
             </a:r>
-            <a:endParaRPr lang="zh-CN" altLang="en-US"/>
           </a:p>
         </p:txBody>
       </p:sp>
@@ -1615,7 +1596,7 @@
           <a:p>
             <a:fld id="{040B7C12-11E1-412E-B2DA-388387B615FD}" type="datetimeFigureOut">
               <a:rPr lang="zh-CN" altLang="en-US" smtClean="0"/>
-              <a:t>2019/11/18</a:t>
+              <a:t>2019/11/30</a:t>
             </a:fld>
             <a:endParaRPr lang="zh-CN" altLang="en-US"/>
           </a:p>
@@ -1709,10 +1690,9 @@
           <a:lstStyle/>
           <a:p>
             <a:r>
-              <a:rPr lang="zh-CN" altLang="en-US" smtClean="0"/>
+              <a:rPr lang="zh-CN" altLang="en-US"/>
               <a:t>单击此处编辑母版标题样式</a:t>
             </a:r>
-            <a:endParaRPr lang="zh-CN" altLang="en-US"/>
           </a:p>
         </p:txBody>
       </p:sp>
@@ -1733,7 +1713,7 @@
           <a:p>
             <a:fld id="{040B7C12-11E1-412E-B2DA-388387B615FD}" type="datetimeFigureOut">
               <a:rPr lang="zh-CN" altLang="en-US" smtClean="0"/>
-              <a:t>2019/11/18</a:t>
+              <a:t>2019/11/30</a:t>
             </a:fld>
             <a:endParaRPr lang="zh-CN" altLang="en-US"/>
           </a:p>
@@ -1828,7 +1808,7 @@
           <a:p>
             <a:fld id="{040B7C12-11E1-412E-B2DA-388387B615FD}" type="datetimeFigureOut">
               <a:rPr lang="zh-CN" altLang="en-US" smtClean="0"/>
-              <a:t>2019/11/18</a:t>
+              <a:t>2019/11/30</a:t>
             </a:fld>
             <a:endParaRPr lang="zh-CN" altLang="en-US"/>
           </a:p>
@@ -1931,10 +1911,9 @@
           </a:lstStyle>
           <a:p>
             <a:r>
-              <a:rPr lang="zh-CN" altLang="en-US" smtClean="0"/>
+              <a:rPr lang="zh-CN" altLang="en-US"/>
               <a:t>单击此处编辑母版标题样式</a:t>
             </a:r>
-            <a:endParaRPr lang="zh-CN" altLang="en-US"/>
           </a:p>
         </p:txBody>
       </p:sp>
@@ -1988,38 +1967,37 @@
           <a:p>
             <a:pPr lvl="0"/>
             <a:r>
-              <a:rPr lang="zh-CN" altLang="en-US" smtClean="0"/>
+              <a:rPr lang="zh-CN" altLang="en-US"/>
               <a:t>编辑母版文本样式</a:t>
             </a:r>
           </a:p>
           <a:p>
             <a:pPr lvl="1"/>
             <a:r>
-              <a:rPr lang="zh-CN" altLang="en-US" smtClean="0"/>
+              <a:rPr lang="zh-CN" altLang="en-US"/>
               <a:t>第二级</a:t>
             </a:r>
           </a:p>
           <a:p>
             <a:pPr lvl="2"/>
             <a:r>
-              <a:rPr lang="zh-CN" altLang="en-US" smtClean="0"/>
+              <a:rPr lang="zh-CN" altLang="en-US"/>
               <a:t>第三级</a:t>
             </a:r>
           </a:p>
           <a:p>
             <a:pPr lvl="3"/>
             <a:r>
-              <a:rPr lang="zh-CN" altLang="en-US" smtClean="0"/>
+              <a:rPr lang="zh-CN" altLang="en-US"/>
               <a:t>第四级</a:t>
             </a:r>
           </a:p>
           <a:p>
             <a:pPr lvl="4"/>
             <a:r>
-              <a:rPr lang="zh-CN" altLang="en-US" smtClean="0"/>
+              <a:rPr lang="zh-CN" altLang="en-US"/>
               <a:t>第五级</a:t>
             </a:r>
-            <a:endParaRPr lang="zh-CN" altLang="en-US"/>
           </a:p>
         </p:txBody>
       </p:sp>
@@ -2082,7 +2060,7 @@
           <a:p>
             <a:pPr lvl="0"/>
             <a:r>
-              <a:rPr lang="zh-CN" altLang="en-US" smtClean="0"/>
+              <a:rPr lang="zh-CN" altLang="en-US"/>
               <a:t>编辑母版文本样式</a:t>
             </a:r>
           </a:p>
@@ -2105,7 +2083,7 @@
           <a:p>
             <a:fld id="{040B7C12-11E1-412E-B2DA-388387B615FD}" type="datetimeFigureOut">
               <a:rPr lang="zh-CN" altLang="en-US" smtClean="0"/>
-              <a:t>2019/11/18</a:t>
+              <a:t>2019/11/30</a:t>
             </a:fld>
             <a:endParaRPr lang="zh-CN" altLang="en-US"/>
           </a:p>
@@ -2208,10 +2186,9 @@
           </a:lstStyle>
           <a:p>
             <a:r>
-              <a:rPr lang="zh-CN" altLang="en-US" smtClean="0"/>
+              <a:rPr lang="zh-CN" altLang="en-US"/>
               <a:t>单击此处编辑母版标题样式</a:t>
             </a:r>
-            <a:endParaRPr lang="zh-CN" altLang="en-US"/>
           </a:p>
         </p:txBody>
       </p:sp>
@@ -2335,7 +2312,7 @@
           <a:p>
             <a:pPr lvl="0"/>
             <a:r>
-              <a:rPr lang="zh-CN" altLang="en-US" smtClean="0"/>
+              <a:rPr lang="zh-CN" altLang="en-US"/>
               <a:t>编辑母版文本样式</a:t>
             </a:r>
           </a:p>
@@ -2358,7 +2335,7 @@
           <a:p>
             <a:fld id="{040B7C12-11E1-412E-B2DA-388387B615FD}" type="datetimeFigureOut">
               <a:rPr lang="zh-CN" altLang="en-US" smtClean="0"/>
-              <a:t>2019/11/18</a:t>
+              <a:t>2019/11/30</a:t>
             </a:fld>
             <a:endParaRPr lang="zh-CN" altLang="en-US"/>
           </a:p>
@@ -2467,10 +2444,9 @@
           <a:lstStyle/>
           <a:p>
             <a:r>
-              <a:rPr lang="zh-CN" altLang="en-US" smtClean="0"/>
+              <a:rPr lang="zh-CN" altLang="en-US"/>
               <a:t>单击此处编辑母版标题样式</a:t>
             </a:r>
-            <a:endParaRPr lang="zh-CN" altLang="en-US"/>
           </a:p>
         </p:txBody>
       </p:sp>
@@ -2501,38 +2477,37 @@
           <a:p>
             <a:pPr lvl="0"/>
             <a:r>
-              <a:rPr lang="zh-CN" altLang="en-US" smtClean="0"/>
+              <a:rPr lang="zh-CN" altLang="en-US"/>
               <a:t>编辑母版文本样式</a:t>
             </a:r>
           </a:p>
           <a:p>
             <a:pPr lvl="1"/>
             <a:r>
-              <a:rPr lang="zh-CN" altLang="en-US" smtClean="0"/>
+              <a:rPr lang="zh-CN" altLang="en-US"/>
               <a:t>第二级</a:t>
             </a:r>
           </a:p>
           <a:p>
             <a:pPr lvl="2"/>
             <a:r>
-              <a:rPr lang="zh-CN" altLang="en-US" smtClean="0"/>
+              <a:rPr lang="zh-CN" altLang="en-US"/>
               <a:t>第三级</a:t>
             </a:r>
           </a:p>
           <a:p>
             <a:pPr lvl="3"/>
             <a:r>
-              <a:rPr lang="zh-CN" altLang="en-US" smtClean="0"/>
+              <a:rPr lang="zh-CN" altLang="en-US"/>
               <a:t>第四级</a:t>
             </a:r>
           </a:p>
           <a:p>
             <a:pPr lvl="4"/>
             <a:r>
-              <a:rPr lang="zh-CN" altLang="en-US" smtClean="0"/>
+              <a:rPr lang="zh-CN" altLang="en-US"/>
               <a:t>第五级</a:t>
             </a:r>
-            <a:endParaRPr lang="zh-CN" altLang="en-US"/>
           </a:p>
         </p:txBody>
       </p:sp>
@@ -2571,7 +2546,7 @@
           <a:p>
             <a:fld id="{040B7C12-11E1-412E-B2DA-388387B615FD}" type="datetimeFigureOut">
               <a:rPr lang="zh-CN" altLang="en-US" smtClean="0"/>
-              <a:t>2019/11/18</a:t>
+              <a:t>2019/11/30</a:t>
             </a:fld>
             <a:endParaRPr lang="zh-CN" altLang="en-US"/>
           </a:p>
@@ -3021,7 +2996,7 @@
           <a:p>
             <a:pPr algn="ctr"/>
             <a:r>
-              <a:rPr lang="en-US" altLang="zh-CN" sz="3200" dirty="0" smtClean="0">
+              <a:rPr lang="en-US" altLang="zh-CN" sz="3200" dirty="0">
                 <a:solidFill>
                   <a:sysClr val="windowText" lastClr="000000"/>
                 </a:solidFill>
@@ -3126,16 +3101,12 @@
           <a:lstStyle/>
           <a:p>
             <a:r>
-              <a:rPr lang="zh-CN" altLang="en-US" sz="3200" dirty="0" smtClean="0">
+              <a:rPr lang="zh-CN" altLang="en-US" sz="3200" dirty="0">
                 <a:latin typeface="Times New Roman" panose="02020603050405020304" pitchFamily="18" charset="0"/>
                 <a:cs typeface="Times New Roman" panose="02020603050405020304" pitchFamily="18" charset="0"/>
               </a:rPr>
               <a:t>parent1 </a:t>
             </a:r>
-            <a:endParaRPr lang="zh-CN" altLang="en-US" sz="3200" dirty="0">
-              <a:latin typeface="Times New Roman" panose="02020603050405020304" pitchFamily="18" charset="0"/>
-              <a:cs typeface="Times New Roman" panose="02020603050405020304" pitchFamily="18" charset="0"/>
-            </a:endParaRPr>
           </a:p>
         </p:txBody>
       </p:sp>
@@ -3161,30 +3132,26 @@
           <a:lstStyle/>
           <a:p>
             <a:r>
-              <a:rPr lang="zh-CN" altLang="en-US" sz="3200" dirty="0" smtClean="0">
+              <a:rPr lang="zh-CN" altLang="en-US" sz="3200" dirty="0">
                 <a:latin typeface="Times New Roman" panose="02020603050405020304" pitchFamily="18" charset="0"/>
                 <a:cs typeface="Times New Roman" panose="02020603050405020304" pitchFamily="18" charset="0"/>
               </a:rPr>
               <a:t>parent</a:t>
             </a:r>
             <a:r>
-              <a:rPr lang="en-US" altLang="zh-CN" sz="3200" dirty="0" smtClean="0">
+              <a:rPr lang="en-US" altLang="zh-CN" sz="3200" dirty="0">
                 <a:latin typeface="Times New Roman" panose="02020603050405020304" pitchFamily="18" charset="0"/>
                 <a:cs typeface="Times New Roman" panose="02020603050405020304" pitchFamily="18" charset="0"/>
               </a:rPr>
               <a:t>2</a:t>
             </a:r>
             <a:r>
-              <a:rPr lang="zh-CN" altLang="en-US" sz="3200" dirty="0" smtClean="0">
+              <a:rPr lang="zh-CN" altLang="en-US" sz="3200" dirty="0">
                 <a:latin typeface="Times New Roman" panose="02020603050405020304" pitchFamily="18" charset="0"/>
                 <a:cs typeface="Times New Roman" panose="02020603050405020304" pitchFamily="18" charset="0"/>
               </a:rPr>
               <a:t> </a:t>
             </a:r>
-            <a:endParaRPr lang="zh-CN" altLang="en-US" sz="3200" dirty="0">
-              <a:latin typeface="Times New Roman" panose="02020603050405020304" pitchFamily="18" charset="0"/>
-              <a:cs typeface="Times New Roman" panose="02020603050405020304" pitchFamily="18" charset="0"/>
-            </a:endParaRPr>
           </a:p>
         </p:txBody>
       </p:sp>
@@ -3553,7 +3520,7 @@
           <a:p>
             <a:pPr algn="ctr"/>
             <a:r>
-              <a:rPr lang="en-US" altLang="zh-CN" sz="3200" dirty="0" smtClean="0">
+              <a:rPr lang="en-US" altLang="zh-CN" sz="3200" dirty="0">
                 <a:solidFill>
                   <a:sysClr val="windowText" lastClr="000000"/>
                 </a:solidFill>
@@ -3681,7 +3648,7 @@
           <a:p>
             <a:pPr algn="ctr"/>
             <a:r>
-              <a:rPr lang="en-US" altLang="zh-CN" sz="3200" dirty="0" smtClean="0">
+              <a:rPr lang="en-US" altLang="zh-CN" sz="3200" dirty="0">
                 <a:solidFill>
                   <a:sysClr val="windowText" lastClr="000000"/>
                 </a:solidFill>
@@ -4001,7 +3968,7 @@
           <a:p>
             <a:pPr algn="ctr"/>
             <a:r>
-              <a:rPr lang="en-US" altLang="zh-CN" sz="3200" dirty="0" smtClean="0">
+              <a:rPr lang="en-US" altLang="zh-CN" sz="3200" dirty="0">
                 <a:solidFill>
                   <a:sysClr val="windowText" lastClr="000000"/>
                 </a:solidFill>
@@ -4065,7 +4032,7 @@
           <a:p>
             <a:pPr algn="ctr"/>
             <a:r>
-              <a:rPr lang="en-US" altLang="zh-CN" sz="3200" dirty="0" smtClean="0">
+              <a:rPr lang="en-US" altLang="zh-CN" sz="3200" dirty="0">
                 <a:solidFill>
                   <a:sysClr val="windowText" lastClr="000000"/>
                 </a:solidFill>
@@ -4106,7 +4073,7 @@
           <a:lstStyle/>
           <a:p>
             <a:r>
-              <a:rPr lang="zh-CN" altLang="en-US" sz="3200" dirty="0" smtClean="0">
+              <a:rPr lang="zh-CN" altLang="en-US" sz="3200" dirty="0">
                 <a:latin typeface="Times New Roman" panose="02020603050405020304" pitchFamily="18" charset="0"/>
                 <a:cs typeface="Times New Roman" panose="02020603050405020304" pitchFamily="18" charset="0"/>
               </a:rPr>
@@ -4120,34 +4087,20 @@
               <a:t>Partial-Mapped </a:t>
             </a:r>
             <a:r>
-              <a:rPr lang="en-US" altLang="zh-CN" sz="3200" dirty="0" err="1" smtClean="0">
-                <a:latin typeface="Times New Roman" panose="02020603050405020304" pitchFamily="18" charset="0"/>
-                <a:cs typeface="Times New Roman" panose="02020603050405020304" pitchFamily="18" charset="0"/>
-              </a:rPr>
-              <a:t>crossover</a:t>
-            </a:r>
-            <a:r>
               <a:rPr lang="en-US" altLang="zh-CN" sz="3200" dirty="0" err="1">
                 <a:latin typeface="Times New Roman" panose="02020603050405020304" pitchFamily="18" charset="0"/>
                 <a:cs typeface="Times New Roman" panose="02020603050405020304" pitchFamily="18" charset="0"/>
               </a:rPr>
-              <a:t>,</a:t>
-            </a:r>
-            <a:r>
-              <a:rPr lang="en-US" altLang="zh-CN" sz="3200" dirty="0" err="1" smtClean="0">
-                <a:latin typeface="Times New Roman" panose="02020603050405020304" pitchFamily="18" charset="0"/>
-                <a:cs typeface="Times New Roman" panose="02020603050405020304" pitchFamily="18" charset="0"/>
-              </a:rPr>
-              <a:t>PMX</a:t>
-            </a:r>
-            <a:r>
-              <a:rPr lang="en-US" altLang="zh-CN" sz="3200" dirty="0" smtClean="0">
+              <a:t>crossover,PMX</a:t>
+            </a:r>
+            <a:r>
+              <a:rPr lang="en-US" altLang="zh-CN" sz="3200" dirty="0">
                 <a:latin typeface="Times New Roman" panose="02020603050405020304" pitchFamily="18" charset="0"/>
                 <a:cs typeface="Times New Roman" panose="02020603050405020304" pitchFamily="18" charset="0"/>
               </a:rPr>
               <a:t>)</a:t>
             </a:r>
-            <a:endParaRPr lang="zh-CN" altLang="en-US" sz="3200" dirty="0" smtClean="0">
+            <a:endParaRPr lang="zh-CN" altLang="en-US" sz="3200" dirty="0">
               <a:latin typeface="Times New Roman" panose="02020603050405020304" pitchFamily="18" charset="0"/>
               <a:cs typeface="Times New Roman" panose="02020603050405020304" pitchFamily="18" charset="0"/>
             </a:endParaRPr>
@@ -4212,7 +4165,7 @@
           <a:lstStyle/>
           <a:p>
             <a:r>
-              <a:rPr lang="zh-CN" altLang="en-US" sz="3200" dirty="0" smtClean="0">
+              <a:rPr lang="zh-CN" altLang="en-US" sz="3200" dirty="0">
                 <a:latin typeface="Times New Roman" panose="02020603050405020304" pitchFamily="18" charset="0"/>
                 <a:cs typeface="Times New Roman" panose="02020603050405020304" pitchFamily="18" charset="0"/>
               </a:rPr>
@@ -4666,23 +4619,19 @@
           <a:lstStyle/>
           <a:p>
             <a:r>
-              <a:rPr lang="en-US" altLang="zh-CN" sz="3200" dirty="0" smtClean="0">
+              <a:rPr lang="en-US" altLang="zh-CN" sz="3200" dirty="0">
                 <a:latin typeface="Times New Roman" panose="02020603050405020304" pitchFamily="18" charset="0"/>
                 <a:cs typeface="Times New Roman" panose="02020603050405020304" pitchFamily="18" charset="0"/>
               </a:rPr>
               <a:t>parent2</a:t>
             </a:r>
             <a:r>
-              <a:rPr lang="zh-CN" altLang="en-US" sz="3200" dirty="0" smtClean="0">
+              <a:rPr lang="zh-CN" altLang="en-US" sz="3200" dirty="0">
                 <a:latin typeface="Times New Roman" panose="02020603050405020304" pitchFamily="18" charset="0"/>
                 <a:cs typeface="Times New Roman" panose="02020603050405020304" pitchFamily="18" charset="0"/>
               </a:rPr>
               <a:t>同理</a:t>
             </a:r>
-            <a:endParaRPr lang="zh-CN" altLang="en-US" sz="3200" dirty="0" smtClean="0">
-              <a:latin typeface="Times New Roman" panose="02020603050405020304" pitchFamily="18" charset="0"/>
-              <a:cs typeface="Times New Roman" panose="02020603050405020304" pitchFamily="18" charset="0"/>
-            </a:endParaRPr>
           </a:p>
         </p:txBody>
       </p:sp>
@@ -4731,7 +4680,7 @@
           <a:p>
             <a:pPr algn="ctr"/>
             <a:r>
-              <a:rPr lang="en-US" altLang="zh-CN" sz="3200" dirty="0" smtClean="0">
+              <a:rPr lang="en-US" altLang="zh-CN" sz="3200" dirty="0">
                 <a:solidFill>
                   <a:sysClr val="windowText" lastClr="000000"/>
                 </a:solidFill>
@@ -4925,7 +4874,7 @@
     </p:spTree>
     <p:extLst>
       <p:ext uri="{BB962C8B-B14F-4D97-AF65-F5344CB8AC3E}">
-        <p14:creationId xmlns:p14="http://schemas.microsoft.com/office/powerpoint/2010/main" val="1315841932"/>
+        <p14:creationId xmlns:p14="http://schemas.microsoft.com/office/powerpoint/2010/main" val="1031028793"/>
       </p:ext>
     </p:extLst>
   </p:cSld>
@@ -6459,6 +6408,7319 @@
 </p:sld>
 </file>
 
+<file path=ppt/slides/slide2.xml><?xml version="1.0" encoding="utf-8"?>
+<p:sld xmlns:a="http://schemas.openxmlformats.org/drawingml/2006/main" xmlns:r="http://schemas.openxmlformats.org/officeDocument/2006/relationships" xmlns:p="http://schemas.openxmlformats.org/presentationml/2006/main">
+  <p:cSld>
+    <p:spTree>
+      <p:nvGrpSpPr>
+        <p:cNvPr id="1" name=""/>
+        <p:cNvGrpSpPr/>
+        <p:nvPr/>
+      </p:nvGrpSpPr>
+      <p:grpSpPr>
+        <a:xfrm>
+          <a:off x="0" y="0"/>
+          <a:ext cx="0" cy="0"/>
+          <a:chOff x="0" y="0"/>
+          <a:chExt cx="0" cy="0"/>
+        </a:xfrm>
+      </p:grpSpPr>
+      <p:sp>
+        <p:nvSpPr>
+          <p:cNvPr id="99" name="矩形 98"/>
+          <p:cNvSpPr/>
+          <p:nvPr/>
+        </p:nvSpPr>
+        <p:spPr>
+          <a:xfrm>
+            <a:off x="4189112" y="1025236"/>
+            <a:ext cx="716175" cy="515259"/>
+          </a:xfrm>
+          <a:prstGeom prst="rect">
+            <a:avLst/>
+          </a:prstGeom>
+          <a:solidFill>
+            <a:srgbClr val="FFC000"/>
+          </a:solidFill>
+          <a:ln w="6350">
+            <a:solidFill>
+              <a:schemeClr val="tx1"/>
+            </a:solidFill>
+          </a:ln>
+        </p:spPr>
+        <p:style>
+          <a:lnRef idx="2">
+            <a:schemeClr val="accent1">
+              <a:shade val="50000"/>
+            </a:schemeClr>
+          </a:lnRef>
+          <a:fillRef idx="1">
+            <a:schemeClr val="accent1"/>
+          </a:fillRef>
+          <a:effectRef idx="0">
+            <a:schemeClr val="accent1"/>
+          </a:effectRef>
+          <a:fontRef idx="minor">
+            <a:schemeClr val="lt1"/>
+          </a:fontRef>
+        </p:style>
+        <p:txBody>
+          <a:bodyPr rtlCol="0" anchor="ctr"/>
+          <a:lstStyle/>
+          <a:p>
+            <a:pPr algn="ctr"/>
+            <a:r>
+              <a:rPr lang="en-US" altLang="zh-CN" sz="3200" dirty="0">
+                <a:solidFill>
+                  <a:sysClr val="windowText" lastClr="000000"/>
+                </a:solidFill>
+                <a:latin typeface="Times New Roman" panose="02020603050405020304" pitchFamily="18" charset="0"/>
+                <a:cs typeface="Times New Roman" panose="02020603050405020304" pitchFamily="18" charset="0"/>
+              </a:rPr>
+              <a:t>1</a:t>
+            </a:r>
+            <a:endParaRPr lang="zh-CN" altLang="en-US" sz="3200" dirty="0">
+              <a:solidFill>
+                <a:sysClr val="windowText" lastClr="000000"/>
+              </a:solidFill>
+              <a:latin typeface="Times New Roman" panose="02020603050405020304" pitchFamily="18" charset="0"/>
+              <a:cs typeface="Times New Roman" panose="02020603050405020304" pitchFamily="18" charset="0"/>
+            </a:endParaRPr>
+          </a:p>
+        </p:txBody>
+      </p:sp>
+      <p:sp>
+        <p:nvSpPr>
+          <p:cNvPr id="110" name="矩形 109"/>
+          <p:cNvSpPr/>
+          <p:nvPr/>
+        </p:nvSpPr>
+        <p:spPr>
+          <a:xfrm>
+            <a:off x="4189112" y="2739481"/>
+            <a:ext cx="716175" cy="515259"/>
+          </a:xfrm>
+          <a:prstGeom prst="rect">
+            <a:avLst/>
+          </a:prstGeom>
+          <a:solidFill>
+            <a:srgbClr val="00B0F0"/>
+          </a:solidFill>
+          <a:ln w="6350">
+            <a:solidFill>
+              <a:schemeClr val="tx1"/>
+            </a:solidFill>
+          </a:ln>
+        </p:spPr>
+        <p:style>
+          <a:lnRef idx="2">
+            <a:schemeClr val="accent1">
+              <a:shade val="50000"/>
+            </a:schemeClr>
+          </a:lnRef>
+          <a:fillRef idx="1">
+            <a:schemeClr val="accent1"/>
+          </a:fillRef>
+          <a:effectRef idx="0">
+            <a:schemeClr val="accent1"/>
+          </a:effectRef>
+          <a:fontRef idx="minor">
+            <a:schemeClr val="lt1"/>
+          </a:fontRef>
+        </p:style>
+        <p:txBody>
+          <a:bodyPr rtlCol="0" anchor="ctr"/>
+          <a:lstStyle/>
+          <a:p>
+            <a:pPr algn="ctr"/>
+            <a:r>
+              <a:rPr lang="en-US" altLang="zh-CN" sz="3200" dirty="0">
+                <a:solidFill>
+                  <a:sysClr val="windowText" lastClr="000000"/>
+                </a:solidFill>
+                <a:latin typeface="Times New Roman" panose="02020603050405020304" pitchFamily="18" charset="0"/>
+                <a:cs typeface="Times New Roman" panose="02020603050405020304" pitchFamily="18" charset="0"/>
+              </a:rPr>
+              <a:t>3</a:t>
+            </a:r>
+            <a:endParaRPr lang="zh-CN" altLang="en-US" sz="3200" dirty="0">
+              <a:solidFill>
+                <a:sysClr val="windowText" lastClr="000000"/>
+              </a:solidFill>
+              <a:latin typeface="Times New Roman" panose="02020603050405020304" pitchFamily="18" charset="0"/>
+              <a:cs typeface="Times New Roman" panose="02020603050405020304" pitchFamily="18" charset="0"/>
+            </a:endParaRPr>
+          </a:p>
+        </p:txBody>
+      </p:sp>
+      <p:sp>
+        <p:nvSpPr>
+          <p:cNvPr id="122" name="矩形 121"/>
+          <p:cNvSpPr/>
+          <p:nvPr/>
+        </p:nvSpPr>
+        <p:spPr>
+          <a:xfrm>
+            <a:off x="2095256" y="1025236"/>
+            <a:ext cx="1518364" cy="584776"/>
+          </a:xfrm>
+          <a:prstGeom prst="rect">
+            <a:avLst/>
+          </a:prstGeom>
+        </p:spPr>
+        <p:txBody>
+          <a:bodyPr wrap="none">
+            <a:spAutoFit/>
+          </a:bodyPr>
+          <a:lstStyle/>
+          <a:p>
+            <a:r>
+              <a:rPr lang="zh-CN" altLang="en-US" sz="3200" dirty="0">
+                <a:latin typeface="Times New Roman" panose="02020603050405020304" pitchFamily="18" charset="0"/>
+                <a:cs typeface="Times New Roman" panose="02020603050405020304" pitchFamily="18" charset="0"/>
+              </a:rPr>
+              <a:t>parent1 </a:t>
+            </a:r>
+          </a:p>
+        </p:txBody>
+      </p:sp>
+      <p:sp>
+        <p:nvSpPr>
+          <p:cNvPr id="123" name="矩形 122"/>
+          <p:cNvSpPr/>
+          <p:nvPr/>
+        </p:nvSpPr>
+        <p:spPr>
+          <a:xfrm>
+            <a:off x="2082449" y="2699763"/>
+            <a:ext cx="1518364" cy="584776"/>
+          </a:xfrm>
+          <a:prstGeom prst="rect">
+            <a:avLst/>
+          </a:prstGeom>
+        </p:spPr>
+        <p:txBody>
+          <a:bodyPr wrap="none">
+            <a:spAutoFit/>
+          </a:bodyPr>
+          <a:lstStyle/>
+          <a:p>
+            <a:r>
+              <a:rPr lang="zh-CN" altLang="en-US" sz="3200" dirty="0">
+                <a:latin typeface="Times New Roman" panose="02020603050405020304" pitchFamily="18" charset="0"/>
+                <a:cs typeface="Times New Roman" panose="02020603050405020304" pitchFamily="18" charset="0"/>
+              </a:rPr>
+              <a:t>parent</a:t>
+            </a:r>
+            <a:r>
+              <a:rPr lang="en-US" altLang="zh-CN" sz="3200" dirty="0">
+                <a:latin typeface="Times New Roman" panose="02020603050405020304" pitchFamily="18" charset="0"/>
+                <a:cs typeface="Times New Roman" panose="02020603050405020304" pitchFamily="18" charset="0"/>
+              </a:rPr>
+              <a:t>2</a:t>
+            </a:r>
+            <a:r>
+              <a:rPr lang="zh-CN" altLang="en-US" sz="3200" dirty="0">
+                <a:latin typeface="Times New Roman" panose="02020603050405020304" pitchFamily="18" charset="0"/>
+                <a:cs typeface="Times New Roman" panose="02020603050405020304" pitchFamily="18" charset="0"/>
+              </a:rPr>
+              <a:t> </a:t>
+            </a:r>
+          </a:p>
+        </p:txBody>
+      </p:sp>
+      <p:sp>
+        <p:nvSpPr>
+          <p:cNvPr id="96" name="矩形 95"/>
+          <p:cNvSpPr/>
+          <p:nvPr/>
+        </p:nvSpPr>
+        <p:spPr>
+          <a:xfrm>
+            <a:off x="4905286" y="1025236"/>
+            <a:ext cx="716175" cy="515259"/>
+          </a:xfrm>
+          <a:prstGeom prst="rect">
+            <a:avLst/>
+          </a:prstGeom>
+          <a:solidFill>
+            <a:srgbClr val="FFC000"/>
+          </a:solidFill>
+          <a:ln w="6350">
+            <a:solidFill>
+              <a:schemeClr val="tx1"/>
+            </a:solidFill>
+          </a:ln>
+        </p:spPr>
+        <p:style>
+          <a:lnRef idx="2">
+            <a:schemeClr val="accent1">
+              <a:shade val="50000"/>
+            </a:schemeClr>
+          </a:lnRef>
+          <a:fillRef idx="1">
+            <a:schemeClr val="accent1"/>
+          </a:fillRef>
+          <a:effectRef idx="0">
+            <a:schemeClr val="accent1"/>
+          </a:effectRef>
+          <a:fontRef idx="minor">
+            <a:schemeClr val="lt1"/>
+          </a:fontRef>
+        </p:style>
+        <p:txBody>
+          <a:bodyPr rtlCol="0" anchor="ctr"/>
+          <a:lstStyle/>
+          <a:p>
+            <a:pPr algn="ctr"/>
+            <a:r>
+              <a:rPr lang="en-US" altLang="zh-CN" sz="3200" dirty="0">
+                <a:solidFill>
+                  <a:sysClr val="windowText" lastClr="000000"/>
+                </a:solidFill>
+                <a:latin typeface="Times New Roman" panose="02020603050405020304" pitchFamily="18" charset="0"/>
+                <a:cs typeface="Times New Roman" panose="02020603050405020304" pitchFamily="18" charset="0"/>
+              </a:rPr>
+              <a:t>2</a:t>
+            </a:r>
+            <a:endParaRPr lang="zh-CN" altLang="en-US" sz="3200" dirty="0">
+              <a:solidFill>
+                <a:sysClr val="windowText" lastClr="000000"/>
+              </a:solidFill>
+              <a:latin typeface="Times New Roman" panose="02020603050405020304" pitchFamily="18" charset="0"/>
+              <a:cs typeface="Times New Roman" panose="02020603050405020304" pitchFamily="18" charset="0"/>
+            </a:endParaRPr>
+          </a:p>
+        </p:txBody>
+      </p:sp>
+      <p:sp>
+        <p:nvSpPr>
+          <p:cNvPr id="97" name="矩形 96"/>
+          <p:cNvSpPr/>
+          <p:nvPr/>
+        </p:nvSpPr>
+        <p:spPr>
+          <a:xfrm>
+            <a:off x="5621461" y="1025236"/>
+            <a:ext cx="716175" cy="515259"/>
+          </a:xfrm>
+          <a:prstGeom prst="rect">
+            <a:avLst/>
+          </a:prstGeom>
+          <a:solidFill>
+            <a:srgbClr val="FFC000"/>
+          </a:solidFill>
+          <a:ln w="6350">
+            <a:solidFill>
+              <a:schemeClr val="tx1"/>
+            </a:solidFill>
+          </a:ln>
+        </p:spPr>
+        <p:style>
+          <a:lnRef idx="2">
+            <a:schemeClr val="accent1">
+              <a:shade val="50000"/>
+            </a:schemeClr>
+          </a:lnRef>
+          <a:fillRef idx="1">
+            <a:schemeClr val="accent1"/>
+          </a:fillRef>
+          <a:effectRef idx="0">
+            <a:schemeClr val="accent1"/>
+          </a:effectRef>
+          <a:fontRef idx="minor">
+            <a:schemeClr val="lt1"/>
+          </a:fontRef>
+        </p:style>
+        <p:txBody>
+          <a:bodyPr rtlCol="0" anchor="ctr"/>
+          <a:lstStyle/>
+          <a:p>
+            <a:pPr algn="ctr"/>
+            <a:r>
+              <a:rPr lang="en-US" altLang="zh-CN" sz="3200" dirty="0">
+                <a:solidFill>
+                  <a:sysClr val="windowText" lastClr="000000"/>
+                </a:solidFill>
+                <a:latin typeface="Times New Roman" panose="02020603050405020304" pitchFamily="18" charset="0"/>
+                <a:cs typeface="Times New Roman" panose="02020603050405020304" pitchFamily="18" charset="0"/>
+              </a:rPr>
+              <a:t>3</a:t>
+            </a:r>
+            <a:endParaRPr lang="zh-CN" altLang="en-US" sz="3200" dirty="0">
+              <a:solidFill>
+                <a:sysClr val="windowText" lastClr="000000"/>
+              </a:solidFill>
+              <a:latin typeface="Times New Roman" panose="02020603050405020304" pitchFamily="18" charset="0"/>
+              <a:cs typeface="Times New Roman" panose="02020603050405020304" pitchFamily="18" charset="0"/>
+            </a:endParaRPr>
+          </a:p>
+        </p:txBody>
+      </p:sp>
+      <p:sp>
+        <p:nvSpPr>
+          <p:cNvPr id="98" name="矩形 97"/>
+          <p:cNvSpPr/>
+          <p:nvPr/>
+        </p:nvSpPr>
+        <p:spPr>
+          <a:xfrm>
+            <a:off x="6337636" y="1025236"/>
+            <a:ext cx="716175" cy="515259"/>
+          </a:xfrm>
+          <a:prstGeom prst="rect">
+            <a:avLst/>
+          </a:prstGeom>
+          <a:solidFill>
+            <a:srgbClr val="FFC000"/>
+          </a:solidFill>
+          <a:ln w="6350">
+            <a:solidFill>
+              <a:schemeClr val="tx1"/>
+            </a:solidFill>
+          </a:ln>
+        </p:spPr>
+        <p:style>
+          <a:lnRef idx="2">
+            <a:schemeClr val="accent1">
+              <a:shade val="50000"/>
+            </a:schemeClr>
+          </a:lnRef>
+          <a:fillRef idx="1">
+            <a:schemeClr val="accent1"/>
+          </a:fillRef>
+          <a:effectRef idx="0">
+            <a:schemeClr val="accent1"/>
+          </a:effectRef>
+          <a:fontRef idx="minor">
+            <a:schemeClr val="lt1"/>
+          </a:fontRef>
+        </p:style>
+        <p:txBody>
+          <a:bodyPr rtlCol="0" anchor="ctr"/>
+          <a:lstStyle/>
+          <a:p>
+            <a:pPr algn="ctr"/>
+            <a:r>
+              <a:rPr lang="en-US" altLang="zh-CN" sz="3200" dirty="0">
+                <a:solidFill>
+                  <a:sysClr val="windowText" lastClr="000000"/>
+                </a:solidFill>
+                <a:latin typeface="Times New Roman" panose="02020603050405020304" pitchFamily="18" charset="0"/>
+                <a:cs typeface="Times New Roman" panose="02020603050405020304" pitchFamily="18" charset="0"/>
+              </a:rPr>
+              <a:t>4</a:t>
+            </a:r>
+            <a:endParaRPr lang="zh-CN" altLang="en-US" sz="3200" dirty="0">
+              <a:solidFill>
+                <a:sysClr val="windowText" lastClr="000000"/>
+              </a:solidFill>
+              <a:latin typeface="Times New Roman" panose="02020603050405020304" pitchFamily="18" charset="0"/>
+              <a:cs typeface="Times New Roman" panose="02020603050405020304" pitchFamily="18" charset="0"/>
+            </a:endParaRPr>
+          </a:p>
+        </p:txBody>
+      </p:sp>
+      <p:sp>
+        <p:nvSpPr>
+          <p:cNvPr id="121" name="矩形 120"/>
+          <p:cNvSpPr/>
+          <p:nvPr/>
+        </p:nvSpPr>
+        <p:spPr>
+          <a:xfrm>
+            <a:off x="7053810" y="1025236"/>
+            <a:ext cx="716175" cy="515259"/>
+          </a:xfrm>
+          <a:prstGeom prst="rect">
+            <a:avLst/>
+          </a:prstGeom>
+          <a:solidFill>
+            <a:srgbClr val="FFC000"/>
+          </a:solidFill>
+          <a:ln w="6350">
+            <a:solidFill>
+              <a:schemeClr val="tx1"/>
+            </a:solidFill>
+          </a:ln>
+        </p:spPr>
+        <p:style>
+          <a:lnRef idx="2">
+            <a:schemeClr val="accent1">
+              <a:shade val="50000"/>
+            </a:schemeClr>
+          </a:lnRef>
+          <a:fillRef idx="1">
+            <a:schemeClr val="accent1"/>
+          </a:fillRef>
+          <a:effectRef idx="0">
+            <a:schemeClr val="accent1"/>
+          </a:effectRef>
+          <a:fontRef idx="minor">
+            <a:schemeClr val="lt1"/>
+          </a:fontRef>
+        </p:style>
+        <p:txBody>
+          <a:bodyPr rtlCol="0" anchor="ctr"/>
+          <a:lstStyle/>
+          <a:p>
+            <a:pPr algn="ctr"/>
+            <a:r>
+              <a:rPr lang="en-US" altLang="zh-CN" sz="3200" dirty="0">
+                <a:solidFill>
+                  <a:sysClr val="windowText" lastClr="000000"/>
+                </a:solidFill>
+                <a:latin typeface="Times New Roman" panose="02020603050405020304" pitchFamily="18" charset="0"/>
+                <a:cs typeface="Times New Roman" panose="02020603050405020304" pitchFamily="18" charset="0"/>
+              </a:rPr>
+              <a:t>5</a:t>
+            </a:r>
+            <a:endParaRPr lang="zh-CN" altLang="en-US" sz="3200" dirty="0">
+              <a:solidFill>
+                <a:sysClr val="windowText" lastClr="000000"/>
+              </a:solidFill>
+              <a:latin typeface="Times New Roman" panose="02020603050405020304" pitchFamily="18" charset="0"/>
+              <a:cs typeface="Times New Roman" panose="02020603050405020304" pitchFamily="18" charset="0"/>
+            </a:endParaRPr>
+          </a:p>
+        </p:txBody>
+      </p:sp>
+      <p:sp>
+        <p:nvSpPr>
+          <p:cNvPr id="194" name="矩形 193"/>
+          <p:cNvSpPr/>
+          <p:nvPr/>
+        </p:nvSpPr>
+        <p:spPr>
+          <a:xfrm>
+            <a:off x="7769985" y="1025236"/>
+            <a:ext cx="716175" cy="515259"/>
+          </a:xfrm>
+          <a:prstGeom prst="rect">
+            <a:avLst/>
+          </a:prstGeom>
+          <a:solidFill>
+            <a:srgbClr val="FFC000"/>
+          </a:solidFill>
+          <a:ln w="6350">
+            <a:solidFill>
+              <a:schemeClr val="tx1"/>
+            </a:solidFill>
+          </a:ln>
+        </p:spPr>
+        <p:style>
+          <a:lnRef idx="2">
+            <a:schemeClr val="accent1">
+              <a:shade val="50000"/>
+            </a:schemeClr>
+          </a:lnRef>
+          <a:fillRef idx="1">
+            <a:schemeClr val="accent1"/>
+          </a:fillRef>
+          <a:effectRef idx="0">
+            <a:schemeClr val="accent1"/>
+          </a:effectRef>
+          <a:fontRef idx="minor">
+            <a:schemeClr val="lt1"/>
+          </a:fontRef>
+        </p:style>
+        <p:txBody>
+          <a:bodyPr rtlCol="0" anchor="ctr"/>
+          <a:lstStyle/>
+          <a:p>
+            <a:pPr algn="ctr"/>
+            <a:r>
+              <a:rPr lang="en-US" altLang="zh-CN" sz="3200" dirty="0">
+                <a:solidFill>
+                  <a:sysClr val="windowText" lastClr="000000"/>
+                </a:solidFill>
+                <a:latin typeface="Times New Roman" panose="02020603050405020304" pitchFamily="18" charset="0"/>
+                <a:cs typeface="Times New Roman" panose="02020603050405020304" pitchFamily="18" charset="0"/>
+              </a:rPr>
+              <a:t>6</a:t>
+            </a:r>
+            <a:endParaRPr lang="zh-CN" altLang="en-US" sz="3200" dirty="0">
+              <a:solidFill>
+                <a:sysClr val="windowText" lastClr="000000"/>
+              </a:solidFill>
+              <a:latin typeface="Times New Roman" panose="02020603050405020304" pitchFamily="18" charset="0"/>
+              <a:cs typeface="Times New Roman" panose="02020603050405020304" pitchFamily="18" charset="0"/>
+            </a:endParaRPr>
+          </a:p>
+        </p:txBody>
+      </p:sp>
+      <p:sp>
+        <p:nvSpPr>
+          <p:cNvPr id="195" name="矩形 194"/>
+          <p:cNvSpPr/>
+          <p:nvPr/>
+        </p:nvSpPr>
+        <p:spPr>
+          <a:xfrm>
+            <a:off x="8486160" y="1025236"/>
+            <a:ext cx="716175" cy="515259"/>
+          </a:xfrm>
+          <a:prstGeom prst="rect">
+            <a:avLst/>
+          </a:prstGeom>
+          <a:solidFill>
+            <a:srgbClr val="FFC000"/>
+          </a:solidFill>
+          <a:ln w="6350">
+            <a:solidFill>
+              <a:schemeClr val="tx1"/>
+            </a:solidFill>
+          </a:ln>
+        </p:spPr>
+        <p:style>
+          <a:lnRef idx="2">
+            <a:schemeClr val="accent1">
+              <a:shade val="50000"/>
+            </a:schemeClr>
+          </a:lnRef>
+          <a:fillRef idx="1">
+            <a:schemeClr val="accent1"/>
+          </a:fillRef>
+          <a:effectRef idx="0">
+            <a:schemeClr val="accent1"/>
+          </a:effectRef>
+          <a:fontRef idx="minor">
+            <a:schemeClr val="lt1"/>
+          </a:fontRef>
+        </p:style>
+        <p:txBody>
+          <a:bodyPr rtlCol="0" anchor="ctr"/>
+          <a:lstStyle/>
+          <a:p>
+            <a:pPr algn="ctr"/>
+            <a:r>
+              <a:rPr lang="en-US" altLang="zh-CN" sz="3200" dirty="0">
+                <a:solidFill>
+                  <a:sysClr val="windowText" lastClr="000000"/>
+                </a:solidFill>
+                <a:latin typeface="Times New Roman" panose="02020603050405020304" pitchFamily="18" charset="0"/>
+                <a:cs typeface="Times New Roman" panose="02020603050405020304" pitchFamily="18" charset="0"/>
+              </a:rPr>
+              <a:t>7</a:t>
+            </a:r>
+            <a:endParaRPr lang="zh-CN" altLang="en-US" sz="3200" dirty="0">
+              <a:solidFill>
+                <a:sysClr val="windowText" lastClr="000000"/>
+              </a:solidFill>
+              <a:latin typeface="Times New Roman" panose="02020603050405020304" pitchFamily="18" charset="0"/>
+              <a:cs typeface="Times New Roman" panose="02020603050405020304" pitchFamily="18" charset="0"/>
+            </a:endParaRPr>
+          </a:p>
+        </p:txBody>
+      </p:sp>
+      <p:sp>
+        <p:nvSpPr>
+          <p:cNvPr id="196" name="矩形 195"/>
+          <p:cNvSpPr/>
+          <p:nvPr/>
+        </p:nvSpPr>
+        <p:spPr>
+          <a:xfrm>
+            <a:off x="9202334" y="1025236"/>
+            <a:ext cx="716175" cy="515259"/>
+          </a:xfrm>
+          <a:prstGeom prst="rect">
+            <a:avLst/>
+          </a:prstGeom>
+          <a:solidFill>
+            <a:srgbClr val="FFC000"/>
+          </a:solidFill>
+          <a:ln w="6350">
+            <a:solidFill>
+              <a:schemeClr val="tx1"/>
+            </a:solidFill>
+          </a:ln>
+        </p:spPr>
+        <p:style>
+          <a:lnRef idx="2">
+            <a:schemeClr val="accent1">
+              <a:shade val="50000"/>
+            </a:schemeClr>
+          </a:lnRef>
+          <a:fillRef idx="1">
+            <a:schemeClr val="accent1"/>
+          </a:fillRef>
+          <a:effectRef idx="0">
+            <a:schemeClr val="accent1"/>
+          </a:effectRef>
+          <a:fontRef idx="minor">
+            <a:schemeClr val="lt1"/>
+          </a:fontRef>
+        </p:style>
+        <p:txBody>
+          <a:bodyPr rtlCol="0" anchor="ctr"/>
+          <a:lstStyle/>
+          <a:p>
+            <a:pPr algn="ctr"/>
+            <a:r>
+              <a:rPr lang="en-US" altLang="zh-CN" sz="3200" dirty="0">
+                <a:solidFill>
+                  <a:sysClr val="windowText" lastClr="000000"/>
+                </a:solidFill>
+                <a:latin typeface="Times New Roman" panose="02020603050405020304" pitchFamily="18" charset="0"/>
+                <a:cs typeface="Times New Roman" panose="02020603050405020304" pitchFamily="18" charset="0"/>
+              </a:rPr>
+              <a:t>8</a:t>
+            </a:r>
+            <a:endParaRPr lang="zh-CN" altLang="en-US" sz="3200" dirty="0">
+              <a:solidFill>
+                <a:sysClr val="windowText" lastClr="000000"/>
+              </a:solidFill>
+              <a:latin typeface="Times New Roman" panose="02020603050405020304" pitchFamily="18" charset="0"/>
+              <a:cs typeface="Times New Roman" panose="02020603050405020304" pitchFamily="18" charset="0"/>
+            </a:endParaRPr>
+          </a:p>
+        </p:txBody>
+      </p:sp>
+      <p:sp>
+        <p:nvSpPr>
+          <p:cNvPr id="197" name="矩形 196"/>
+          <p:cNvSpPr/>
+          <p:nvPr/>
+        </p:nvSpPr>
+        <p:spPr>
+          <a:xfrm>
+            <a:off x="4905286" y="2739481"/>
+            <a:ext cx="716175" cy="515259"/>
+          </a:xfrm>
+          <a:prstGeom prst="rect">
+            <a:avLst/>
+          </a:prstGeom>
+          <a:solidFill>
+            <a:srgbClr val="00B0F0"/>
+          </a:solidFill>
+          <a:ln w="6350">
+            <a:solidFill>
+              <a:schemeClr val="tx1"/>
+            </a:solidFill>
+          </a:ln>
+        </p:spPr>
+        <p:style>
+          <a:lnRef idx="2">
+            <a:schemeClr val="accent1">
+              <a:shade val="50000"/>
+            </a:schemeClr>
+          </a:lnRef>
+          <a:fillRef idx="1">
+            <a:schemeClr val="accent1"/>
+          </a:fillRef>
+          <a:effectRef idx="0">
+            <a:schemeClr val="accent1"/>
+          </a:effectRef>
+          <a:fontRef idx="minor">
+            <a:schemeClr val="lt1"/>
+          </a:fontRef>
+        </p:style>
+        <p:txBody>
+          <a:bodyPr rtlCol="0" anchor="ctr"/>
+          <a:lstStyle/>
+          <a:p>
+            <a:pPr algn="ctr"/>
+            <a:r>
+              <a:rPr lang="en-US" altLang="zh-CN" sz="3200" dirty="0">
+                <a:solidFill>
+                  <a:sysClr val="windowText" lastClr="000000"/>
+                </a:solidFill>
+                <a:latin typeface="Times New Roman" panose="02020603050405020304" pitchFamily="18" charset="0"/>
+                <a:cs typeface="Times New Roman" panose="02020603050405020304" pitchFamily="18" charset="0"/>
+              </a:rPr>
+              <a:t>5</a:t>
+            </a:r>
+            <a:endParaRPr lang="zh-CN" altLang="en-US" sz="3200" dirty="0">
+              <a:solidFill>
+                <a:sysClr val="windowText" lastClr="000000"/>
+              </a:solidFill>
+              <a:latin typeface="Times New Roman" panose="02020603050405020304" pitchFamily="18" charset="0"/>
+              <a:cs typeface="Times New Roman" panose="02020603050405020304" pitchFamily="18" charset="0"/>
+            </a:endParaRPr>
+          </a:p>
+        </p:txBody>
+      </p:sp>
+      <p:sp>
+        <p:nvSpPr>
+          <p:cNvPr id="198" name="矩形 197"/>
+          <p:cNvSpPr/>
+          <p:nvPr/>
+        </p:nvSpPr>
+        <p:spPr>
+          <a:xfrm>
+            <a:off x="5621461" y="2739481"/>
+            <a:ext cx="716175" cy="515259"/>
+          </a:xfrm>
+          <a:prstGeom prst="rect">
+            <a:avLst/>
+          </a:prstGeom>
+          <a:solidFill>
+            <a:srgbClr val="00B0F0"/>
+          </a:solidFill>
+          <a:ln w="6350">
+            <a:solidFill>
+              <a:schemeClr val="tx1"/>
+            </a:solidFill>
+          </a:ln>
+        </p:spPr>
+        <p:style>
+          <a:lnRef idx="2">
+            <a:schemeClr val="accent1">
+              <a:shade val="50000"/>
+            </a:schemeClr>
+          </a:lnRef>
+          <a:fillRef idx="1">
+            <a:schemeClr val="accent1"/>
+          </a:fillRef>
+          <a:effectRef idx="0">
+            <a:schemeClr val="accent1"/>
+          </a:effectRef>
+          <a:fontRef idx="minor">
+            <a:schemeClr val="lt1"/>
+          </a:fontRef>
+        </p:style>
+        <p:txBody>
+          <a:bodyPr rtlCol="0" anchor="ctr"/>
+          <a:lstStyle/>
+          <a:p>
+            <a:pPr algn="ctr"/>
+            <a:r>
+              <a:rPr lang="en-US" altLang="zh-CN" sz="3200" dirty="0">
+                <a:solidFill>
+                  <a:sysClr val="windowText" lastClr="000000"/>
+                </a:solidFill>
+                <a:latin typeface="Times New Roman" panose="02020603050405020304" pitchFamily="18" charset="0"/>
+                <a:cs typeface="Times New Roman" panose="02020603050405020304" pitchFamily="18" charset="0"/>
+              </a:rPr>
+              <a:t>8</a:t>
+            </a:r>
+            <a:endParaRPr lang="zh-CN" altLang="en-US" sz="3200" dirty="0">
+              <a:solidFill>
+                <a:sysClr val="windowText" lastClr="000000"/>
+              </a:solidFill>
+              <a:latin typeface="Times New Roman" panose="02020603050405020304" pitchFamily="18" charset="0"/>
+              <a:cs typeface="Times New Roman" panose="02020603050405020304" pitchFamily="18" charset="0"/>
+            </a:endParaRPr>
+          </a:p>
+        </p:txBody>
+      </p:sp>
+      <p:sp>
+        <p:nvSpPr>
+          <p:cNvPr id="199" name="矩形 198"/>
+          <p:cNvSpPr/>
+          <p:nvPr/>
+        </p:nvSpPr>
+        <p:spPr>
+          <a:xfrm>
+            <a:off x="6337636" y="2739481"/>
+            <a:ext cx="716175" cy="515259"/>
+          </a:xfrm>
+          <a:prstGeom prst="rect">
+            <a:avLst/>
+          </a:prstGeom>
+          <a:solidFill>
+            <a:srgbClr val="00B0F0"/>
+          </a:solidFill>
+          <a:ln w="6350">
+            <a:solidFill>
+              <a:schemeClr val="tx1"/>
+            </a:solidFill>
+          </a:ln>
+        </p:spPr>
+        <p:style>
+          <a:lnRef idx="2">
+            <a:schemeClr val="accent1">
+              <a:shade val="50000"/>
+            </a:schemeClr>
+          </a:lnRef>
+          <a:fillRef idx="1">
+            <a:schemeClr val="accent1"/>
+          </a:fillRef>
+          <a:effectRef idx="0">
+            <a:schemeClr val="accent1"/>
+          </a:effectRef>
+          <a:fontRef idx="minor">
+            <a:schemeClr val="lt1"/>
+          </a:fontRef>
+        </p:style>
+        <p:txBody>
+          <a:bodyPr rtlCol="0" anchor="ctr"/>
+          <a:lstStyle/>
+          <a:p>
+            <a:pPr algn="ctr"/>
+            <a:r>
+              <a:rPr lang="en-US" altLang="zh-CN" sz="3200" dirty="0">
+                <a:solidFill>
+                  <a:sysClr val="windowText" lastClr="000000"/>
+                </a:solidFill>
+                <a:latin typeface="Times New Roman" panose="02020603050405020304" pitchFamily="18" charset="0"/>
+                <a:cs typeface="Times New Roman" panose="02020603050405020304" pitchFamily="18" charset="0"/>
+              </a:rPr>
+              <a:t>1</a:t>
+            </a:r>
+            <a:endParaRPr lang="zh-CN" altLang="en-US" sz="3200" dirty="0">
+              <a:solidFill>
+                <a:sysClr val="windowText" lastClr="000000"/>
+              </a:solidFill>
+              <a:latin typeface="Times New Roman" panose="02020603050405020304" pitchFamily="18" charset="0"/>
+              <a:cs typeface="Times New Roman" panose="02020603050405020304" pitchFamily="18" charset="0"/>
+            </a:endParaRPr>
+          </a:p>
+        </p:txBody>
+      </p:sp>
+      <p:sp>
+        <p:nvSpPr>
+          <p:cNvPr id="200" name="矩形 199"/>
+          <p:cNvSpPr/>
+          <p:nvPr/>
+        </p:nvSpPr>
+        <p:spPr>
+          <a:xfrm>
+            <a:off x="7053810" y="2739481"/>
+            <a:ext cx="716175" cy="515259"/>
+          </a:xfrm>
+          <a:prstGeom prst="rect">
+            <a:avLst/>
+          </a:prstGeom>
+          <a:solidFill>
+            <a:srgbClr val="00B0F0"/>
+          </a:solidFill>
+          <a:ln w="6350">
+            <a:solidFill>
+              <a:schemeClr val="tx1"/>
+            </a:solidFill>
+          </a:ln>
+        </p:spPr>
+        <p:style>
+          <a:lnRef idx="2">
+            <a:schemeClr val="accent1">
+              <a:shade val="50000"/>
+            </a:schemeClr>
+          </a:lnRef>
+          <a:fillRef idx="1">
+            <a:schemeClr val="accent1"/>
+          </a:fillRef>
+          <a:effectRef idx="0">
+            <a:schemeClr val="accent1"/>
+          </a:effectRef>
+          <a:fontRef idx="minor">
+            <a:schemeClr val="lt1"/>
+          </a:fontRef>
+        </p:style>
+        <p:txBody>
+          <a:bodyPr rtlCol="0" anchor="ctr"/>
+          <a:lstStyle/>
+          <a:p>
+            <a:pPr algn="ctr"/>
+            <a:r>
+              <a:rPr lang="en-US" altLang="zh-CN" sz="3200" dirty="0">
+                <a:solidFill>
+                  <a:sysClr val="windowText" lastClr="000000"/>
+                </a:solidFill>
+                <a:latin typeface="Times New Roman" panose="02020603050405020304" pitchFamily="18" charset="0"/>
+                <a:cs typeface="Times New Roman" panose="02020603050405020304" pitchFamily="18" charset="0"/>
+              </a:rPr>
+              <a:t>7</a:t>
+            </a:r>
+            <a:endParaRPr lang="zh-CN" altLang="en-US" sz="3200" dirty="0">
+              <a:solidFill>
+                <a:sysClr val="windowText" lastClr="000000"/>
+              </a:solidFill>
+              <a:latin typeface="Times New Roman" panose="02020603050405020304" pitchFamily="18" charset="0"/>
+              <a:cs typeface="Times New Roman" panose="02020603050405020304" pitchFamily="18" charset="0"/>
+            </a:endParaRPr>
+          </a:p>
+        </p:txBody>
+      </p:sp>
+      <p:sp>
+        <p:nvSpPr>
+          <p:cNvPr id="201" name="矩形 200"/>
+          <p:cNvSpPr/>
+          <p:nvPr/>
+        </p:nvSpPr>
+        <p:spPr>
+          <a:xfrm>
+            <a:off x="7769985" y="2739481"/>
+            <a:ext cx="716175" cy="515259"/>
+          </a:xfrm>
+          <a:prstGeom prst="rect">
+            <a:avLst/>
+          </a:prstGeom>
+          <a:solidFill>
+            <a:srgbClr val="00B0F0"/>
+          </a:solidFill>
+          <a:ln w="6350">
+            <a:solidFill>
+              <a:schemeClr val="tx1"/>
+            </a:solidFill>
+          </a:ln>
+        </p:spPr>
+        <p:style>
+          <a:lnRef idx="2">
+            <a:schemeClr val="accent1">
+              <a:shade val="50000"/>
+            </a:schemeClr>
+          </a:lnRef>
+          <a:fillRef idx="1">
+            <a:schemeClr val="accent1"/>
+          </a:fillRef>
+          <a:effectRef idx="0">
+            <a:schemeClr val="accent1"/>
+          </a:effectRef>
+          <a:fontRef idx="minor">
+            <a:schemeClr val="lt1"/>
+          </a:fontRef>
+        </p:style>
+        <p:txBody>
+          <a:bodyPr rtlCol="0" anchor="ctr"/>
+          <a:lstStyle/>
+          <a:p>
+            <a:pPr algn="ctr"/>
+            <a:r>
+              <a:rPr lang="en-US" altLang="zh-CN" sz="3200" dirty="0">
+                <a:solidFill>
+                  <a:sysClr val="windowText" lastClr="000000"/>
+                </a:solidFill>
+                <a:latin typeface="Times New Roman" panose="02020603050405020304" pitchFamily="18" charset="0"/>
+                <a:cs typeface="Times New Roman" panose="02020603050405020304" pitchFamily="18" charset="0"/>
+              </a:rPr>
+              <a:t>4</a:t>
+            </a:r>
+            <a:endParaRPr lang="zh-CN" altLang="en-US" sz="3200" dirty="0">
+              <a:solidFill>
+                <a:sysClr val="windowText" lastClr="000000"/>
+              </a:solidFill>
+              <a:latin typeface="Times New Roman" panose="02020603050405020304" pitchFamily="18" charset="0"/>
+              <a:cs typeface="Times New Roman" panose="02020603050405020304" pitchFamily="18" charset="0"/>
+            </a:endParaRPr>
+          </a:p>
+        </p:txBody>
+      </p:sp>
+      <p:sp>
+        <p:nvSpPr>
+          <p:cNvPr id="202" name="矩形 201"/>
+          <p:cNvSpPr/>
+          <p:nvPr/>
+        </p:nvSpPr>
+        <p:spPr>
+          <a:xfrm>
+            <a:off x="8486160" y="2739481"/>
+            <a:ext cx="716175" cy="515259"/>
+          </a:xfrm>
+          <a:prstGeom prst="rect">
+            <a:avLst/>
+          </a:prstGeom>
+          <a:solidFill>
+            <a:srgbClr val="00B0F0"/>
+          </a:solidFill>
+          <a:ln w="6350">
+            <a:solidFill>
+              <a:schemeClr val="tx1"/>
+            </a:solidFill>
+          </a:ln>
+        </p:spPr>
+        <p:style>
+          <a:lnRef idx="2">
+            <a:schemeClr val="accent1">
+              <a:shade val="50000"/>
+            </a:schemeClr>
+          </a:lnRef>
+          <a:fillRef idx="1">
+            <a:schemeClr val="accent1"/>
+          </a:fillRef>
+          <a:effectRef idx="0">
+            <a:schemeClr val="accent1"/>
+          </a:effectRef>
+          <a:fontRef idx="minor">
+            <a:schemeClr val="lt1"/>
+          </a:fontRef>
+        </p:style>
+        <p:txBody>
+          <a:bodyPr rtlCol="0" anchor="ctr"/>
+          <a:lstStyle/>
+          <a:p>
+            <a:pPr algn="ctr"/>
+            <a:r>
+              <a:rPr lang="en-US" altLang="zh-CN" sz="3200" dirty="0">
+                <a:solidFill>
+                  <a:sysClr val="windowText" lastClr="000000"/>
+                </a:solidFill>
+                <a:latin typeface="Times New Roman" panose="02020603050405020304" pitchFamily="18" charset="0"/>
+                <a:cs typeface="Times New Roman" panose="02020603050405020304" pitchFamily="18" charset="0"/>
+              </a:rPr>
+              <a:t>2</a:t>
+            </a:r>
+            <a:endParaRPr lang="zh-CN" altLang="en-US" sz="3200" dirty="0">
+              <a:solidFill>
+                <a:sysClr val="windowText" lastClr="000000"/>
+              </a:solidFill>
+              <a:latin typeface="Times New Roman" panose="02020603050405020304" pitchFamily="18" charset="0"/>
+              <a:cs typeface="Times New Roman" panose="02020603050405020304" pitchFamily="18" charset="0"/>
+            </a:endParaRPr>
+          </a:p>
+        </p:txBody>
+      </p:sp>
+      <p:sp>
+        <p:nvSpPr>
+          <p:cNvPr id="203" name="矩形 202"/>
+          <p:cNvSpPr/>
+          <p:nvPr/>
+        </p:nvSpPr>
+        <p:spPr>
+          <a:xfrm>
+            <a:off x="9202334" y="2739481"/>
+            <a:ext cx="716175" cy="515259"/>
+          </a:xfrm>
+          <a:prstGeom prst="rect">
+            <a:avLst/>
+          </a:prstGeom>
+          <a:solidFill>
+            <a:srgbClr val="00B0F0"/>
+          </a:solidFill>
+          <a:ln w="6350">
+            <a:solidFill>
+              <a:schemeClr val="tx1"/>
+            </a:solidFill>
+          </a:ln>
+        </p:spPr>
+        <p:style>
+          <a:lnRef idx="2">
+            <a:schemeClr val="accent1">
+              <a:shade val="50000"/>
+            </a:schemeClr>
+          </a:lnRef>
+          <a:fillRef idx="1">
+            <a:schemeClr val="accent1"/>
+          </a:fillRef>
+          <a:effectRef idx="0">
+            <a:schemeClr val="accent1"/>
+          </a:effectRef>
+          <a:fontRef idx="minor">
+            <a:schemeClr val="lt1"/>
+          </a:fontRef>
+        </p:style>
+        <p:txBody>
+          <a:bodyPr rtlCol="0" anchor="ctr"/>
+          <a:lstStyle/>
+          <a:p>
+            <a:pPr algn="ctr"/>
+            <a:r>
+              <a:rPr lang="en-US" altLang="zh-CN" sz="3200" dirty="0">
+                <a:solidFill>
+                  <a:sysClr val="windowText" lastClr="000000"/>
+                </a:solidFill>
+                <a:latin typeface="Times New Roman" panose="02020603050405020304" pitchFamily="18" charset="0"/>
+                <a:cs typeface="Times New Roman" panose="02020603050405020304" pitchFamily="18" charset="0"/>
+              </a:rPr>
+              <a:t>6</a:t>
+            </a:r>
+            <a:endParaRPr lang="zh-CN" altLang="en-US" sz="3200" dirty="0">
+              <a:solidFill>
+                <a:sysClr val="windowText" lastClr="000000"/>
+              </a:solidFill>
+              <a:latin typeface="Times New Roman" panose="02020603050405020304" pitchFamily="18" charset="0"/>
+              <a:cs typeface="Times New Roman" panose="02020603050405020304" pitchFamily="18" charset="0"/>
+            </a:endParaRPr>
+          </a:p>
+        </p:txBody>
+      </p:sp>
+      <p:sp>
+        <p:nvSpPr>
+          <p:cNvPr id="15" name="矩形 14"/>
+          <p:cNvSpPr/>
+          <p:nvPr/>
+        </p:nvSpPr>
+        <p:spPr>
+          <a:xfrm>
+            <a:off x="8844244" y="2139988"/>
+            <a:ext cx="543596" cy="247246"/>
+          </a:xfrm>
+          <a:prstGeom prst="rect">
+            <a:avLst/>
+          </a:prstGeom>
+          <a:noFill/>
+          <a:ln>
+            <a:noFill/>
+          </a:ln>
+        </p:spPr>
+        <p:style>
+          <a:lnRef idx="2">
+            <a:schemeClr val="accent1">
+              <a:shade val="50000"/>
+            </a:schemeClr>
+          </a:lnRef>
+          <a:fillRef idx="1">
+            <a:schemeClr val="accent1"/>
+          </a:fillRef>
+          <a:effectRef idx="0">
+            <a:schemeClr val="accent1"/>
+          </a:effectRef>
+          <a:fontRef idx="minor">
+            <a:schemeClr val="lt1"/>
+          </a:fontRef>
+        </p:style>
+        <p:txBody>
+          <a:bodyPr rtlCol="0" anchor="ctr"/>
+          <a:lstStyle/>
+          <a:p>
+            <a:pPr algn="ctr"/>
+            <a:endParaRPr lang="zh-CN" altLang="en-US">
+              <a:latin typeface="Times New Roman" panose="02020603050405020304" pitchFamily="18" charset="0"/>
+              <a:cs typeface="Times New Roman" panose="02020603050405020304" pitchFamily="18" charset="0"/>
+            </a:endParaRPr>
+          </a:p>
+        </p:txBody>
+      </p:sp>
+      <p:cxnSp>
+        <p:nvCxnSpPr>
+          <p:cNvPr id="37" name="直接箭头连接符 36">
+            <a:extLst>
+              <a:ext uri="{FF2B5EF4-FFF2-40B4-BE49-F238E27FC236}">
+                <a16:creationId xmlns:a16="http://schemas.microsoft.com/office/drawing/2014/main" id="{3E33F29C-EC72-43B3-B6D3-634938DD4056}"/>
+              </a:ext>
+            </a:extLst>
+          </p:cNvPr>
+          <p:cNvCxnSpPr/>
+          <p:nvPr/>
+        </p:nvCxnSpPr>
+        <p:spPr>
+          <a:xfrm>
+            <a:off x="5267079" y="146954"/>
+            <a:ext cx="2470" cy="878282"/>
+          </a:xfrm>
+          <a:prstGeom prst="straightConnector1">
+            <a:avLst/>
+          </a:prstGeom>
+          <a:ln w="19050">
+            <a:solidFill>
+              <a:srgbClr val="FF0000"/>
+            </a:solidFill>
+            <a:tailEnd type="triangle"/>
+          </a:ln>
+        </p:spPr>
+        <p:style>
+          <a:lnRef idx="1">
+            <a:schemeClr val="accent1"/>
+          </a:lnRef>
+          <a:fillRef idx="0">
+            <a:schemeClr val="accent1"/>
+          </a:fillRef>
+          <a:effectRef idx="0">
+            <a:schemeClr val="accent1"/>
+          </a:effectRef>
+          <a:fontRef idx="minor">
+            <a:schemeClr val="tx1"/>
+          </a:fontRef>
+        </p:style>
+      </p:cxnSp>
+      <p:cxnSp>
+        <p:nvCxnSpPr>
+          <p:cNvPr id="39" name="直接箭头连接符 38">
+            <a:extLst>
+              <a:ext uri="{FF2B5EF4-FFF2-40B4-BE49-F238E27FC236}">
+                <a16:creationId xmlns:a16="http://schemas.microsoft.com/office/drawing/2014/main" id="{9CF5ACA5-2ED1-4B91-BD87-8775AA3E3759}"/>
+              </a:ext>
+            </a:extLst>
+          </p:cNvPr>
+          <p:cNvCxnSpPr/>
+          <p:nvPr/>
+        </p:nvCxnSpPr>
+        <p:spPr>
+          <a:xfrm>
+            <a:off x="7408193" y="146954"/>
+            <a:ext cx="2470" cy="878282"/>
+          </a:xfrm>
+          <a:prstGeom prst="straightConnector1">
+            <a:avLst/>
+          </a:prstGeom>
+          <a:ln w="19050">
+            <a:solidFill>
+              <a:srgbClr val="FF0000"/>
+            </a:solidFill>
+            <a:tailEnd type="triangle"/>
+          </a:ln>
+        </p:spPr>
+        <p:style>
+          <a:lnRef idx="1">
+            <a:schemeClr val="accent1"/>
+          </a:lnRef>
+          <a:fillRef idx="0">
+            <a:schemeClr val="accent1"/>
+          </a:fillRef>
+          <a:effectRef idx="0">
+            <a:schemeClr val="accent1"/>
+          </a:effectRef>
+          <a:fontRef idx="minor">
+            <a:schemeClr val="tx1"/>
+          </a:fontRef>
+        </p:style>
+      </p:cxnSp>
+      <p:cxnSp>
+        <p:nvCxnSpPr>
+          <p:cNvPr id="40" name="直接箭头连接符 39">
+            <a:extLst>
+              <a:ext uri="{FF2B5EF4-FFF2-40B4-BE49-F238E27FC236}">
+                <a16:creationId xmlns:a16="http://schemas.microsoft.com/office/drawing/2014/main" id="{F6C1EA76-9B58-470D-9C82-010DA40C86DD}"/>
+              </a:ext>
+            </a:extLst>
+          </p:cNvPr>
+          <p:cNvCxnSpPr/>
+          <p:nvPr/>
+        </p:nvCxnSpPr>
+        <p:spPr>
+          <a:xfrm>
+            <a:off x="5267079" y="3252675"/>
+            <a:ext cx="2470" cy="878282"/>
+          </a:xfrm>
+          <a:prstGeom prst="straightConnector1">
+            <a:avLst/>
+          </a:prstGeom>
+          <a:ln w="19050">
+            <a:solidFill>
+              <a:srgbClr val="FF0000"/>
+            </a:solidFill>
+            <a:headEnd type="triangle"/>
+            <a:tailEnd type="none"/>
+          </a:ln>
+        </p:spPr>
+        <p:style>
+          <a:lnRef idx="1">
+            <a:schemeClr val="accent1"/>
+          </a:lnRef>
+          <a:fillRef idx="0">
+            <a:schemeClr val="accent1"/>
+          </a:fillRef>
+          <a:effectRef idx="0">
+            <a:schemeClr val="accent1"/>
+          </a:effectRef>
+          <a:fontRef idx="minor">
+            <a:schemeClr val="tx1"/>
+          </a:fontRef>
+        </p:style>
+      </p:cxnSp>
+      <p:cxnSp>
+        <p:nvCxnSpPr>
+          <p:cNvPr id="42" name="直接箭头连接符 41">
+            <a:extLst>
+              <a:ext uri="{FF2B5EF4-FFF2-40B4-BE49-F238E27FC236}">
+                <a16:creationId xmlns:a16="http://schemas.microsoft.com/office/drawing/2014/main" id="{414573B3-7C0B-4DF0-9B61-2FD30DC75B6D}"/>
+              </a:ext>
+            </a:extLst>
+          </p:cNvPr>
+          <p:cNvCxnSpPr/>
+          <p:nvPr/>
+        </p:nvCxnSpPr>
+        <p:spPr>
+          <a:xfrm>
+            <a:off x="7408193" y="3252675"/>
+            <a:ext cx="2470" cy="878282"/>
+          </a:xfrm>
+          <a:prstGeom prst="straightConnector1">
+            <a:avLst/>
+          </a:prstGeom>
+          <a:ln w="19050">
+            <a:solidFill>
+              <a:srgbClr val="FF0000"/>
+            </a:solidFill>
+            <a:headEnd type="triangle"/>
+            <a:tailEnd type="none"/>
+          </a:ln>
+        </p:spPr>
+        <p:style>
+          <a:lnRef idx="1">
+            <a:schemeClr val="accent1"/>
+          </a:lnRef>
+          <a:fillRef idx="0">
+            <a:schemeClr val="accent1"/>
+          </a:fillRef>
+          <a:effectRef idx="0">
+            <a:schemeClr val="accent1"/>
+          </a:effectRef>
+          <a:fontRef idx="minor">
+            <a:schemeClr val="tx1"/>
+          </a:fontRef>
+        </p:style>
+      </p:cxnSp>
+    </p:spTree>
+    <p:extLst>
+      <p:ext uri="{BB962C8B-B14F-4D97-AF65-F5344CB8AC3E}">
+        <p14:creationId xmlns:p14="http://schemas.microsoft.com/office/powerpoint/2010/main" val="1315841932"/>
+      </p:ext>
+    </p:extLst>
+  </p:cSld>
+  <p:clrMapOvr>
+    <a:masterClrMapping/>
+  </p:clrMapOvr>
+</p:sld>
+</file>
+
+<file path=ppt/slides/slide3.xml><?xml version="1.0" encoding="utf-8"?>
+<p:sld xmlns:a="http://schemas.openxmlformats.org/drawingml/2006/main" xmlns:r="http://schemas.openxmlformats.org/officeDocument/2006/relationships" xmlns:p="http://schemas.openxmlformats.org/presentationml/2006/main">
+  <p:cSld>
+    <p:spTree>
+      <p:nvGrpSpPr>
+        <p:cNvPr id="1" name=""/>
+        <p:cNvGrpSpPr/>
+        <p:nvPr/>
+      </p:nvGrpSpPr>
+      <p:grpSpPr>
+        <a:xfrm>
+          <a:off x="0" y="0"/>
+          <a:ext cx="0" cy="0"/>
+          <a:chOff x="0" y="0"/>
+          <a:chExt cx="0" cy="0"/>
+        </a:xfrm>
+      </p:grpSpPr>
+      <p:sp>
+        <p:nvSpPr>
+          <p:cNvPr id="33" name="矩形 32">
+            <a:extLst>
+              <a:ext uri="{FF2B5EF4-FFF2-40B4-BE49-F238E27FC236}">
+                <a16:creationId xmlns:a16="http://schemas.microsoft.com/office/drawing/2014/main" id="{162C3AFE-38D8-419F-BFED-D6A56B060777}"/>
+              </a:ext>
+            </a:extLst>
+          </p:cNvPr>
+          <p:cNvSpPr/>
+          <p:nvPr/>
+        </p:nvSpPr>
+        <p:spPr>
+          <a:xfrm>
+            <a:off x="4189112" y="1025236"/>
+            <a:ext cx="716175" cy="515259"/>
+          </a:xfrm>
+          <a:prstGeom prst="rect">
+            <a:avLst/>
+          </a:prstGeom>
+          <a:solidFill>
+            <a:srgbClr val="FFC000"/>
+          </a:solidFill>
+          <a:ln w="6350">
+            <a:solidFill>
+              <a:schemeClr val="tx1"/>
+            </a:solidFill>
+          </a:ln>
+        </p:spPr>
+        <p:style>
+          <a:lnRef idx="2">
+            <a:schemeClr val="accent1">
+              <a:shade val="50000"/>
+            </a:schemeClr>
+          </a:lnRef>
+          <a:fillRef idx="1">
+            <a:schemeClr val="accent1"/>
+          </a:fillRef>
+          <a:effectRef idx="0">
+            <a:schemeClr val="accent1"/>
+          </a:effectRef>
+          <a:fontRef idx="minor">
+            <a:schemeClr val="lt1"/>
+          </a:fontRef>
+        </p:style>
+        <p:txBody>
+          <a:bodyPr rtlCol="0" anchor="ctr"/>
+          <a:lstStyle/>
+          <a:p>
+            <a:pPr algn="ctr"/>
+            <a:r>
+              <a:rPr lang="en-US" altLang="zh-CN" sz="3200" dirty="0">
+                <a:solidFill>
+                  <a:sysClr val="windowText" lastClr="000000"/>
+                </a:solidFill>
+                <a:latin typeface="Times New Roman" panose="02020603050405020304" pitchFamily="18" charset="0"/>
+                <a:cs typeface="Times New Roman" panose="02020603050405020304" pitchFamily="18" charset="0"/>
+              </a:rPr>
+              <a:t>1</a:t>
+            </a:r>
+            <a:endParaRPr lang="zh-CN" altLang="en-US" sz="3200" dirty="0">
+              <a:solidFill>
+                <a:sysClr val="windowText" lastClr="000000"/>
+              </a:solidFill>
+              <a:latin typeface="Times New Roman" panose="02020603050405020304" pitchFamily="18" charset="0"/>
+              <a:cs typeface="Times New Roman" panose="02020603050405020304" pitchFamily="18" charset="0"/>
+            </a:endParaRPr>
+          </a:p>
+        </p:txBody>
+      </p:sp>
+      <p:sp>
+        <p:nvSpPr>
+          <p:cNvPr id="34" name="矩形 33">
+            <a:extLst>
+              <a:ext uri="{FF2B5EF4-FFF2-40B4-BE49-F238E27FC236}">
+                <a16:creationId xmlns:a16="http://schemas.microsoft.com/office/drawing/2014/main" id="{0E149954-43DB-4FB5-8D4D-E63106847FAC}"/>
+              </a:ext>
+            </a:extLst>
+          </p:cNvPr>
+          <p:cNvSpPr/>
+          <p:nvPr/>
+        </p:nvSpPr>
+        <p:spPr>
+          <a:xfrm>
+            <a:off x="4189112" y="2739481"/>
+            <a:ext cx="716175" cy="515259"/>
+          </a:xfrm>
+          <a:prstGeom prst="rect">
+            <a:avLst/>
+          </a:prstGeom>
+          <a:solidFill>
+            <a:srgbClr val="00B0F0"/>
+          </a:solidFill>
+          <a:ln w="6350">
+            <a:solidFill>
+              <a:schemeClr val="tx1"/>
+            </a:solidFill>
+          </a:ln>
+        </p:spPr>
+        <p:style>
+          <a:lnRef idx="2">
+            <a:schemeClr val="accent1">
+              <a:shade val="50000"/>
+            </a:schemeClr>
+          </a:lnRef>
+          <a:fillRef idx="1">
+            <a:schemeClr val="accent1"/>
+          </a:fillRef>
+          <a:effectRef idx="0">
+            <a:schemeClr val="accent1"/>
+          </a:effectRef>
+          <a:fontRef idx="minor">
+            <a:schemeClr val="lt1"/>
+          </a:fontRef>
+        </p:style>
+        <p:txBody>
+          <a:bodyPr rtlCol="0" anchor="ctr"/>
+          <a:lstStyle/>
+          <a:p>
+            <a:pPr algn="ctr"/>
+            <a:r>
+              <a:rPr lang="en-US" altLang="zh-CN" sz="3200" dirty="0">
+                <a:solidFill>
+                  <a:sysClr val="windowText" lastClr="000000"/>
+                </a:solidFill>
+                <a:latin typeface="Times New Roman" panose="02020603050405020304" pitchFamily="18" charset="0"/>
+                <a:cs typeface="Times New Roman" panose="02020603050405020304" pitchFamily="18" charset="0"/>
+              </a:rPr>
+              <a:t>3</a:t>
+            </a:r>
+            <a:endParaRPr lang="zh-CN" altLang="en-US" sz="3200" dirty="0">
+              <a:solidFill>
+                <a:sysClr val="windowText" lastClr="000000"/>
+              </a:solidFill>
+              <a:latin typeface="Times New Roman" panose="02020603050405020304" pitchFamily="18" charset="0"/>
+              <a:cs typeface="Times New Roman" panose="02020603050405020304" pitchFamily="18" charset="0"/>
+            </a:endParaRPr>
+          </a:p>
+        </p:txBody>
+      </p:sp>
+      <p:sp>
+        <p:nvSpPr>
+          <p:cNvPr id="35" name="矩形 34">
+            <a:extLst>
+              <a:ext uri="{FF2B5EF4-FFF2-40B4-BE49-F238E27FC236}">
+                <a16:creationId xmlns:a16="http://schemas.microsoft.com/office/drawing/2014/main" id="{DE18DDB2-E2AD-4343-BEDE-7364B5A33B34}"/>
+              </a:ext>
+            </a:extLst>
+          </p:cNvPr>
+          <p:cNvSpPr/>
+          <p:nvPr/>
+        </p:nvSpPr>
+        <p:spPr>
+          <a:xfrm>
+            <a:off x="2095256" y="1025236"/>
+            <a:ext cx="1518364" cy="584776"/>
+          </a:xfrm>
+          <a:prstGeom prst="rect">
+            <a:avLst/>
+          </a:prstGeom>
+        </p:spPr>
+        <p:txBody>
+          <a:bodyPr wrap="none">
+            <a:spAutoFit/>
+          </a:bodyPr>
+          <a:lstStyle/>
+          <a:p>
+            <a:r>
+              <a:rPr lang="zh-CN" altLang="en-US" sz="3200" dirty="0">
+                <a:latin typeface="Times New Roman" panose="02020603050405020304" pitchFamily="18" charset="0"/>
+                <a:cs typeface="Times New Roman" panose="02020603050405020304" pitchFamily="18" charset="0"/>
+              </a:rPr>
+              <a:t>parent1 </a:t>
+            </a:r>
+          </a:p>
+        </p:txBody>
+      </p:sp>
+      <p:sp>
+        <p:nvSpPr>
+          <p:cNvPr id="36" name="矩形 35">
+            <a:extLst>
+              <a:ext uri="{FF2B5EF4-FFF2-40B4-BE49-F238E27FC236}">
+                <a16:creationId xmlns:a16="http://schemas.microsoft.com/office/drawing/2014/main" id="{7810FE74-4E0B-4BBE-82FF-95EC85157DE9}"/>
+              </a:ext>
+            </a:extLst>
+          </p:cNvPr>
+          <p:cNvSpPr/>
+          <p:nvPr/>
+        </p:nvSpPr>
+        <p:spPr>
+          <a:xfrm>
+            <a:off x="2082449" y="2699763"/>
+            <a:ext cx="1518364" cy="584776"/>
+          </a:xfrm>
+          <a:prstGeom prst="rect">
+            <a:avLst/>
+          </a:prstGeom>
+        </p:spPr>
+        <p:txBody>
+          <a:bodyPr wrap="none">
+            <a:spAutoFit/>
+          </a:bodyPr>
+          <a:lstStyle/>
+          <a:p>
+            <a:r>
+              <a:rPr lang="zh-CN" altLang="en-US" sz="3200" dirty="0">
+                <a:latin typeface="Times New Roman" panose="02020603050405020304" pitchFamily="18" charset="0"/>
+                <a:cs typeface="Times New Roman" panose="02020603050405020304" pitchFamily="18" charset="0"/>
+              </a:rPr>
+              <a:t>parent</a:t>
+            </a:r>
+            <a:r>
+              <a:rPr lang="en-US" altLang="zh-CN" sz="3200" dirty="0">
+                <a:latin typeface="Times New Roman" panose="02020603050405020304" pitchFamily="18" charset="0"/>
+                <a:cs typeface="Times New Roman" panose="02020603050405020304" pitchFamily="18" charset="0"/>
+              </a:rPr>
+              <a:t>2</a:t>
+            </a:r>
+            <a:r>
+              <a:rPr lang="zh-CN" altLang="en-US" sz="3200" dirty="0">
+                <a:latin typeface="Times New Roman" panose="02020603050405020304" pitchFamily="18" charset="0"/>
+                <a:cs typeface="Times New Roman" panose="02020603050405020304" pitchFamily="18" charset="0"/>
+              </a:rPr>
+              <a:t> </a:t>
+            </a:r>
+          </a:p>
+        </p:txBody>
+      </p:sp>
+      <p:sp>
+        <p:nvSpPr>
+          <p:cNvPr id="37" name="矩形 36">
+            <a:extLst>
+              <a:ext uri="{FF2B5EF4-FFF2-40B4-BE49-F238E27FC236}">
+                <a16:creationId xmlns:a16="http://schemas.microsoft.com/office/drawing/2014/main" id="{AD1F0142-0AFF-4AA5-AE08-B4C0BB7643D8}"/>
+              </a:ext>
+            </a:extLst>
+          </p:cNvPr>
+          <p:cNvSpPr/>
+          <p:nvPr/>
+        </p:nvSpPr>
+        <p:spPr>
+          <a:xfrm>
+            <a:off x="4905286" y="2740009"/>
+            <a:ext cx="716175" cy="515259"/>
+          </a:xfrm>
+          <a:prstGeom prst="rect">
+            <a:avLst/>
+          </a:prstGeom>
+          <a:solidFill>
+            <a:srgbClr val="FFC000"/>
+          </a:solidFill>
+          <a:ln w="6350">
+            <a:solidFill>
+              <a:schemeClr val="tx1"/>
+            </a:solidFill>
+          </a:ln>
+        </p:spPr>
+        <p:style>
+          <a:lnRef idx="2">
+            <a:schemeClr val="accent1">
+              <a:shade val="50000"/>
+            </a:schemeClr>
+          </a:lnRef>
+          <a:fillRef idx="1">
+            <a:schemeClr val="accent1"/>
+          </a:fillRef>
+          <a:effectRef idx="0">
+            <a:schemeClr val="accent1"/>
+          </a:effectRef>
+          <a:fontRef idx="minor">
+            <a:schemeClr val="lt1"/>
+          </a:fontRef>
+        </p:style>
+        <p:txBody>
+          <a:bodyPr rtlCol="0" anchor="ctr"/>
+          <a:lstStyle/>
+          <a:p>
+            <a:pPr algn="ctr"/>
+            <a:r>
+              <a:rPr lang="en-US" altLang="zh-CN" sz="3200" dirty="0">
+                <a:solidFill>
+                  <a:sysClr val="windowText" lastClr="000000"/>
+                </a:solidFill>
+                <a:latin typeface="Times New Roman" panose="02020603050405020304" pitchFamily="18" charset="0"/>
+                <a:cs typeface="Times New Roman" panose="02020603050405020304" pitchFamily="18" charset="0"/>
+              </a:rPr>
+              <a:t>2</a:t>
+            </a:r>
+            <a:endParaRPr lang="zh-CN" altLang="en-US" sz="3200" dirty="0">
+              <a:solidFill>
+                <a:sysClr val="windowText" lastClr="000000"/>
+              </a:solidFill>
+              <a:latin typeface="Times New Roman" panose="02020603050405020304" pitchFamily="18" charset="0"/>
+              <a:cs typeface="Times New Roman" panose="02020603050405020304" pitchFamily="18" charset="0"/>
+            </a:endParaRPr>
+          </a:p>
+        </p:txBody>
+      </p:sp>
+      <p:sp>
+        <p:nvSpPr>
+          <p:cNvPr id="39" name="矩形 38">
+            <a:extLst>
+              <a:ext uri="{FF2B5EF4-FFF2-40B4-BE49-F238E27FC236}">
+                <a16:creationId xmlns:a16="http://schemas.microsoft.com/office/drawing/2014/main" id="{3AB4E588-3B10-4841-99AB-811E8580EA20}"/>
+              </a:ext>
+            </a:extLst>
+          </p:cNvPr>
+          <p:cNvSpPr/>
+          <p:nvPr/>
+        </p:nvSpPr>
+        <p:spPr>
+          <a:xfrm>
+            <a:off x="5621461" y="2740009"/>
+            <a:ext cx="716175" cy="515259"/>
+          </a:xfrm>
+          <a:prstGeom prst="rect">
+            <a:avLst/>
+          </a:prstGeom>
+          <a:solidFill>
+            <a:srgbClr val="FFC000"/>
+          </a:solidFill>
+          <a:ln w="6350">
+            <a:solidFill>
+              <a:schemeClr val="tx1"/>
+            </a:solidFill>
+          </a:ln>
+        </p:spPr>
+        <p:style>
+          <a:lnRef idx="2">
+            <a:schemeClr val="accent1">
+              <a:shade val="50000"/>
+            </a:schemeClr>
+          </a:lnRef>
+          <a:fillRef idx="1">
+            <a:schemeClr val="accent1"/>
+          </a:fillRef>
+          <a:effectRef idx="0">
+            <a:schemeClr val="accent1"/>
+          </a:effectRef>
+          <a:fontRef idx="minor">
+            <a:schemeClr val="lt1"/>
+          </a:fontRef>
+        </p:style>
+        <p:txBody>
+          <a:bodyPr rtlCol="0" anchor="ctr"/>
+          <a:lstStyle/>
+          <a:p>
+            <a:pPr algn="ctr"/>
+            <a:r>
+              <a:rPr lang="en-US" altLang="zh-CN" sz="3200" dirty="0">
+                <a:solidFill>
+                  <a:sysClr val="windowText" lastClr="000000"/>
+                </a:solidFill>
+                <a:latin typeface="Times New Roman" panose="02020603050405020304" pitchFamily="18" charset="0"/>
+                <a:cs typeface="Times New Roman" panose="02020603050405020304" pitchFamily="18" charset="0"/>
+              </a:rPr>
+              <a:t>3</a:t>
+            </a:r>
+            <a:endParaRPr lang="zh-CN" altLang="en-US" sz="3200" dirty="0">
+              <a:solidFill>
+                <a:sysClr val="windowText" lastClr="000000"/>
+              </a:solidFill>
+              <a:latin typeface="Times New Roman" panose="02020603050405020304" pitchFamily="18" charset="0"/>
+              <a:cs typeface="Times New Roman" panose="02020603050405020304" pitchFamily="18" charset="0"/>
+            </a:endParaRPr>
+          </a:p>
+        </p:txBody>
+      </p:sp>
+      <p:sp>
+        <p:nvSpPr>
+          <p:cNvPr id="40" name="矩形 39">
+            <a:extLst>
+              <a:ext uri="{FF2B5EF4-FFF2-40B4-BE49-F238E27FC236}">
+                <a16:creationId xmlns:a16="http://schemas.microsoft.com/office/drawing/2014/main" id="{B953EE7F-9B6B-4108-BD38-64D843A8076B}"/>
+              </a:ext>
+            </a:extLst>
+          </p:cNvPr>
+          <p:cNvSpPr/>
+          <p:nvPr/>
+        </p:nvSpPr>
+        <p:spPr>
+          <a:xfrm>
+            <a:off x="6337636" y="2740009"/>
+            <a:ext cx="716175" cy="515259"/>
+          </a:xfrm>
+          <a:prstGeom prst="rect">
+            <a:avLst/>
+          </a:prstGeom>
+          <a:solidFill>
+            <a:srgbClr val="FFC000"/>
+          </a:solidFill>
+          <a:ln w="6350">
+            <a:solidFill>
+              <a:schemeClr val="tx1"/>
+            </a:solidFill>
+          </a:ln>
+        </p:spPr>
+        <p:style>
+          <a:lnRef idx="2">
+            <a:schemeClr val="accent1">
+              <a:shade val="50000"/>
+            </a:schemeClr>
+          </a:lnRef>
+          <a:fillRef idx="1">
+            <a:schemeClr val="accent1"/>
+          </a:fillRef>
+          <a:effectRef idx="0">
+            <a:schemeClr val="accent1"/>
+          </a:effectRef>
+          <a:fontRef idx="minor">
+            <a:schemeClr val="lt1"/>
+          </a:fontRef>
+        </p:style>
+        <p:txBody>
+          <a:bodyPr rtlCol="0" anchor="ctr"/>
+          <a:lstStyle/>
+          <a:p>
+            <a:pPr algn="ctr"/>
+            <a:r>
+              <a:rPr lang="en-US" altLang="zh-CN" sz="3200" dirty="0">
+                <a:solidFill>
+                  <a:sysClr val="windowText" lastClr="000000"/>
+                </a:solidFill>
+                <a:latin typeface="Times New Roman" panose="02020603050405020304" pitchFamily="18" charset="0"/>
+                <a:cs typeface="Times New Roman" panose="02020603050405020304" pitchFamily="18" charset="0"/>
+              </a:rPr>
+              <a:t>4</a:t>
+            </a:r>
+            <a:endParaRPr lang="zh-CN" altLang="en-US" sz="3200" dirty="0">
+              <a:solidFill>
+                <a:sysClr val="windowText" lastClr="000000"/>
+              </a:solidFill>
+              <a:latin typeface="Times New Roman" panose="02020603050405020304" pitchFamily="18" charset="0"/>
+              <a:cs typeface="Times New Roman" panose="02020603050405020304" pitchFamily="18" charset="0"/>
+            </a:endParaRPr>
+          </a:p>
+        </p:txBody>
+      </p:sp>
+      <p:sp>
+        <p:nvSpPr>
+          <p:cNvPr id="42" name="矩形 41">
+            <a:extLst>
+              <a:ext uri="{FF2B5EF4-FFF2-40B4-BE49-F238E27FC236}">
+                <a16:creationId xmlns:a16="http://schemas.microsoft.com/office/drawing/2014/main" id="{37AB43B5-6531-4DEE-8895-1D70178DFF81}"/>
+              </a:ext>
+            </a:extLst>
+          </p:cNvPr>
+          <p:cNvSpPr/>
+          <p:nvPr/>
+        </p:nvSpPr>
+        <p:spPr>
+          <a:xfrm>
+            <a:off x="7053810" y="2740009"/>
+            <a:ext cx="716175" cy="515259"/>
+          </a:xfrm>
+          <a:prstGeom prst="rect">
+            <a:avLst/>
+          </a:prstGeom>
+          <a:solidFill>
+            <a:srgbClr val="FFC000"/>
+          </a:solidFill>
+          <a:ln w="6350">
+            <a:solidFill>
+              <a:schemeClr val="tx1"/>
+            </a:solidFill>
+          </a:ln>
+        </p:spPr>
+        <p:style>
+          <a:lnRef idx="2">
+            <a:schemeClr val="accent1">
+              <a:shade val="50000"/>
+            </a:schemeClr>
+          </a:lnRef>
+          <a:fillRef idx="1">
+            <a:schemeClr val="accent1"/>
+          </a:fillRef>
+          <a:effectRef idx="0">
+            <a:schemeClr val="accent1"/>
+          </a:effectRef>
+          <a:fontRef idx="minor">
+            <a:schemeClr val="lt1"/>
+          </a:fontRef>
+        </p:style>
+        <p:txBody>
+          <a:bodyPr rtlCol="0" anchor="ctr"/>
+          <a:lstStyle/>
+          <a:p>
+            <a:pPr algn="ctr"/>
+            <a:r>
+              <a:rPr lang="en-US" altLang="zh-CN" sz="3200" dirty="0">
+                <a:solidFill>
+                  <a:sysClr val="windowText" lastClr="000000"/>
+                </a:solidFill>
+                <a:latin typeface="Times New Roman" panose="02020603050405020304" pitchFamily="18" charset="0"/>
+                <a:cs typeface="Times New Roman" panose="02020603050405020304" pitchFamily="18" charset="0"/>
+              </a:rPr>
+              <a:t>5</a:t>
+            </a:r>
+            <a:endParaRPr lang="zh-CN" altLang="en-US" sz="3200" dirty="0">
+              <a:solidFill>
+                <a:sysClr val="windowText" lastClr="000000"/>
+              </a:solidFill>
+              <a:latin typeface="Times New Roman" panose="02020603050405020304" pitchFamily="18" charset="0"/>
+              <a:cs typeface="Times New Roman" panose="02020603050405020304" pitchFamily="18" charset="0"/>
+            </a:endParaRPr>
+          </a:p>
+        </p:txBody>
+      </p:sp>
+      <p:sp>
+        <p:nvSpPr>
+          <p:cNvPr id="43" name="矩形 42">
+            <a:extLst>
+              <a:ext uri="{FF2B5EF4-FFF2-40B4-BE49-F238E27FC236}">
+                <a16:creationId xmlns:a16="http://schemas.microsoft.com/office/drawing/2014/main" id="{CE3FDAFD-2ED0-4C71-A648-DE35AF94F6DB}"/>
+              </a:ext>
+            </a:extLst>
+          </p:cNvPr>
+          <p:cNvSpPr/>
+          <p:nvPr/>
+        </p:nvSpPr>
+        <p:spPr>
+          <a:xfrm>
+            <a:off x="7769985" y="1025236"/>
+            <a:ext cx="716175" cy="515259"/>
+          </a:xfrm>
+          <a:prstGeom prst="rect">
+            <a:avLst/>
+          </a:prstGeom>
+          <a:solidFill>
+            <a:srgbClr val="FFC000"/>
+          </a:solidFill>
+          <a:ln w="6350">
+            <a:solidFill>
+              <a:schemeClr val="tx1"/>
+            </a:solidFill>
+          </a:ln>
+        </p:spPr>
+        <p:style>
+          <a:lnRef idx="2">
+            <a:schemeClr val="accent1">
+              <a:shade val="50000"/>
+            </a:schemeClr>
+          </a:lnRef>
+          <a:fillRef idx="1">
+            <a:schemeClr val="accent1"/>
+          </a:fillRef>
+          <a:effectRef idx="0">
+            <a:schemeClr val="accent1"/>
+          </a:effectRef>
+          <a:fontRef idx="minor">
+            <a:schemeClr val="lt1"/>
+          </a:fontRef>
+        </p:style>
+        <p:txBody>
+          <a:bodyPr rtlCol="0" anchor="ctr"/>
+          <a:lstStyle/>
+          <a:p>
+            <a:pPr algn="ctr"/>
+            <a:r>
+              <a:rPr lang="en-US" altLang="zh-CN" sz="3200" dirty="0">
+                <a:solidFill>
+                  <a:sysClr val="windowText" lastClr="000000"/>
+                </a:solidFill>
+                <a:latin typeface="Times New Roman" panose="02020603050405020304" pitchFamily="18" charset="0"/>
+                <a:cs typeface="Times New Roman" panose="02020603050405020304" pitchFamily="18" charset="0"/>
+              </a:rPr>
+              <a:t>6</a:t>
+            </a:r>
+            <a:endParaRPr lang="zh-CN" altLang="en-US" sz="3200" dirty="0">
+              <a:solidFill>
+                <a:sysClr val="windowText" lastClr="000000"/>
+              </a:solidFill>
+              <a:latin typeface="Times New Roman" panose="02020603050405020304" pitchFamily="18" charset="0"/>
+              <a:cs typeface="Times New Roman" panose="02020603050405020304" pitchFamily="18" charset="0"/>
+            </a:endParaRPr>
+          </a:p>
+        </p:txBody>
+      </p:sp>
+      <p:sp>
+        <p:nvSpPr>
+          <p:cNvPr id="44" name="矩形 43">
+            <a:extLst>
+              <a:ext uri="{FF2B5EF4-FFF2-40B4-BE49-F238E27FC236}">
+                <a16:creationId xmlns:a16="http://schemas.microsoft.com/office/drawing/2014/main" id="{5EFC57CD-80DC-4FD9-8C99-29C9B554F773}"/>
+              </a:ext>
+            </a:extLst>
+          </p:cNvPr>
+          <p:cNvSpPr/>
+          <p:nvPr/>
+        </p:nvSpPr>
+        <p:spPr>
+          <a:xfrm>
+            <a:off x="8486160" y="1025236"/>
+            <a:ext cx="716175" cy="515259"/>
+          </a:xfrm>
+          <a:prstGeom prst="rect">
+            <a:avLst/>
+          </a:prstGeom>
+          <a:solidFill>
+            <a:srgbClr val="FFC000"/>
+          </a:solidFill>
+          <a:ln w="6350">
+            <a:solidFill>
+              <a:schemeClr val="tx1"/>
+            </a:solidFill>
+          </a:ln>
+        </p:spPr>
+        <p:style>
+          <a:lnRef idx="2">
+            <a:schemeClr val="accent1">
+              <a:shade val="50000"/>
+            </a:schemeClr>
+          </a:lnRef>
+          <a:fillRef idx="1">
+            <a:schemeClr val="accent1"/>
+          </a:fillRef>
+          <a:effectRef idx="0">
+            <a:schemeClr val="accent1"/>
+          </a:effectRef>
+          <a:fontRef idx="minor">
+            <a:schemeClr val="lt1"/>
+          </a:fontRef>
+        </p:style>
+        <p:txBody>
+          <a:bodyPr rtlCol="0" anchor="ctr"/>
+          <a:lstStyle/>
+          <a:p>
+            <a:pPr algn="ctr"/>
+            <a:r>
+              <a:rPr lang="en-US" altLang="zh-CN" sz="3200" dirty="0">
+                <a:solidFill>
+                  <a:sysClr val="windowText" lastClr="000000"/>
+                </a:solidFill>
+                <a:latin typeface="Times New Roman" panose="02020603050405020304" pitchFamily="18" charset="0"/>
+                <a:cs typeface="Times New Roman" panose="02020603050405020304" pitchFamily="18" charset="0"/>
+              </a:rPr>
+              <a:t>7</a:t>
+            </a:r>
+            <a:endParaRPr lang="zh-CN" altLang="en-US" sz="3200" dirty="0">
+              <a:solidFill>
+                <a:sysClr val="windowText" lastClr="000000"/>
+              </a:solidFill>
+              <a:latin typeface="Times New Roman" panose="02020603050405020304" pitchFamily="18" charset="0"/>
+              <a:cs typeface="Times New Roman" panose="02020603050405020304" pitchFamily="18" charset="0"/>
+            </a:endParaRPr>
+          </a:p>
+        </p:txBody>
+      </p:sp>
+      <p:sp>
+        <p:nvSpPr>
+          <p:cNvPr id="45" name="矩形 44">
+            <a:extLst>
+              <a:ext uri="{FF2B5EF4-FFF2-40B4-BE49-F238E27FC236}">
+                <a16:creationId xmlns:a16="http://schemas.microsoft.com/office/drawing/2014/main" id="{0EB755B2-D250-416D-BB10-24462651D829}"/>
+              </a:ext>
+            </a:extLst>
+          </p:cNvPr>
+          <p:cNvSpPr/>
+          <p:nvPr/>
+        </p:nvSpPr>
+        <p:spPr>
+          <a:xfrm>
+            <a:off x="9202334" y="1025236"/>
+            <a:ext cx="716175" cy="515259"/>
+          </a:xfrm>
+          <a:prstGeom prst="rect">
+            <a:avLst/>
+          </a:prstGeom>
+          <a:solidFill>
+            <a:srgbClr val="FFC000"/>
+          </a:solidFill>
+          <a:ln w="6350">
+            <a:solidFill>
+              <a:schemeClr val="tx1"/>
+            </a:solidFill>
+          </a:ln>
+        </p:spPr>
+        <p:style>
+          <a:lnRef idx="2">
+            <a:schemeClr val="accent1">
+              <a:shade val="50000"/>
+            </a:schemeClr>
+          </a:lnRef>
+          <a:fillRef idx="1">
+            <a:schemeClr val="accent1"/>
+          </a:fillRef>
+          <a:effectRef idx="0">
+            <a:schemeClr val="accent1"/>
+          </a:effectRef>
+          <a:fontRef idx="minor">
+            <a:schemeClr val="lt1"/>
+          </a:fontRef>
+        </p:style>
+        <p:txBody>
+          <a:bodyPr rtlCol="0" anchor="ctr"/>
+          <a:lstStyle/>
+          <a:p>
+            <a:pPr algn="ctr"/>
+            <a:r>
+              <a:rPr lang="en-US" altLang="zh-CN" sz="3200" dirty="0">
+                <a:solidFill>
+                  <a:sysClr val="windowText" lastClr="000000"/>
+                </a:solidFill>
+                <a:latin typeface="Times New Roman" panose="02020603050405020304" pitchFamily="18" charset="0"/>
+                <a:cs typeface="Times New Roman" panose="02020603050405020304" pitchFamily="18" charset="0"/>
+              </a:rPr>
+              <a:t>8</a:t>
+            </a:r>
+            <a:endParaRPr lang="zh-CN" altLang="en-US" sz="3200" dirty="0">
+              <a:solidFill>
+                <a:sysClr val="windowText" lastClr="000000"/>
+              </a:solidFill>
+              <a:latin typeface="Times New Roman" panose="02020603050405020304" pitchFamily="18" charset="0"/>
+              <a:cs typeface="Times New Roman" panose="02020603050405020304" pitchFamily="18" charset="0"/>
+            </a:endParaRPr>
+          </a:p>
+        </p:txBody>
+      </p:sp>
+      <p:sp>
+        <p:nvSpPr>
+          <p:cNvPr id="53" name="矩形 52">
+            <a:extLst>
+              <a:ext uri="{FF2B5EF4-FFF2-40B4-BE49-F238E27FC236}">
+                <a16:creationId xmlns:a16="http://schemas.microsoft.com/office/drawing/2014/main" id="{07F60909-F413-4721-ACB5-AF998FB330BC}"/>
+              </a:ext>
+            </a:extLst>
+          </p:cNvPr>
+          <p:cNvSpPr/>
+          <p:nvPr/>
+        </p:nvSpPr>
+        <p:spPr>
+          <a:xfrm>
+            <a:off x="7769985" y="2739481"/>
+            <a:ext cx="716175" cy="515259"/>
+          </a:xfrm>
+          <a:prstGeom prst="rect">
+            <a:avLst/>
+          </a:prstGeom>
+          <a:solidFill>
+            <a:srgbClr val="00B0F0"/>
+          </a:solidFill>
+          <a:ln w="6350">
+            <a:solidFill>
+              <a:schemeClr val="tx1"/>
+            </a:solidFill>
+          </a:ln>
+        </p:spPr>
+        <p:style>
+          <a:lnRef idx="2">
+            <a:schemeClr val="accent1">
+              <a:shade val="50000"/>
+            </a:schemeClr>
+          </a:lnRef>
+          <a:fillRef idx="1">
+            <a:schemeClr val="accent1"/>
+          </a:fillRef>
+          <a:effectRef idx="0">
+            <a:schemeClr val="accent1"/>
+          </a:effectRef>
+          <a:fontRef idx="minor">
+            <a:schemeClr val="lt1"/>
+          </a:fontRef>
+        </p:style>
+        <p:txBody>
+          <a:bodyPr rtlCol="0" anchor="ctr"/>
+          <a:lstStyle/>
+          <a:p>
+            <a:pPr algn="ctr"/>
+            <a:r>
+              <a:rPr lang="en-US" altLang="zh-CN" sz="3200" dirty="0">
+                <a:solidFill>
+                  <a:sysClr val="windowText" lastClr="000000"/>
+                </a:solidFill>
+                <a:latin typeface="Times New Roman" panose="02020603050405020304" pitchFamily="18" charset="0"/>
+                <a:cs typeface="Times New Roman" panose="02020603050405020304" pitchFamily="18" charset="0"/>
+              </a:rPr>
+              <a:t>4</a:t>
+            </a:r>
+            <a:endParaRPr lang="zh-CN" altLang="en-US" sz="3200" dirty="0">
+              <a:solidFill>
+                <a:sysClr val="windowText" lastClr="000000"/>
+              </a:solidFill>
+              <a:latin typeface="Times New Roman" panose="02020603050405020304" pitchFamily="18" charset="0"/>
+              <a:cs typeface="Times New Roman" panose="02020603050405020304" pitchFamily="18" charset="0"/>
+            </a:endParaRPr>
+          </a:p>
+        </p:txBody>
+      </p:sp>
+      <p:sp>
+        <p:nvSpPr>
+          <p:cNvPr id="54" name="矩形 53">
+            <a:extLst>
+              <a:ext uri="{FF2B5EF4-FFF2-40B4-BE49-F238E27FC236}">
+                <a16:creationId xmlns:a16="http://schemas.microsoft.com/office/drawing/2014/main" id="{DC76737A-AE8C-4224-BC3C-28F21715B856}"/>
+              </a:ext>
+            </a:extLst>
+          </p:cNvPr>
+          <p:cNvSpPr/>
+          <p:nvPr/>
+        </p:nvSpPr>
+        <p:spPr>
+          <a:xfrm>
+            <a:off x="8486160" y="2739481"/>
+            <a:ext cx="716175" cy="515259"/>
+          </a:xfrm>
+          <a:prstGeom prst="rect">
+            <a:avLst/>
+          </a:prstGeom>
+          <a:solidFill>
+            <a:srgbClr val="00B0F0"/>
+          </a:solidFill>
+          <a:ln w="6350">
+            <a:solidFill>
+              <a:schemeClr val="tx1"/>
+            </a:solidFill>
+          </a:ln>
+        </p:spPr>
+        <p:style>
+          <a:lnRef idx="2">
+            <a:schemeClr val="accent1">
+              <a:shade val="50000"/>
+            </a:schemeClr>
+          </a:lnRef>
+          <a:fillRef idx="1">
+            <a:schemeClr val="accent1"/>
+          </a:fillRef>
+          <a:effectRef idx="0">
+            <a:schemeClr val="accent1"/>
+          </a:effectRef>
+          <a:fontRef idx="minor">
+            <a:schemeClr val="lt1"/>
+          </a:fontRef>
+        </p:style>
+        <p:txBody>
+          <a:bodyPr rtlCol="0" anchor="ctr"/>
+          <a:lstStyle/>
+          <a:p>
+            <a:pPr algn="ctr"/>
+            <a:r>
+              <a:rPr lang="en-US" altLang="zh-CN" sz="3200" dirty="0">
+                <a:solidFill>
+                  <a:sysClr val="windowText" lastClr="000000"/>
+                </a:solidFill>
+                <a:latin typeface="Times New Roman" panose="02020603050405020304" pitchFamily="18" charset="0"/>
+                <a:cs typeface="Times New Roman" panose="02020603050405020304" pitchFamily="18" charset="0"/>
+              </a:rPr>
+              <a:t>2</a:t>
+            </a:r>
+            <a:endParaRPr lang="zh-CN" altLang="en-US" sz="3200" dirty="0">
+              <a:solidFill>
+                <a:sysClr val="windowText" lastClr="000000"/>
+              </a:solidFill>
+              <a:latin typeface="Times New Roman" panose="02020603050405020304" pitchFamily="18" charset="0"/>
+              <a:cs typeface="Times New Roman" panose="02020603050405020304" pitchFamily="18" charset="0"/>
+            </a:endParaRPr>
+          </a:p>
+        </p:txBody>
+      </p:sp>
+      <p:sp>
+        <p:nvSpPr>
+          <p:cNvPr id="55" name="矩形 54">
+            <a:extLst>
+              <a:ext uri="{FF2B5EF4-FFF2-40B4-BE49-F238E27FC236}">
+                <a16:creationId xmlns:a16="http://schemas.microsoft.com/office/drawing/2014/main" id="{419B718B-EFE9-485E-B912-00DCBBAAA22A}"/>
+              </a:ext>
+            </a:extLst>
+          </p:cNvPr>
+          <p:cNvSpPr/>
+          <p:nvPr/>
+        </p:nvSpPr>
+        <p:spPr>
+          <a:xfrm>
+            <a:off x="9202334" y="2739481"/>
+            <a:ext cx="716175" cy="515259"/>
+          </a:xfrm>
+          <a:prstGeom prst="rect">
+            <a:avLst/>
+          </a:prstGeom>
+          <a:solidFill>
+            <a:srgbClr val="00B0F0"/>
+          </a:solidFill>
+          <a:ln w="6350">
+            <a:solidFill>
+              <a:schemeClr val="tx1"/>
+            </a:solidFill>
+          </a:ln>
+        </p:spPr>
+        <p:style>
+          <a:lnRef idx="2">
+            <a:schemeClr val="accent1">
+              <a:shade val="50000"/>
+            </a:schemeClr>
+          </a:lnRef>
+          <a:fillRef idx="1">
+            <a:schemeClr val="accent1"/>
+          </a:fillRef>
+          <a:effectRef idx="0">
+            <a:schemeClr val="accent1"/>
+          </a:effectRef>
+          <a:fontRef idx="minor">
+            <a:schemeClr val="lt1"/>
+          </a:fontRef>
+        </p:style>
+        <p:txBody>
+          <a:bodyPr rtlCol="0" anchor="ctr"/>
+          <a:lstStyle/>
+          <a:p>
+            <a:pPr algn="ctr"/>
+            <a:r>
+              <a:rPr lang="en-US" altLang="zh-CN" sz="3200" dirty="0">
+                <a:solidFill>
+                  <a:sysClr val="windowText" lastClr="000000"/>
+                </a:solidFill>
+                <a:latin typeface="Times New Roman" panose="02020603050405020304" pitchFamily="18" charset="0"/>
+                <a:cs typeface="Times New Roman" panose="02020603050405020304" pitchFamily="18" charset="0"/>
+              </a:rPr>
+              <a:t>6</a:t>
+            </a:r>
+            <a:endParaRPr lang="zh-CN" altLang="en-US" sz="3200" dirty="0">
+              <a:solidFill>
+                <a:sysClr val="windowText" lastClr="000000"/>
+              </a:solidFill>
+              <a:latin typeface="Times New Roman" panose="02020603050405020304" pitchFamily="18" charset="0"/>
+              <a:cs typeface="Times New Roman" panose="02020603050405020304" pitchFamily="18" charset="0"/>
+            </a:endParaRPr>
+          </a:p>
+        </p:txBody>
+      </p:sp>
+      <p:sp>
+        <p:nvSpPr>
+          <p:cNvPr id="59" name="矩形 58">
+            <a:extLst>
+              <a:ext uri="{FF2B5EF4-FFF2-40B4-BE49-F238E27FC236}">
+                <a16:creationId xmlns:a16="http://schemas.microsoft.com/office/drawing/2014/main" id="{A5D1396A-F00C-455A-8E4F-FEADCF910BE4}"/>
+              </a:ext>
+            </a:extLst>
+          </p:cNvPr>
+          <p:cNvSpPr/>
+          <p:nvPr/>
+        </p:nvSpPr>
+        <p:spPr>
+          <a:xfrm>
+            <a:off x="8844244" y="2139988"/>
+            <a:ext cx="543596" cy="247246"/>
+          </a:xfrm>
+          <a:prstGeom prst="rect">
+            <a:avLst/>
+          </a:prstGeom>
+          <a:noFill/>
+          <a:ln>
+            <a:noFill/>
+          </a:ln>
+        </p:spPr>
+        <p:style>
+          <a:lnRef idx="2">
+            <a:schemeClr val="accent1">
+              <a:shade val="50000"/>
+            </a:schemeClr>
+          </a:lnRef>
+          <a:fillRef idx="1">
+            <a:schemeClr val="accent1"/>
+          </a:fillRef>
+          <a:effectRef idx="0">
+            <a:schemeClr val="accent1"/>
+          </a:effectRef>
+          <a:fontRef idx="minor">
+            <a:schemeClr val="lt1"/>
+          </a:fontRef>
+        </p:style>
+        <p:txBody>
+          <a:bodyPr rtlCol="0" anchor="ctr"/>
+          <a:lstStyle/>
+          <a:p>
+            <a:pPr algn="ctr"/>
+            <a:endParaRPr lang="zh-CN" altLang="en-US">
+              <a:latin typeface="Times New Roman" panose="02020603050405020304" pitchFamily="18" charset="0"/>
+              <a:cs typeface="Times New Roman" panose="02020603050405020304" pitchFamily="18" charset="0"/>
+            </a:endParaRPr>
+          </a:p>
+        </p:txBody>
+      </p:sp>
+      <p:cxnSp>
+        <p:nvCxnSpPr>
+          <p:cNvPr id="61" name="直接箭头连接符 60">
+            <a:extLst>
+              <a:ext uri="{FF2B5EF4-FFF2-40B4-BE49-F238E27FC236}">
+                <a16:creationId xmlns:a16="http://schemas.microsoft.com/office/drawing/2014/main" id="{D075368A-9153-4AFB-AEAB-D2FE633564F3}"/>
+              </a:ext>
+            </a:extLst>
+          </p:cNvPr>
+          <p:cNvCxnSpPr/>
+          <p:nvPr/>
+        </p:nvCxnSpPr>
+        <p:spPr>
+          <a:xfrm>
+            <a:off x="6333280" y="1700847"/>
+            <a:ext cx="2470" cy="878282"/>
+          </a:xfrm>
+          <a:prstGeom prst="straightConnector1">
+            <a:avLst/>
+          </a:prstGeom>
+          <a:ln w="19050">
+            <a:solidFill>
+              <a:srgbClr val="FF0000"/>
+            </a:solidFill>
+            <a:headEnd type="triangle" w="lg" len="lg"/>
+            <a:tailEnd type="triangle" w="lg" len="lg"/>
+          </a:ln>
+        </p:spPr>
+        <p:style>
+          <a:lnRef idx="1">
+            <a:schemeClr val="accent1"/>
+          </a:lnRef>
+          <a:fillRef idx="0">
+            <a:schemeClr val="accent1"/>
+          </a:fillRef>
+          <a:effectRef idx="0">
+            <a:schemeClr val="accent1"/>
+          </a:effectRef>
+          <a:fontRef idx="minor">
+            <a:schemeClr val="tx1"/>
+          </a:fontRef>
+        </p:style>
+      </p:cxnSp>
+      <p:sp>
+        <p:nvSpPr>
+          <p:cNvPr id="64" name="矩形 63">
+            <a:extLst>
+              <a:ext uri="{FF2B5EF4-FFF2-40B4-BE49-F238E27FC236}">
+                <a16:creationId xmlns:a16="http://schemas.microsoft.com/office/drawing/2014/main" id="{DCCFF04B-6937-4C41-89EC-0D9F1F8DDA25}"/>
+              </a:ext>
+            </a:extLst>
+          </p:cNvPr>
+          <p:cNvSpPr/>
+          <p:nvPr/>
+        </p:nvSpPr>
+        <p:spPr>
+          <a:xfrm>
+            <a:off x="4900930" y="1025760"/>
+            <a:ext cx="716175" cy="515259"/>
+          </a:xfrm>
+          <a:prstGeom prst="rect">
+            <a:avLst/>
+          </a:prstGeom>
+          <a:solidFill>
+            <a:srgbClr val="00B0F0"/>
+          </a:solidFill>
+          <a:ln w="6350">
+            <a:solidFill>
+              <a:schemeClr val="tx1"/>
+            </a:solidFill>
+          </a:ln>
+        </p:spPr>
+        <p:style>
+          <a:lnRef idx="2">
+            <a:schemeClr val="accent1">
+              <a:shade val="50000"/>
+            </a:schemeClr>
+          </a:lnRef>
+          <a:fillRef idx="1">
+            <a:schemeClr val="accent1"/>
+          </a:fillRef>
+          <a:effectRef idx="0">
+            <a:schemeClr val="accent1"/>
+          </a:effectRef>
+          <a:fontRef idx="minor">
+            <a:schemeClr val="lt1"/>
+          </a:fontRef>
+        </p:style>
+        <p:txBody>
+          <a:bodyPr rtlCol="0" anchor="ctr"/>
+          <a:lstStyle/>
+          <a:p>
+            <a:pPr algn="ctr"/>
+            <a:r>
+              <a:rPr lang="en-US" altLang="zh-CN" sz="3200" dirty="0">
+                <a:solidFill>
+                  <a:sysClr val="windowText" lastClr="000000"/>
+                </a:solidFill>
+                <a:latin typeface="Times New Roman" panose="02020603050405020304" pitchFamily="18" charset="0"/>
+                <a:cs typeface="Times New Roman" panose="02020603050405020304" pitchFamily="18" charset="0"/>
+              </a:rPr>
+              <a:t>5</a:t>
+            </a:r>
+            <a:endParaRPr lang="zh-CN" altLang="en-US" sz="3200" dirty="0">
+              <a:solidFill>
+                <a:sysClr val="windowText" lastClr="000000"/>
+              </a:solidFill>
+              <a:latin typeface="Times New Roman" panose="02020603050405020304" pitchFamily="18" charset="0"/>
+              <a:cs typeface="Times New Roman" panose="02020603050405020304" pitchFamily="18" charset="0"/>
+            </a:endParaRPr>
+          </a:p>
+        </p:txBody>
+      </p:sp>
+      <p:sp>
+        <p:nvSpPr>
+          <p:cNvPr id="65" name="矩形 64">
+            <a:extLst>
+              <a:ext uri="{FF2B5EF4-FFF2-40B4-BE49-F238E27FC236}">
+                <a16:creationId xmlns:a16="http://schemas.microsoft.com/office/drawing/2014/main" id="{144C9F66-44A3-49A9-8CD1-490E851CCC01}"/>
+              </a:ext>
+            </a:extLst>
+          </p:cNvPr>
+          <p:cNvSpPr/>
+          <p:nvPr/>
+        </p:nvSpPr>
+        <p:spPr>
+          <a:xfrm>
+            <a:off x="5617105" y="1025760"/>
+            <a:ext cx="716175" cy="515259"/>
+          </a:xfrm>
+          <a:prstGeom prst="rect">
+            <a:avLst/>
+          </a:prstGeom>
+          <a:solidFill>
+            <a:srgbClr val="00B0F0"/>
+          </a:solidFill>
+          <a:ln w="6350">
+            <a:solidFill>
+              <a:schemeClr val="tx1"/>
+            </a:solidFill>
+          </a:ln>
+        </p:spPr>
+        <p:style>
+          <a:lnRef idx="2">
+            <a:schemeClr val="accent1">
+              <a:shade val="50000"/>
+            </a:schemeClr>
+          </a:lnRef>
+          <a:fillRef idx="1">
+            <a:schemeClr val="accent1"/>
+          </a:fillRef>
+          <a:effectRef idx="0">
+            <a:schemeClr val="accent1"/>
+          </a:effectRef>
+          <a:fontRef idx="minor">
+            <a:schemeClr val="lt1"/>
+          </a:fontRef>
+        </p:style>
+        <p:txBody>
+          <a:bodyPr rtlCol="0" anchor="ctr"/>
+          <a:lstStyle/>
+          <a:p>
+            <a:pPr algn="ctr"/>
+            <a:r>
+              <a:rPr lang="en-US" altLang="zh-CN" sz="3200" dirty="0">
+                <a:solidFill>
+                  <a:sysClr val="windowText" lastClr="000000"/>
+                </a:solidFill>
+                <a:latin typeface="Times New Roman" panose="02020603050405020304" pitchFamily="18" charset="0"/>
+                <a:cs typeface="Times New Roman" panose="02020603050405020304" pitchFamily="18" charset="0"/>
+              </a:rPr>
+              <a:t>8</a:t>
+            </a:r>
+            <a:endParaRPr lang="zh-CN" altLang="en-US" sz="3200" dirty="0">
+              <a:solidFill>
+                <a:sysClr val="windowText" lastClr="000000"/>
+              </a:solidFill>
+              <a:latin typeface="Times New Roman" panose="02020603050405020304" pitchFamily="18" charset="0"/>
+              <a:cs typeface="Times New Roman" panose="02020603050405020304" pitchFamily="18" charset="0"/>
+            </a:endParaRPr>
+          </a:p>
+        </p:txBody>
+      </p:sp>
+      <p:sp>
+        <p:nvSpPr>
+          <p:cNvPr id="66" name="矩形 65">
+            <a:extLst>
+              <a:ext uri="{FF2B5EF4-FFF2-40B4-BE49-F238E27FC236}">
+                <a16:creationId xmlns:a16="http://schemas.microsoft.com/office/drawing/2014/main" id="{14C4B04F-DFCA-481A-91C1-A657EE6F8230}"/>
+              </a:ext>
+            </a:extLst>
+          </p:cNvPr>
+          <p:cNvSpPr/>
+          <p:nvPr/>
+        </p:nvSpPr>
+        <p:spPr>
+          <a:xfrm>
+            <a:off x="6333280" y="1025760"/>
+            <a:ext cx="716175" cy="515259"/>
+          </a:xfrm>
+          <a:prstGeom prst="rect">
+            <a:avLst/>
+          </a:prstGeom>
+          <a:solidFill>
+            <a:srgbClr val="00B0F0"/>
+          </a:solidFill>
+          <a:ln w="6350">
+            <a:solidFill>
+              <a:schemeClr val="tx1"/>
+            </a:solidFill>
+          </a:ln>
+        </p:spPr>
+        <p:style>
+          <a:lnRef idx="2">
+            <a:schemeClr val="accent1">
+              <a:shade val="50000"/>
+            </a:schemeClr>
+          </a:lnRef>
+          <a:fillRef idx="1">
+            <a:schemeClr val="accent1"/>
+          </a:fillRef>
+          <a:effectRef idx="0">
+            <a:schemeClr val="accent1"/>
+          </a:effectRef>
+          <a:fontRef idx="minor">
+            <a:schemeClr val="lt1"/>
+          </a:fontRef>
+        </p:style>
+        <p:txBody>
+          <a:bodyPr rtlCol="0" anchor="ctr"/>
+          <a:lstStyle/>
+          <a:p>
+            <a:pPr algn="ctr"/>
+            <a:r>
+              <a:rPr lang="en-US" altLang="zh-CN" sz="3200" dirty="0">
+                <a:solidFill>
+                  <a:sysClr val="windowText" lastClr="000000"/>
+                </a:solidFill>
+                <a:latin typeface="Times New Roman" panose="02020603050405020304" pitchFamily="18" charset="0"/>
+                <a:cs typeface="Times New Roman" panose="02020603050405020304" pitchFamily="18" charset="0"/>
+              </a:rPr>
+              <a:t>1</a:t>
+            </a:r>
+            <a:endParaRPr lang="zh-CN" altLang="en-US" sz="3200" dirty="0">
+              <a:solidFill>
+                <a:sysClr val="windowText" lastClr="000000"/>
+              </a:solidFill>
+              <a:latin typeface="Times New Roman" panose="02020603050405020304" pitchFamily="18" charset="0"/>
+              <a:cs typeface="Times New Roman" panose="02020603050405020304" pitchFamily="18" charset="0"/>
+            </a:endParaRPr>
+          </a:p>
+        </p:txBody>
+      </p:sp>
+      <p:sp>
+        <p:nvSpPr>
+          <p:cNvPr id="67" name="矩形 66">
+            <a:extLst>
+              <a:ext uri="{FF2B5EF4-FFF2-40B4-BE49-F238E27FC236}">
+                <a16:creationId xmlns:a16="http://schemas.microsoft.com/office/drawing/2014/main" id="{8CDE22BD-5883-4276-9932-23A50B8214A3}"/>
+              </a:ext>
+            </a:extLst>
+          </p:cNvPr>
+          <p:cNvSpPr/>
+          <p:nvPr/>
+        </p:nvSpPr>
+        <p:spPr>
+          <a:xfrm>
+            <a:off x="7049454" y="1025760"/>
+            <a:ext cx="716175" cy="515259"/>
+          </a:xfrm>
+          <a:prstGeom prst="rect">
+            <a:avLst/>
+          </a:prstGeom>
+          <a:solidFill>
+            <a:srgbClr val="00B0F0"/>
+          </a:solidFill>
+          <a:ln w="6350">
+            <a:solidFill>
+              <a:schemeClr val="tx1"/>
+            </a:solidFill>
+          </a:ln>
+        </p:spPr>
+        <p:style>
+          <a:lnRef idx="2">
+            <a:schemeClr val="accent1">
+              <a:shade val="50000"/>
+            </a:schemeClr>
+          </a:lnRef>
+          <a:fillRef idx="1">
+            <a:schemeClr val="accent1"/>
+          </a:fillRef>
+          <a:effectRef idx="0">
+            <a:schemeClr val="accent1"/>
+          </a:effectRef>
+          <a:fontRef idx="minor">
+            <a:schemeClr val="lt1"/>
+          </a:fontRef>
+        </p:style>
+        <p:txBody>
+          <a:bodyPr rtlCol="0" anchor="ctr"/>
+          <a:lstStyle/>
+          <a:p>
+            <a:pPr algn="ctr"/>
+            <a:r>
+              <a:rPr lang="en-US" altLang="zh-CN" sz="3200" dirty="0">
+                <a:solidFill>
+                  <a:sysClr val="windowText" lastClr="000000"/>
+                </a:solidFill>
+                <a:latin typeface="Times New Roman" panose="02020603050405020304" pitchFamily="18" charset="0"/>
+                <a:cs typeface="Times New Roman" panose="02020603050405020304" pitchFamily="18" charset="0"/>
+              </a:rPr>
+              <a:t>7</a:t>
+            </a:r>
+            <a:endParaRPr lang="zh-CN" altLang="en-US" sz="3200" dirty="0">
+              <a:solidFill>
+                <a:sysClr val="windowText" lastClr="000000"/>
+              </a:solidFill>
+              <a:latin typeface="Times New Roman" panose="02020603050405020304" pitchFamily="18" charset="0"/>
+              <a:cs typeface="Times New Roman" panose="02020603050405020304" pitchFamily="18" charset="0"/>
+            </a:endParaRPr>
+          </a:p>
+        </p:txBody>
+      </p:sp>
+      <p:sp>
+        <p:nvSpPr>
+          <p:cNvPr id="68" name="矩形 67">
+            <a:extLst>
+              <a:ext uri="{FF2B5EF4-FFF2-40B4-BE49-F238E27FC236}">
+                <a16:creationId xmlns:a16="http://schemas.microsoft.com/office/drawing/2014/main" id="{BDA51FE3-E76A-4AFF-AB3B-02D46AA3EFDA}"/>
+              </a:ext>
+            </a:extLst>
+          </p:cNvPr>
+          <p:cNvSpPr/>
+          <p:nvPr/>
+        </p:nvSpPr>
+        <p:spPr>
+          <a:xfrm>
+            <a:off x="1588772" y="5832764"/>
+            <a:ext cx="716175" cy="515259"/>
+          </a:xfrm>
+          <a:prstGeom prst="rect">
+            <a:avLst/>
+          </a:prstGeom>
+          <a:solidFill>
+            <a:srgbClr val="FFC000"/>
+          </a:solidFill>
+          <a:ln w="6350">
+            <a:solidFill>
+              <a:schemeClr val="tx1"/>
+            </a:solidFill>
+          </a:ln>
+        </p:spPr>
+        <p:style>
+          <a:lnRef idx="2">
+            <a:schemeClr val="accent1">
+              <a:shade val="50000"/>
+            </a:schemeClr>
+          </a:lnRef>
+          <a:fillRef idx="1">
+            <a:schemeClr val="accent1"/>
+          </a:fillRef>
+          <a:effectRef idx="0">
+            <a:schemeClr val="accent1"/>
+          </a:effectRef>
+          <a:fontRef idx="minor">
+            <a:schemeClr val="lt1"/>
+          </a:fontRef>
+        </p:style>
+        <p:txBody>
+          <a:bodyPr rtlCol="0" anchor="ctr"/>
+          <a:lstStyle/>
+          <a:p>
+            <a:pPr algn="ctr"/>
+            <a:r>
+              <a:rPr lang="en-US" altLang="zh-CN" sz="3200" dirty="0">
+                <a:solidFill>
+                  <a:sysClr val="windowText" lastClr="000000"/>
+                </a:solidFill>
+                <a:latin typeface="Times New Roman" panose="02020603050405020304" pitchFamily="18" charset="0"/>
+                <a:cs typeface="Times New Roman" panose="02020603050405020304" pitchFamily="18" charset="0"/>
+              </a:rPr>
+              <a:t>2</a:t>
+            </a:r>
+            <a:endParaRPr lang="zh-CN" altLang="en-US" sz="3200" dirty="0">
+              <a:solidFill>
+                <a:sysClr val="windowText" lastClr="000000"/>
+              </a:solidFill>
+              <a:latin typeface="Times New Roman" panose="02020603050405020304" pitchFamily="18" charset="0"/>
+              <a:cs typeface="Times New Roman" panose="02020603050405020304" pitchFamily="18" charset="0"/>
+            </a:endParaRPr>
+          </a:p>
+        </p:txBody>
+      </p:sp>
+      <p:sp>
+        <p:nvSpPr>
+          <p:cNvPr id="69" name="矩形 68">
+            <a:extLst>
+              <a:ext uri="{FF2B5EF4-FFF2-40B4-BE49-F238E27FC236}">
+                <a16:creationId xmlns:a16="http://schemas.microsoft.com/office/drawing/2014/main" id="{10717D42-FD32-4D3A-A2AE-3332C52657C1}"/>
+              </a:ext>
+            </a:extLst>
+          </p:cNvPr>
+          <p:cNvSpPr/>
+          <p:nvPr/>
+        </p:nvSpPr>
+        <p:spPr>
+          <a:xfrm>
+            <a:off x="2304947" y="5832764"/>
+            <a:ext cx="716175" cy="515259"/>
+          </a:xfrm>
+          <a:prstGeom prst="rect">
+            <a:avLst/>
+          </a:prstGeom>
+          <a:solidFill>
+            <a:srgbClr val="FFC000"/>
+          </a:solidFill>
+          <a:ln w="6350">
+            <a:solidFill>
+              <a:schemeClr val="tx1"/>
+            </a:solidFill>
+          </a:ln>
+        </p:spPr>
+        <p:style>
+          <a:lnRef idx="2">
+            <a:schemeClr val="accent1">
+              <a:shade val="50000"/>
+            </a:schemeClr>
+          </a:lnRef>
+          <a:fillRef idx="1">
+            <a:schemeClr val="accent1"/>
+          </a:fillRef>
+          <a:effectRef idx="0">
+            <a:schemeClr val="accent1"/>
+          </a:effectRef>
+          <a:fontRef idx="minor">
+            <a:schemeClr val="lt1"/>
+          </a:fontRef>
+        </p:style>
+        <p:txBody>
+          <a:bodyPr rtlCol="0" anchor="ctr"/>
+          <a:lstStyle/>
+          <a:p>
+            <a:pPr algn="ctr"/>
+            <a:r>
+              <a:rPr lang="en-US" altLang="zh-CN" sz="3200" dirty="0">
+                <a:solidFill>
+                  <a:sysClr val="windowText" lastClr="000000"/>
+                </a:solidFill>
+                <a:latin typeface="Times New Roman" panose="02020603050405020304" pitchFamily="18" charset="0"/>
+                <a:cs typeface="Times New Roman" panose="02020603050405020304" pitchFamily="18" charset="0"/>
+              </a:rPr>
+              <a:t>3</a:t>
+            </a:r>
+            <a:endParaRPr lang="zh-CN" altLang="en-US" sz="3200" dirty="0">
+              <a:solidFill>
+                <a:sysClr val="windowText" lastClr="000000"/>
+              </a:solidFill>
+              <a:latin typeface="Times New Roman" panose="02020603050405020304" pitchFamily="18" charset="0"/>
+              <a:cs typeface="Times New Roman" panose="02020603050405020304" pitchFamily="18" charset="0"/>
+            </a:endParaRPr>
+          </a:p>
+        </p:txBody>
+      </p:sp>
+      <p:sp>
+        <p:nvSpPr>
+          <p:cNvPr id="70" name="矩形 69">
+            <a:extLst>
+              <a:ext uri="{FF2B5EF4-FFF2-40B4-BE49-F238E27FC236}">
+                <a16:creationId xmlns:a16="http://schemas.microsoft.com/office/drawing/2014/main" id="{C81BB4C0-95B0-4D6A-8B42-197F300D7E2F}"/>
+              </a:ext>
+            </a:extLst>
+          </p:cNvPr>
+          <p:cNvSpPr/>
+          <p:nvPr/>
+        </p:nvSpPr>
+        <p:spPr>
+          <a:xfrm>
+            <a:off x="3021122" y="5832764"/>
+            <a:ext cx="716175" cy="515259"/>
+          </a:xfrm>
+          <a:prstGeom prst="rect">
+            <a:avLst/>
+          </a:prstGeom>
+          <a:solidFill>
+            <a:srgbClr val="FFC000"/>
+          </a:solidFill>
+          <a:ln w="6350">
+            <a:solidFill>
+              <a:schemeClr val="tx1"/>
+            </a:solidFill>
+          </a:ln>
+        </p:spPr>
+        <p:style>
+          <a:lnRef idx="2">
+            <a:schemeClr val="accent1">
+              <a:shade val="50000"/>
+            </a:schemeClr>
+          </a:lnRef>
+          <a:fillRef idx="1">
+            <a:schemeClr val="accent1"/>
+          </a:fillRef>
+          <a:effectRef idx="0">
+            <a:schemeClr val="accent1"/>
+          </a:effectRef>
+          <a:fontRef idx="minor">
+            <a:schemeClr val="lt1"/>
+          </a:fontRef>
+        </p:style>
+        <p:txBody>
+          <a:bodyPr rtlCol="0" anchor="ctr"/>
+          <a:lstStyle/>
+          <a:p>
+            <a:pPr algn="ctr"/>
+            <a:r>
+              <a:rPr lang="en-US" altLang="zh-CN" sz="3200" dirty="0">
+                <a:solidFill>
+                  <a:sysClr val="windowText" lastClr="000000"/>
+                </a:solidFill>
+                <a:latin typeface="Times New Roman" panose="02020603050405020304" pitchFamily="18" charset="0"/>
+                <a:cs typeface="Times New Roman" panose="02020603050405020304" pitchFamily="18" charset="0"/>
+              </a:rPr>
+              <a:t>4</a:t>
+            </a:r>
+            <a:endParaRPr lang="zh-CN" altLang="en-US" sz="3200" dirty="0">
+              <a:solidFill>
+                <a:sysClr val="windowText" lastClr="000000"/>
+              </a:solidFill>
+              <a:latin typeface="Times New Roman" panose="02020603050405020304" pitchFamily="18" charset="0"/>
+              <a:cs typeface="Times New Roman" panose="02020603050405020304" pitchFamily="18" charset="0"/>
+            </a:endParaRPr>
+          </a:p>
+        </p:txBody>
+      </p:sp>
+      <p:sp>
+        <p:nvSpPr>
+          <p:cNvPr id="71" name="矩形 70">
+            <a:extLst>
+              <a:ext uri="{FF2B5EF4-FFF2-40B4-BE49-F238E27FC236}">
+                <a16:creationId xmlns:a16="http://schemas.microsoft.com/office/drawing/2014/main" id="{A756C539-2540-4305-9C86-EEE5E1AF0824}"/>
+              </a:ext>
+            </a:extLst>
+          </p:cNvPr>
+          <p:cNvSpPr/>
+          <p:nvPr/>
+        </p:nvSpPr>
+        <p:spPr>
+          <a:xfrm>
+            <a:off x="3737296" y="5832764"/>
+            <a:ext cx="716175" cy="515259"/>
+          </a:xfrm>
+          <a:prstGeom prst="rect">
+            <a:avLst/>
+          </a:prstGeom>
+          <a:solidFill>
+            <a:srgbClr val="FFC000"/>
+          </a:solidFill>
+          <a:ln w="6350">
+            <a:solidFill>
+              <a:schemeClr val="tx1"/>
+            </a:solidFill>
+          </a:ln>
+        </p:spPr>
+        <p:style>
+          <a:lnRef idx="2">
+            <a:schemeClr val="accent1">
+              <a:shade val="50000"/>
+            </a:schemeClr>
+          </a:lnRef>
+          <a:fillRef idx="1">
+            <a:schemeClr val="accent1"/>
+          </a:fillRef>
+          <a:effectRef idx="0">
+            <a:schemeClr val="accent1"/>
+          </a:effectRef>
+          <a:fontRef idx="minor">
+            <a:schemeClr val="lt1"/>
+          </a:fontRef>
+        </p:style>
+        <p:txBody>
+          <a:bodyPr rtlCol="0" anchor="ctr"/>
+          <a:lstStyle/>
+          <a:p>
+            <a:pPr algn="ctr"/>
+            <a:r>
+              <a:rPr lang="en-US" altLang="zh-CN" sz="3200" dirty="0">
+                <a:solidFill>
+                  <a:sysClr val="windowText" lastClr="000000"/>
+                </a:solidFill>
+                <a:latin typeface="Times New Roman" panose="02020603050405020304" pitchFamily="18" charset="0"/>
+                <a:cs typeface="Times New Roman" panose="02020603050405020304" pitchFamily="18" charset="0"/>
+              </a:rPr>
+              <a:t>5</a:t>
+            </a:r>
+            <a:endParaRPr lang="zh-CN" altLang="en-US" sz="3200" dirty="0">
+              <a:solidFill>
+                <a:sysClr val="windowText" lastClr="000000"/>
+              </a:solidFill>
+              <a:latin typeface="Times New Roman" panose="02020603050405020304" pitchFamily="18" charset="0"/>
+              <a:cs typeface="Times New Roman" panose="02020603050405020304" pitchFamily="18" charset="0"/>
+            </a:endParaRPr>
+          </a:p>
+        </p:txBody>
+      </p:sp>
+      <p:cxnSp>
+        <p:nvCxnSpPr>
+          <p:cNvPr id="72" name="直接箭头连接符 71">
+            <a:extLst>
+              <a:ext uri="{FF2B5EF4-FFF2-40B4-BE49-F238E27FC236}">
+                <a16:creationId xmlns:a16="http://schemas.microsoft.com/office/drawing/2014/main" id="{9E9F4FA5-241F-4D61-A05E-3C300D9D0D2B}"/>
+              </a:ext>
+            </a:extLst>
+          </p:cNvPr>
+          <p:cNvCxnSpPr>
+            <a:cxnSpLocks/>
+            <a:stCxn id="73" idx="2"/>
+            <a:endCxn id="68" idx="0"/>
+          </p:cNvCxnSpPr>
+          <p:nvPr/>
+        </p:nvCxnSpPr>
+        <p:spPr>
+          <a:xfrm>
+            <a:off x="1942504" y="4633774"/>
+            <a:ext cx="4356" cy="1198990"/>
+          </a:xfrm>
+          <a:prstGeom prst="straightConnector1">
+            <a:avLst/>
+          </a:prstGeom>
+          <a:ln w="19050">
+            <a:solidFill>
+              <a:srgbClr val="FF0000"/>
+            </a:solidFill>
+            <a:headEnd type="triangle" w="lg" len="lg"/>
+            <a:tailEnd type="triangle" w="lg" len="lg"/>
+          </a:ln>
+        </p:spPr>
+        <p:style>
+          <a:lnRef idx="1">
+            <a:schemeClr val="accent1"/>
+          </a:lnRef>
+          <a:fillRef idx="0">
+            <a:schemeClr val="accent1"/>
+          </a:fillRef>
+          <a:effectRef idx="0">
+            <a:schemeClr val="accent1"/>
+          </a:effectRef>
+          <a:fontRef idx="minor">
+            <a:schemeClr val="tx1"/>
+          </a:fontRef>
+        </p:style>
+      </p:cxnSp>
+      <p:sp>
+        <p:nvSpPr>
+          <p:cNvPr id="73" name="矩形 72">
+            <a:extLst>
+              <a:ext uri="{FF2B5EF4-FFF2-40B4-BE49-F238E27FC236}">
+                <a16:creationId xmlns:a16="http://schemas.microsoft.com/office/drawing/2014/main" id="{1C1D740F-444F-4546-BAA8-3F57D9711EBD}"/>
+              </a:ext>
+            </a:extLst>
+          </p:cNvPr>
+          <p:cNvSpPr/>
+          <p:nvPr/>
+        </p:nvSpPr>
+        <p:spPr>
+          <a:xfrm>
+            <a:off x="1584416" y="4118515"/>
+            <a:ext cx="716175" cy="515259"/>
+          </a:xfrm>
+          <a:prstGeom prst="rect">
+            <a:avLst/>
+          </a:prstGeom>
+          <a:solidFill>
+            <a:srgbClr val="00B0F0"/>
+          </a:solidFill>
+          <a:ln w="6350">
+            <a:solidFill>
+              <a:schemeClr val="tx1"/>
+            </a:solidFill>
+          </a:ln>
+        </p:spPr>
+        <p:style>
+          <a:lnRef idx="2">
+            <a:schemeClr val="accent1">
+              <a:shade val="50000"/>
+            </a:schemeClr>
+          </a:lnRef>
+          <a:fillRef idx="1">
+            <a:schemeClr val="accent1"/>
+          </a:fillRef>
+          <a:effectRef idx="0">
+            <a:schemeClr val="accent1"/>
+          </a:effectRef>
+          <a:fontRef idx="minor">
+            <a:schemeClr val="lt1"/>
+          </a:fontRef>
+        </p:style>
+        <p:txBody>
+          <a:bodyPr rtlCol="0" anchor="ctr"/>
+          <a:lstStyle/>
+          <a:p>
+            <a:pPr algn="ctr"/>
+            <a:r>
+              <a:rPr lang="en-US" altLang="zh-CN" sz="3200" dirty="0">
+                <a:solidFill>
+                  <a:sysClr val="windowText" lastClr="000000"/>
+                </a:solidFill>
+                <a:latin typeface="Times New Roman" panose="02020603050405020304" pitchFamily="18" charset="0"/>
+                <a:cs typeface="Times New Roman" panose="02020603050405020304" pitchFamily="18" charset="0"/>
+              </a:rPr>
+              <a:t>5</a:t>
+            </a:r>
+            <a:endParaRPr lang="zh-CN" altLang="en-US" sz="3200" dirty="0">
+              <a:solidFill>
+                <a:sysClr val="windowText" lastClr="000000"/>
+              </a:solidFill>
+              <a:latin typeface="Times New Roman" panose="02020603050405020304" pitchFamily="18" charset="0"/>
+              <a:cs typeface="Times New Roman" panose="02020603050405020304" pitchFamily="18" charset="0"/>
+            </a:endParaRPr>
+          </a:p>
+        </p:txBody>
+      </p:sp>
+      <p:sp>
+        <p:nvSpPr>
+          <p:cNvPr id="74" name="矩形 73">
+            <a:extLst>
+              <a:ext uri="{FF2B5EF4-FFF2-40B4-BE49-F238E27FC236}">
+                <a16:creationId xmlns:a16="http://schemas.microsoft.com/office/drawing/2014/main" id="{17632E29-42FD-4392-A6FE-FE60A8CEFA89}"/>
+              </a:ext>
+            </a:extLst>
+          </p:cNvPr>
+          <p:cNvSpPr/>
+          <p:nvPr/>
+        </p:nvSpPr>
+        <p:spPr>
+          <a:xfrm>
+            <a:off x="2300591" y="4118515"/>
+            <a:ext cx="716175" cy="515259"/>
+          </a:xfrm>
+          <a:prstGeom prst="rect">
+            <a:avLst/>
+          </a:prstGeom>
+          <a:solidFill>
+            <a:srgbClr val="00B0F0"/>
+          </a:solidFill>
+          <a:ln w="6350">
+            <a:solidFill>
+              <a:schemeClr val="tx1"/>
+            </a:solidFill>
+          </a:ln>
+        </p:spPr>
+        <p:style>
+          <a:lnRef idx="2">
+            <a:schemeClr val="accent1">
+              <a:shade val="50000"/>
+            </a:schemeClr>
+          </a:lnRef>
+          <a:fillRef idx="1">
+            <a:schemeClr val="accent1"/>
+          </a:fillRef>
+          <a:effectRef idx="0">
+            <a:schemeClr val="accent1"/>
+          </a:effectRef>
+          <a:fontRef idx="minor">
+            <a:schemeClr val="lt1"/>
+          </a:fontRef>
+        </p:style>
+        <p:txBody>
+          <a:bodyPr rtlCol="0" anchor="ctr"/>
+          <a:lstStyle/>
+          <a:p>
+            <a:pPr algn="ctr"/>
+            <a:r>
+              <a:rPr lang="en-US" altLang="zh-CN" sz="3200" dirty="0">
+                <a:solidFill>
+                  <a:sysClr val="windowText" lastClr="000000"/>
+                </a:solidFill>
+                <a:latin typeface="Times New Roman" panose="02020603050405020304" pitchFamily="18" charset="0"/>
+                <a:cs typeface="Times New Roman" panose="02020603050405020304" pitchFamily="18" charset="0"/>
+              </a:rPr>
+              <a:t>8</a:t>
+            </a:r>
+            <a:endParaRPr lang="zh-CN" altLang="en-US" sz="3200" dirty="0">
+              <a:solidFill>
+                <a:sysClr val="windowText" lastClr="000000"/>
+              </a:solidFill>
+              <a:latin typeface="Times New Roman" panose="02020603050405020304" pitchFamily="18" charset="0"/>
+              <a:cs typeface="Times New Roman" panose="02020603050405020304" pitchFamily="18" charset="0"/>
+            </a:endParaRPr>
+          </a:p>
+        </p:txBody>
+      </p:sp>
+      <p:sp>
+        <p:nvSpPr>
+          <p:cNvPr id="75" name="矩形 74">
+            <a:extLst>
+              <a:ext uri="{FF2B5EF4-FFF2-40B4-BE49-F238E27FC236}">
+                <a16:creationId xmlns:a16="http://schemas.microsoft.com/office/drawing/2014/main" id="{2F279F99-F18D-463E-9FF6-B5D98606EC04}"/>
+              </a:ext>
+            </a:extLst>
+          </p:cNvPr>
+          <p:cNvSpPr/>
+          <p:nvPr/>
+        </p:nvSpPr>
+        <p:spPr>
+          <a:xfrm>
+            <a:off x="3016766" y="4118515"/>
+            <a:ext cx="716175" cy="515259"/>
+          </a:xfrm>
+          <a:prstGeom prst="rect">
+            <a:avLst/>
+          </a:prstGeom>
+          <a:solidFill>
+            <a:srgbClr val="00B0F0"/>
+          </a:solidFill>
+          <a:ln w="6350">
+            <a:solidFill>
+              <a:schemeClr val="tx1"/>
+            </a:solidFill>
+          </a:ln>
+        </p:spPr>
+        <p:style>
+          <a:lnRef idx="2">
+            <a:schemeClr val="accent1">
+              <a:shade val="50000"/>
+            </a:schemeClr>
+          </a:lnRef>
+          <a:fillRef idx="1">
+            <a:schemeClr val="accent1"/>
+          </a:fillRef>
+          <a:effectRef idx="0">
+            <a:schemeClr val="accent1"/>
+          </a:effectRef>
+          <a:fontRef idx="minor">
+            <a:schemeClr val="lt1"/>
+          </a:fontRef>
+        </p:style>
+        <p:txBody>
+          <a:bodyPr rtlCol="0" anchor="ctr"/>
+          <a:lstStyle/>
+          <a:p>
+            <a:pPr algn="ctr"/>
+            <a:r>
+              <a:rPr lang="en-US" altLang="zh-CN" sz="3200" dirty="0">
+                <a:solidFill>
+                  <a:sysClr val="windowText" lastClr="000000"/>
+                </a:solidFill>
+                <a:latin typeface="Times New Roman" panose="02020603050405020304" pitchFamily="18" charset="0"/>
+                <a:cs typeface="Times New Roman" panose="02020603050405020304" pitchFamily="18" charset="0"/>
+              </a:rPr>
+              <a:t>1</a:t>
+            </a:r>
+            <a:endParaRPr lang="zh-CN" altLang="en-US" sz="3200" dirty="0">
+              <a:solidFill>
+                <a:sysClr val="windowText" lastClr="000000"/>
+              </a:solidFill>
+              <a:latin typeface="Times New Roman" panose="02020603050405020304" pitchFamily="18" charset="0"/>
+              <a:cs typeface="Times New Roman" panose="02020603050405020304" pitchFamily="18" charset="0"/>
+            </a:endParaRPr>
+          </a:p>
+        </p:txBody>
+      </p:sp>
+      <p:sp>
+        <p:nvSpPr>
+          <p:cNvPr id="76" name="矩形 75">
+            <a:extLst>
+              <a:ext uri="{FF2B5EF4-FFF2-40B4-BE49-F238E27FC236}">
+                <a16:creationId xmlns:a16="http://schemas.microsoft.com/office/drawing/2014/main" id="{7A123A2E-20FB-4F48-A86B-E528CFDC4919}"/>
+              </a:ext>
+            </a:extLst>
+          </p:cNvPr>
+          <p:cNvSpPr/>
+          <p:nvPr/>
+        </p:nvSpPr>
+        <p:spPr>
+          <a:xfrm>
+            <a:off x="3732940" y="4118515"/>
+            <a:ext cx="716175" cy="515259"/>
+          </a:xfrm>
+          <a:prstGeom prst="rect">
+            <a:avLst/>
+          </a:prstGeom>
+          <a:solidFill>
+            <a:srgbClr val="00B0F0"/>
+          </a:solidFill>
+          <a:ln w="6350">
+            <a:solidFill>
+              <a:schemeClr val="tx1"/>
+            </a:solidFill>
+          </a:ln>
+        </p:spPr>
+        <p:style>
+          <a:lnRef idx="2">
+            <a:schemeClr val="accent1">
+              <a:shade val="50000"/>
+            </a:schemeClr>
+          </a:lnRef>
+          <a:fillRef idx="1">
+            <a:schemeClr val="accent1"/>
+          </a:fillRef>
+          <a:effectRef idx="0">
+            <a:schemeClr val="accent1"/>
+          </a:effectRef>
+          <a:fontRef idx="minor">
+            <a:schemeClr val="lt1"/>
+          </a:fontRef>
+        </p:style>
+        <p:txBody>
+          <a:bodyPr rtlCol="0" anchor="ctr"/>
+          <a:lstStyle/>
+          <a:p>
+            <a:pPr algn="ctr"/>
+            <a:r>
+              <a:rPr lang="en-US" altLang="zh-CN" sz="3200" dirty="0">
+                <a:solidFill>
+                  <a:sysClr val="windowText" lastClr="000000"/>
+                </a:solidFill>
+                <a:latin typeface="Times New Roman" panose="02020603050405020304" pitchFamily="18" charset="0"/>
+                <a:cs typeface="Times New Roman" panose="02020603050405020304" pitchFamily="18" charset="0"/>
+              </a:rPr>
+              <a:t>7</a:t>
+            </a:r>
+            <a:endParaRPr lang="zh-CN" altLang="en-US" sz="3200" dirty="0">
+              <a:solidFill>
+                <a:sysClr val="windowText" lastClr="000000"/>
+              </a:solidFill>
+              <a:latin typeface="Times New Roman" panose="02020603050405020304" pitchFamily="18" charset="0"/>
+              <a:cs typeface="Times New Roman" panose="02020603050405020304" pitchFamily="18" charset="0"/>
+            </a:endParaRPr>
+          </a:p>
+        </p:txBody>
+      </p:sp>
+      <p:cxnSp>
+        <p:nvCxnSpPr>
+          <p:cNvPr id="77" name="直接箭头连接符 76">
+            <a:extLst>
+              <a:ext uri="{FF2B5EF4-FFF2-40B4-BE49-F238E27FC236}">
+                <a16:creationId xmlns:a16="http://schemas.microsoft.com/office/drawing/2014/main" id="{B7A01B05-3679-4514-86C8-EE56CA2216A0}"/>
+              </a:ext>
+            </a:extLst>
+          </p:cNvPr>
+          <p:cNvCxnSpPr>
+            <a:cxnSpLocks/>
+            <a:stCxn id="74" idx="2"/>
+            <a:endCxn id="69" idx="0"/>
+          </p:cNvCxnSpPr>
+          <p:nvPr/>
+        </p:nvCxnSpPr>
+        <p:spPr>
+          <a:xfrm>
+            <a:off x="2658679" y="4633774"/>
+            <a:ext cx="4356" cy="1198990"/>
+          </a:xfrm>
+          <a:prstGeom prst="straightConnector1">
+            <a:avLst/>
+          </a:prstGeom>
+          <a:ln w="19050">
+            <a:solidFill>
+              <a:srgbClr val="FF0000"/>
+            </a:solidFill>
+            <a:headEnd type="triangle" w="lg" len="lg"/>
+            <a:tailEnd type="triangle" w="lg" len="lg"/>
+          </a:ln>
+        </p:spPr>
+        <p:style>
+          <a:lnRef idx="1">
+            <a:schemeClr val="accent1"/>
+          </a:lnRef>
+          <a:fillRef idx="0">
+            <a:schemeClr val="accent1"/>
+          </a:fillRef>
+          <a:effectRef idx="0">
+            <a:schemeClr val="accent1"/>
+          </a:effectRef>
+          <a:fontRef idx="minor">
+            <a:schemeClr val="tx1"/>
+          </a:fontRef>
+        </p:style>
+      </p:cxnSp>
+      <p:cxnSp>
+        <p:nvCxnSpPr>
+          <p:cNvPr id="78" name="直接箭头连接符 77">
+            <a:extLst>
+              <a:ext uri="{FF2B5EF4-FFF2-40B4-BE49-F238E27FC236}">
+                <a16:creationId xmlns:a16="http://schemas.microsoft.com/office/drawing/2014/main" id="{C19787D1-9A8A-4A3B-AEAD-C90E4E0A7EC5}"/>
+              </a:ext>
+            </a:extLst>
+          </p:cNvPr>
+          <p:cNvCxnSpPr>
+            <a:cxnSpLocks/>
+            <a:stCxn id="75" idx="2"/>
+            <a:endCxn id="70" idx="0"/>
+          </p:cNvCxnSpPr>
+          <p:nvPr/>
+        </p:nvCxnSpPr>
+        <p:spPr>
+          <a:xfrm>
+            <a:off x="3374854" y="4633774"/>
+            <a:ext cx="4356" cy="1198990"/>
+          </a:xfrm>
+          <a:prstGeom prst="straightConnector1">
+            <a:avLst/>
+          </a:prstGeom>
+          <a:ln w="19050">
+            <a:solidFill>
+              <a:srgbClr val="FF0000"/>
+            </a:solidFill>
+            <a:headEnd type="triangle" w="lg" len="lg"/>
+            <a:tailEnd type="triangle" w="lg" len="lg"/>
+          </a:ln>
+        </p:spPr>
+        <p:style>
+          <a:lnRef idx="1">
+            <a:schemeClr val="accent1"/>
+          </a:lnRef>
+          <a:fillRef idx="0">
+            <a:schemeClr val="accent1"/>
+          </a:fillRef>
+          <a:effectRef idx="0">
+            <a:schemeClr val="accent1"/>
+          </a:effectRef>
+          <a:fontRef idx="minor">
+            <a:schemeClr val="tx1"/>
+          </a:fontRef>
+        </p:style>
+      </p:cxnSp>
+      <p:cxnSp>
+        <p:nvCxnSpPr>
+          <p:cNvPr id="79" name="直接箭头连接符 78">
+            <a:extLst>
+              <a:ext uri="{FF2B5EF4-FFF2-40B4-BE49-F238E27FC236}">
+                <a16:creationId xmlns:a16="http://schemas.microsoft.com/office/drawing/2014/main" id="{38A9B191-BB89-4E16-BD5A-72CE414D16D2}"/>
+              </a:ext>
+            </a:extLst>
+          </p:cNvPr>
+          <p:cNvCxnSpPr>
+            <a:cxnSpLocks/>
+            <a:stCxn id="76" idx="2"/>
+            <a:endCxn id="71" idx="0"/>
+          </p:cNvCxnSpPr>
+          <p:nvPr/>
+        </p:nvCxnSpPr>
+        <p:spPr>
+          <a:xfrm>
+            <a:off x="4091028" y="4633774"/>
+            <a:ext cx="4356" cy="1198990"/>
+          </a:xfrm>
+          <a:prstGeom prst="straightConnector1">
+            <a:avLst/>
+          </a:prstGeom>
+          <a:ln w="19050">
+            <a:solidFill>
+              <a:srgbClr val="FF0000"/>
+            </a:solidFill>
+            <a:headEnd type="triangle" w="lg" len="lg"/>
+            <a:tailEnd type="triangle" w="lg" len="lg"/>
+          </a:ln>
+        </p:spPr>
+        <p:style>
+          <a:lnRef idx="1">
+            <a:schemeClr val="accent1"/>
+          </a:lnRef>
+          <a:fillRef idx="0">
+            <a:schemeClr val="accent1"/>
+          </a:fillRef>
+          <a:effectRef idx="0">
+            <a:schemeClr val="accent1"/>
+          </a:effectRef>
+          <a:fontRef idx="minor">
+            <a:schemeClr val="tx1"/>
+          </a:fontRef>
+        </p:style>
+      </p:cxnSp>
+      <p:sp>
+        <p:nvSpPr>
+          <p:cNvPr id="11" name="箭头: 右 10">
+            <a:extLst>
+              <a:ext uri="{FF2B5EF4-FFF2-40B4-BE49-F238E27FC236}">
+                <a16:creationId xmlns:a16="http://schemas.microsoft.com/office/drawing/2014/main" id="{8EA400AB-AEA1-4BE4-9D2D-35DB892809F5}"/>
+              </a:ext>
+            </a:extLst>
+          </p:cNvPr>
+          <p:cNvSpPr/>
+          <p:nvPr/>
+        </p:nvSpPr>
+        <p:spPr>
+          <a:xfrm>
+            <a:off x="4900930" y="5021943"/>
+            <a:ext cx="1491141" cy="515259"/>
+          </a:xfrm>
+          <a:prstGeom prst="rightArrow">
+            <a:avLst/>
+          </a:prstGeom>
+          <a:solidFill>
+            <a:schemeClr val="accent6">
+              <a:lumMod val="40000"/>
+              <a:lumOff val="60000"/>
+            </a:schemeClr>
+          </a:solidFill>
+          <a:ln>
+            <a:noFill/>
+          </a:ln>
+        </p:spPr>
+        <p:style>
+          <a:lnRef idx="2">
+            <a:schemeClr val="accent1">
+              <a:shade val="50000"/>
+            </a:schemeClr>
+          </a:lnRef>
+          <a:fillRef idx="1">
+            <a:schemeClr val="accent1"/>
+          </a:fillRef>
+          <a:effectRef idx="0">
+            <a:schemeClr val="accent1"/>
+          </a:effectRef>
+          <a:fontRef idx="minor">
+            <a:schemeClr val="lt1"/>
+          </a:fontRef>
+        </p:style>
+        <p:txBody>
+          <a:bodyPr rtlCol="0" anchor="ctr"/>
+          <a:lstStyle/>
+          <a:p>
+            <a:pPr algn="ctr"/>
+            <a:endParaRPr lang="zh-CN" altLang="en-US"/>
+          </a:p>
+        </p:txBody>
+      </p:sp>
+      <p:sp>
+        <p:nvSpPr>
+          <p:cNvPr id="81" name="矩形 80">
+            <a:extLst>
+              <a:ext uri="{FF2B5EF4-FFF2-40B4-BE49-F238E27FC236}">
+                <a16:creationId xmlns:a16="http://schemas.microsoft.com/office/drawing/2014/main" id="{0F2693FD-1B24-4423-90EA-1B6C2F2C2366}"/>
+              </a:ext>
+            </a:extLst>
+          </p:cNvPr>
+          <p:cNvSpPr/>
+          <p:nvPr/>
+        </p:nvSpPr>
+        <p:spPr>
+          <a:xfrm>
+            <a:off x="6988612" y="3857687"/>
+            <a:ext cx="716175" cy="515259"/>
+          </a:xfrm>
+          <a:prstGeom prst="rect">
+            <a:avLst/>
+          </a:prstGeom>
+          <a:noFill/>
+          <a:ln w="6350">
+            <a:solidFill>
+              <a:schemeClr val="tx1"/>
+            </a:solidFill>
+          </a:ln>
+        </p:spPr>
+        <p:style>
+          <a:lnRef idx="2">
+            <a:schemeClr val="accent1">
+              <a:shade val="50000"/>
+            </a:schemeClr>
+          </a:lnRef>
+          <a:fillRef idx="1">
+            <a:schemeClr val="accent1"/>
+          </a:fillRef>
+          <a:effectRef idx="0">
+            <a:schemeClr val="accent1"/>
+          </a:effectRef>
+          <a:fontRef idx="minor">
+            <a:schemeClr val="lt1"/>
+          </a:fontRef>
+        </p:style>
+        <p:txBody>
+          <a:bodyPr rtlCol="0" anchor="ctr"/>
+          <a:lstStyle/>
+          <a:p>
+            <a:pPr algn="ctr"/>
+            <a:r>
+              <a:rPr lang="en-US" altLang="zh-CN" sz="3200" dirty="0">
+                <a:solidFill>
+                  <a:sysClr val="windowText" lastClr="000000"/>
+                </a:solidFill>
+                <a:latin typeface="Times New Roman" panose="02020603050405020304" pitchFamily="18" charset="0"/>
+                <a:cs typeface="Times New Roman" panose="02020603050405020304" pitchFamily="18" charset="0"/>
+              </a:rPr>
+              <a:t>1</a:t>
+            </a:r>
+            <a:endParaRPr lang="zh-CN" altLang="en-US" sz="3200" dirty="0">
+              <a:solidFill>
+                <a:sysClr val="windowText" lastClr="000000"/>
+              </a:solidFill>
+              <a:latin typeface="Times New Roman" panose="02020603050405020304" pitchFamily="18" charset="0"/>
+              <a:cs typeface="Times New Roman" panose="02020603050405020304" pitchFamily="18" charset="0"/>
+            </a:endParaRPr>
+          </a:p>
+        </p:txBody>
+      </p:sp>
+      <p:sp>
+        <p:nvSpPr>
+          <p:cNvPr id="82" name="矩形 81">
+            <a:extLst>
+              <a:ext uri="{FF2B5EF4-FFF2-40B4-BE49-F238E27FC236}">
+                <a16:creationId xmlns:a16="http://schemas.microsoft.com/office/drawing/2014/main" id="{238D91B9-6413-400D-8AC7-08D5323E98E1}"/>
+              </a:ext>
+            </a:extLst>
+          </p:cNvPr>
+          <p:cNvSpPr/>
+          <p:nvPr/>
+        </p:nvSpPr>
+        <p:spPr>
+          <a:xfrm>
+            <a:off x="8434029" y="3851814"/>
+            <a:ext cx="716175" cy="515259"/>
+          </a:xfrm>
+          <a:prstGeom prst="rect">
+            <a:avLst/>
+          </a:prstGeom>
+          <a:noFill/>
+          <a:ln w="6350">
+            <a:solidFill>
+              <a:schemeClr val="tx1"/>
+            </a:solidFill>
+          </a:ln>
+        </p:spPr>
+        <p:style>
+          <a:lnRef idx="2">
+            <a:schemeClr val="accent1">
+              <a:shade val="50000"/>
+            </a:schemeClr>
+          </a:lnRef>
+          <a:fillRef idx="1">
+            <a:schemeClr val="accent1"/>
+          </a:fillRef>
+          <a:effectRef idx="0">
+            <a:schemeClr val="accent1"/>
+          </a:effectRef>
+          <a:fontRef idx="minor">
+            <a:schemeClr val="lt1"/>
+          </a:fontRef>
+        </p:style>
+        <p:txBody>
+          <a:bodyPr rtlCol="0" anchor="ctr"/>
+          <a:lstStyle/>
+          <a:p>
+            <a:pPr algn="ctr"/>
+            <a:r>
+              <a:rPr lang="en-US" altLang="zh-CN" sz="3200" dirty="0">
+                <a:solidFill>
+                  <a:sysClr val="windowText" lastClr="000000"/>
+                </a:solidFill>
+                <a:latin typeface="Times New Roman" panose="02020603050405020304" pitchFamily="18" charset="0"/>
+                <a:cs typeface="Times New Roman" panose="02020603050405020304" pitchFamily="18" charset="0"/>
+              </a:rPr>
+              <a:t>4</a:t>
+            </a:r>
+            <a:endParaRPr lang="zh-CN" altLang="en-US" sz="3200" dirty="0">
+              <a:solidFill>
+                <a:sysClr val="windowText" lastClr="000000"/>
+              </a:solidFill>
+              <a:latin typeface="Times New Roman" panose="02020603050405020304" pitchFamily="18" charset="0"/>
+              <a:cs typeface="Times New Roman" panose="02020603050405020304" pitchFamily="18" charset="0"/>
+            </a:endParaRPr>
+          </a:p>
+        </p:txBody>
+      </p:sp>
+      <p:cxnSp>
+        <p:nvCxnSpPr>
+          <p:cNvPr id="83" name="直接箭头连接符 82">
+            <a:extLst>
+              <a:ext uri="{FF2B5EF4-FFF2-40B4-BE49-F238E27FC236}">
+                <a16:creationId xmlns:a16="http://schemas.microsoft.com/office/drawing/2014/main" id="{10763666-4B02-4312-BF23-389BEE627B08}"/>
+              </a:ext>
+            </a:extLst>
+          </p:cNvPr>
+          <p:cNvCxnSpPr>
+            <a:cxnSpLocks/>
+            <a:stCxn id="81" idx="3"/>
+            <a:endCxn id="82" idx="1"/>
+          </p:cNvCxnSpPr>
+          <p:nvPr/>
+        </p:nvCxnSpPr>
+        <p:spPr>
+          <a:xfrm flipV="1">
+            <a:off x="7704787" y="4109444"/>
+            <a:ext cx="729242" cy="5873"/>
+          </a:xfrm>
+          <a:prstGeom prst="straightConnector1">
+            <a:avLst/>
+          </a:prstGeom>
+          <a:ln w="19050">
+            <a:solidFill>
+              <a:schemeClr val="tx1"/>
+            </a:solidFill>
+            <a:headEnd type="triangle" w="lg" len="lg"/>
+            <a:tailEnd type="triangle" w="lg" len="lg"/>
+          </a:ln>
+        </p:spPr>
+        <p:style>
+          <a:lnRef idx="1">
+            <a:schemeClr val="accent1"/>
+          </a:lnRef>
+          <a:fillRef idx="0">
+            <a:schemeClr val="accent1"/>
+          </a:fillRef>
+          <a:effectRef idx="0">
+            <a:schemeClr val="accent1"/>
+          </a:effectRef>
+          <a:fontRef idx="minor">
+            <a:schemeClr val="tx1"/>
+          </a:fontRef>
+        </p:style>
+      </p:cxnSp>
+      <p:sp>
+        <p:nvSpPr>
+          <p:cNvPr id="86" name="矩形 85">
+            <a:extLst>
+              <a:ext uri="{FF2B5EF4-FFF2-40B4-BE49-F238E27FC236}">
+                <a16:creationId xmlns:a16="http://schemas.microsoft.com/office/drawing/2014/main" id="{1DCE54D8-5BD3-46AE-B88E-DD74BA28EFA8}"/>
+              </a:ext>
+            </a:extLst>
+          </p:cNvPr>
+          <p:cNvSpPr/>
+          <p:nvPr/>
+        </p:nvSpPr>
+        <p:spPr>
+          <a:xfrm>
+            <a:off x="6988612" y="4636449"/>
+            <a:ext cx="716175" cy="515259"/>
+          </a:xfrm>
+          <a:prstGeom prst="rect">
+            <a:avLst/>
+          </a:prstGeom>
+          <a:noFill/>
+          <a:ln w="6350">
+            <a:solidFill>
+              <a:schemeClr val="tx1"/>
+            </a:solidFill>
+          </a:ln>
+        </p:spPr>
+        <p:style>
+          <a:lnRef idx="2">
+            <a:schemeClr val="accent1">
+              <a:shade val="50000"/>
+            </a:schemeClr>
+          </a:lnRef>
+          <a:fillRef idx="1">
+            <a:schemeClr val="accent1"/>
+          </a:fillRef>
+          <a:effectRef idx="0">
+            <a:schemeClr val="accent1"/>
+          </a:effectRef>
+          <a:fontRef idx="minor">
+            <a:schemeClr val="lt1"/>
+          </a:fontRef>
+        </p:style>
+        <p:txBody>
+          <a:bodyPr rtlCol="0" anchor="ctr"/>
+          <a:lstStyle/>
+          <a:p>
+            <a:pPr algn="ctr"/>
+            <a:r>
+              <a:rPr lang="en-US" altLang="zh-CN" sz="3200" dirty="0">
+                <a:solidFill>
+                  <a:sysClr val="windowText" lastClr="000000"/>
+                </a:solidFill>
+                <a:latin typeface="Times New Roman" panose="02020603050405020304" pitchFamily="18" charset="0"/>
+                <a:cs typeface="Times New Roman" panose="02020603050405020304" pitchFamily="18" charset="0"/>
+              </a:rPr>
+              <a:t>5</a:t>
+            </a:r>
+            <a:endParaRPr lang="zh-CN" altLang="en-US" sz="3200" dirty="0">
+              <a:solidFill>
+                <a:sysClr val="windowText" lastClr="000000"/>
+              </a:solidFill>
+              <a:latin typeface="Times New Roman" panose="02020603050405020304" pitchFamily="18" charset="0"/>
+              <a:cs typeface="Times New Roman" panose="02020603050405020304" pitchFamily="18" charset="0"/>
+            </a:endParaRPr>
+          </a:p>
+        </p:txBody>
+      </p:sp>
+      <p:sp>
+        <p:nvSpPr>
+          <p:cNvPr id="87" name="矩形 86">
+            <a:extLst>
+              <a:ext uri="{FF2B5EF4-FFF2-40B4-BE49-F238E27FC236}">
+                <a16:creationId xmlns:a16="http://schemas.microsoft.com/office/drawing/2014/main" id="{8DDECF70-719C-496C-8164-ECD2003C4114}"/>
+              </a:ext>
+            </a:extLst>
+          </p:cNvPr>
+          <p:cNvSpPr/>
+          <p:nvPr/>
+        </p:nvSpPr>
+        <p:spPr>
+          <a:xfrm>
+            <a:off x="8434029" y="4630576"/>
+            <a:ext cx="716175" cy="515259"/>
+          </a:xfrm>
+          <a:prstGeom prst="rect">
+            <a:avLst/>
+          </a:prstGeom>
+          <a:noFill/>
+          <a:ln w="6350">
+            <a:solidFill>
+              <a:schemeClr val="tx1"/>
+            </a:solidFill>
+          </a:ln>
+        </p:spPr>
+        <p:style>
+          <a:lnRef idx="2">
+            <a:schemeClr val="accent1">
+              <a:shade val="50000"/>
+            </a:schemeClr>
+          </a:lnRef>
+          <a:fillRef idx="1">
+            <a:schemeClr val="accent1"/>
+          </a:fillRef>
+          <a:effectRef idx="0">
+            <a:schemeClr val="accent1"/>
+          </a:effectRef>
+          <a:fontRef idx="minor">
+            <a:schemeClr val="lt1"/>
+          </a:fontRef>
+        </p:style>
+        <p:txBody>
+          <a:bodyPr rtlCol="0" anchor="ctr"/>
+          <a:lstStyle/>
+          <a:p>
+            <a:pPr algn="ctr"/>
+            <a:r>
+              <a:rPr lang="en-US" altLang="zh-CN" sz="3200" dirty="0">
+                <a:solidFill>
+                  <a:sysClr val="windowText" lastClr="000000"/>
+                </a:solidFill>
+                <a:latin typeface="Times New Roman" panose="02020603050405020304" pitchFamily="18" charset="0"/>
+                <a:cs typeface="Times New Roman" panose="02020603050405020304" pitchFamily="18" charset="0"/>
+              </a:rPr>
+              <a:t>2</a:t>
+            </a:r>
+            <a:endParaRPr lang="zh-CN" altLang="en-US" sz="3200" dirty="0">
+              <a:solidFill>
+                <a:sysClr val="windowText" lastClr="000000"/>
+              </a:solidFill>
+              <a:latin typeface="Times New Roman" panose="02020603050405020304" pitchFamily="18" charset="0"/>
+              <a:cs typeface="Times New Roman" panose="02020603050405020304" pitchFamily="18" charset="0"/>
+            </a:endParaRPr>
+          </a:p>
+        </p:txBody>
+      </p:sp>
+      <p:cxnSp>
+        <p:nvCxnSpPr>
+          <p:cNvPr id="88" name="直接箭头连接符 87">
+            <a:extLst>
+              <a:ext uri="{FF2B5EF4-FFF2-40B4-BE49-F238E27FC236}">
+                <a16:creationId xmlns:a16="http://schemas.microsoft.com/office/drawing/2014/main" id="{466F9975-F138-49BA-AD1F-6178DE8F0DC9}"/>
+              </a:ext>
+            </a:extLst>
+          </p:cNvPr>
+          <p:cNvCxnSpPr>
+            <a:cxnSpLocks/>
+            <a:stCxn id="86" idx="3"/>
+            <a:endCxn id="87" idx="1"/>
+          </p:cNvCxnSpPr>
+          <p:nvPr/>
+        </p:nvCxnSpPr>
+        <p:spPr>
+          <a:xfrm flipV="1">
+            <a:off x="7704787" y="4888206"/>
+            <a:ext cx="729242" cy="5873"/>
+          </a:xfrm>
+          <a:prstGeom prst="straightConnector1">
+            <a:avLst/>
+          </a:prstGeom>
+          <a:ln w="19050">
+            <a:solidFill>
+              <a:schemeClr val="tx1"/>
+            </a:solidFill>
+            <a:headEnd type="triangle" w="lg" len="lg"/>
+            <a:tailEnd type="triangle" w="lg" len="lg"/>
+          </a:ln>
+        </p:spPr>
+        <p:style>
+          <a:lnRef idx="1">
+            <a:schemeClr val="accent1"/>
+          </a:lnRef>
+          <a:fillRef idx="0">
+            <a:schemeClr val="accent1"/>
+          </a:fillRef>
+          <a:effectRef idx="0">
+            <a:schemeClr val="accent1"/>
+          </a:effectRef>
+          <a:fontRef idx="minor">
+            <a:schemeClr val="tx1"/>
+          </a:fontRef>
+        </p:style>
+      </p:cxnSp>
+      <p:sp>
+        <p:nvSpPr>
+          <p:cNvPr id="89" name="矩形 88">
+            <a:extLst>
+              <a:ext uri="{FF2B5EF4-FFF2-40B4-BE49-F238E27FC236}">
+                <a16:creationId xmlns:a16="http://schemas.microsoft.com/office/drawing/2014/main" id="{50D7E71B-4C61-443F-9516-82C5D54F8AA3}"/>
+              </a:ext>
+            </a:extLst>
+          </p:cNvPr>
+          <p:cNvSpPr/>
+          <p:nvPr/>
+        </p:nvSpPr>
+        <p:spPr>
+          <a:xfrm>
+            <a:off x="6984256" y="5415211"/>
+            <a:ext cx="716175" cy="515259"/>
+          </a:xfrm>
+          <a:prstGeom prst="rect">
+            <a:avLst/>
+          </a:prstGeom>
+          <a:noFill/>
+          <a:ln w="6350">
+            <a:solidFill>
+              <a:schemeClr val="tx1"/>
+            </a:solidFill>
+          </a:ln>
+        </p:spPr>
+        <p:style>
+          <a:lnRef idx="2">
+            <a:schemeClr val="accent1">
+              <a:shade val="50000"/>
+            </a:schemeClr>
+          </a:lnRef>
+          <a:fillRef idx="1">
+            <a:schemeClr val="accent1"/>
+          </a:fillRef>
+          <a:effectRef idx="0">
+            <a:schemeClr val="accent1"/>
+          </a:effectRef>
+          <a:fontRef idx="minor">
+            <a:schemeClr val="lt1"/>
+          </a:fontRef>
+        </p:style>
+        <p:txBody>
+          <a:bodyPr rtlCol="0" anchor="ctr"/>
+          <a:lstStyle/>
+          <a:p>
+            <a:pPr algn="ctr"/>
+            <a:r>
+              <a:rPr lang="en-US" altLang="zh-CN" sz="3200" dirty="0">
+                <a:solidFill>
+                  <a:sysClr val="windowText" lastClr="000000"/>
+                </a:solidFill>
+                <a:latin typeface="Times New Roman" panose="02020603050405020304" pitchFamily="18" charset="0"/>
+                <a:cs typeface="Times New Roman" panose="02020603050405020304" pitchFamily="18" charset="0"/>
+              </a:rPr>
+              <a:t>7</a:t>
+            </a:r>
+            <a:endParaRPr lang="zh-CN" altLang="en-US" sz="3200" dirty="0">
+              <a:solidFill>
+                <a:sysClr val="windowText" lastClr="000000"/>
+              </a:solidFill>
+              <a:latin typeface="Times New Roman" panose="02020603050405020304" pitchFamily="18" charset="0"/>
+              <a:cs typeface="Times New Roman" panose="02020603050405020304" pitchFamily="18" charset="0"/>
+            </a:endParaRPr>
+          </a:p>
+        </p:txBody>
+      </p:sp>
+      <p:sp>
+        <p:nvSpPr>
+          <p:cNvPr id="90" name="矩形 89">
+            <a:extLst>
+              <a:ext uri="{FF2B5EF4-FFF2-40B4-BE49-F238E27FC236}">
+                <a16:creationId xmlns:a16="http://schemas.microsoft.com/office/drawing/2014/main" id="{3C08533B-3A95-4D10-A2A2-C001F4AAEB02}"/>
+              </a:ext>
+            </a:extLst>
+          </p:cNvPr>
+          <p:cNvSpPr/>
+          <p:nvPr/>
+        </p:nvSpPr>
+        <p:spPr>
+          <a:xfrm>
+            <a:off x="8429673" y="5409338"/>
+            <a:ext cx="716175" cy="515259"/>
+          </a:xfrm>
+          <a:prstGeom prst="rect">
+            <a:avLst/>
+          </a:prstGeom>
+          <a:noFill/>
+          <a:ln w="6350">
+            <a:solidFill>
+              <a:schemeClr val="tx1"/>
+            </a:solidFill>
+          </a:ln>
+        </p:spPr>
+        <p:style>
+          <a:lnRef idx="2">
+            <a:schemeClr val="accent1">
+              <a:shade val="50000"/>
+            </a:schemeClr>
+          </a:lnRef>
+          <a:fillRef idx="1">
+            <a:schemeClr val="accent1"/>
+          </a:fillRef>
+          <a:effectRef idx="0">
+            <a:schemeClr val="accent1"/>
+          </a:effectRef>
+          <a:fontRef idx="minor">
+            <a:schemeClr val="lt1"/>
+          </a:fontRef>
+        </p:style>
+        <p:txBody>
+          <a:bodyPr rtlCol="0" anchor="ctr"/>
+          <a:lstStyle/>
+          <a:p>
+            <a:pPr algn="ctr"/>
+            <a:r>
+              <a:rPr lang="en-US" altLang="zh-CN" sz="3200" dirty="0">
+                <a:solidFill>
+                  <a:sysClr val="windowText" lastClr="000000"/>
+                </a:solidFill>
+                <a:latin typeface="Times New Roman" panose="02020603050405020304" pitchFamily="18" charset="0"/>
+                <a:cs typeface="Times New Roman" panose="02020603050405020304" pitchFamily="18" charset="0"/>
+              </a:rPr>
+              <a:t>5</a:t>
+            </a:r>
+            <a:endParaRPr lang="zh-CN" altLang="en-US" sz="3200" dirty="0">
+              <a:solidFill>
+                <a:sysClr val="windowText" lastClr="000000"/>
+              </a:solidFill>
+              <a:latin typeface="Times New Roman" panose="02020603050405020304" pitchFamily="18" charset="0"/>
+              <a:cs typeface="Times New Roman" panose="02020603050405020304" pitchFamily="18" charset="0"/>
+            </a:endParaRPr>
+          </a:p>
+        </p:txBody>
+      </p:sp>
+      <p:cxnSp>
+        <p:nvCxnSpPr>
+          <p:cNvPr id="91" name="直接箭头连接符 90">
+            <a:extLst>
+              <a:ext uri="{FF2B5EF4-FFF2-40B4-BE49-F238E27FC236}">
+                <a16:creationId xmlns:a16="http://schemas.microsoft.com/office/drawing/2014/main" id="{0B747AD3-13B6-4BF6-8839-8544B3E2ED29}"/>
+              </a:ext>
+            </a:extLst>
+          </p:cNvPr>
+          <p:cNvCxnSpPr>
+            <a:cxnSpLocks/>
+            <a:stCxn id="89" idx="3"/>
+            <a:endCxn id="90" idx="1"/>
+          </p:cNvCxnSpPr>
+          <p:nvPr/>
+        </p:nvCxnSpPr>
+        <p:spPr>
+          <a:xfrm flipV="1">
+            <a:off x="7700431" y="5666968"/>
+            <a:ext cx="729242" cy="5873"/>
+          </a:xfrm>
+          <a:prstGeom prst="straightConnector1">
+            <a:avLst/>
+          </a:prstGeom>
+          <a:ln w="19050">
+            <a:solidFill>
+              <a:schemeClr val="tx1"/>
+            </a:solidFill>
+            <a:headEnd type="triangle" w="lg" len="lg"/>
+            <a:tailEnd type="triangle" w="lg" len="lg"/>
+          </a:ln>
+        </p:spPr>
+        <p:style>
+          <a:lnRef idx="1">
+            <a:schemeClr val="accent1"/>
+          </a:lnRef>
+          <a:fillRef idx="0">
+            <a:schemeClr val="accent1"/>
+          </a:fillRef>
+          <a:effectRef idx="0">
+            <a:schemeClr val="accent1"/>
+          </a:effectRef>
+          <a:fontRef idx="minor">
+            <a:schemeClr val="tx1"/>
+          </a:fontRef>
+        </p:style>
+      </p:cxnSp>
+      <p:sp>
+        <p:nvSpPr>
+          <p:cNvPr id="92" name="矩形 91">
+            <a:extLst>
+              <a:ext uri="{FF2B5EF4-FFF2-40B4-BE49-F238E27FC236}">
+                <a16:creationId xmlns:a16="http://schemas.microsoft.com/office/drawing/2014/main" id="{6BFE2917-82DD-4E5A-9FBC-6DE86A0E1EE4}"/>
+              </a:ext>
+            </a:extLst>
+          </p:cNvPr>
+          <p:cNvSpPr/>
+          <p:nvPr/>
+        </p:nvSpPr>
+        <p:spPr>
+          <a:xfrm>
+            <a:off x="9911228" y="5409338"/>
+            <a:ext cx="716175" cy="515259"/>
+          </a:xfrm>
+          <a:prstGeom prst="rect">
+            <a:avLst/>
+          </a:prstGeom>
+          <a:noFill/>
+          <a:ln w="6350">
+            <a:solidFill>
+              <a:schemeClr val="tx1"/>
+            </a:solidFill>
+          </a:ln>
+        </p:spPr>
+        <p:style>
+          <a:lnRef idx="2">
+            <a:schemeClr val="accent1">
+              <a:shade val="50000"/>
+            </a:schemeClr>
+          </a:lnRef>
+          <a:fillRef idx="1">
+            <a:schemeClr val="accent1"/>
+          </a:fillRef>
+          <a:effectRef idx="0">
+            <a:schemeClr val="accent1"/>
+          </a:effectRef>
+          <a:fontRef idx="minor">
+            <a:schemeClr val="lt1"/>
+          </a:fontRef>
+        </p:style>
+        <p:txBody>
+          <a:bodyPr rtlCol="0" anchor="ctr"/>
+          <a:lstStyle/>
+          <a:p>
+            <a:pPr algn="ctr"/>
+            <a:r>
+              <a:rPr lang="en-US" altLang="zh-CN" sz="3200" dirty="0">
+                <a:solidFill>
+                  <a:sysClr val="windowText" lastClr="000000"/>
+                </a:solidFill>
+                <a:latin typeface="Times New Roman" panose="02020603050405020304" pitchFamily="18" charset="0"/>
+                <a:cs typeface="Times New Roman" panose="02020603050405020304" pitchFamily="18" charset="0"/>
+              </a:rPr>
+              <a:t>2</a:t>
+            </a:r>
+            <a:endParaRPr lang="zh-CN" altLang="en-US" sz="3200" dirty="0">
+              <a:solidFill>
+                <a:sysClr val="windowText" lastClr="000000"/>
+              </a:solidFill>
+              <a:latin typeface="Times New Roman" panose="02020603050405020304" pitchFamily="18" charset="0"/>
+              <a:cs typeface="Times New Roman" panose="02020603050405020304" pitchFamily="18" charset="0"/>
+            </a:endParaRPr>
+          </a:p>
+        </p:txBody>
+      </p:sp>
+      <p:cxnSp>
+        <p:nvCxnSpPr>
+          <p:cNvPr id="93" name="直接箭头连接符 92">
+            <a:extLst>
+              <a:ext uri="{FF2B5EF4-FFF2-40B4-BE49-F238E27FC236}">
+                <a16:creationId xmlns:a16="http://schemas.microsoft.com/office/drawing/2014/main" id="{C8124405-B0E9-44B9-898C-8A2639C894DE}"/>
+              </a:ext>
+            </a:extLst>
+          </p:cNvPr>
+          <p:cNvCxnSpPr>
+            <a:cxnSpLocks/>
+            <a:stCxn id="90" idx="3"/>
+            <a:endCxn id="92" idx="1"/>
+          </p:cNvCxnSpPr>
+          <p:nvPr/>
+        </p:nvCxnSpPr>
+        <p:spPr>
+          <a:xfrm>
+            <a:off x="9145848" y="5666968"/>
+            <a:ext cx="765380" cy="0"/>
+          </a:xfrm>
+          <a:prstGeom prst="straightConnector1">
+            <a:avLst/>
+          </a:prstGeom>
+          <a:ln w="19050">
+            <a:solidFill>
+              <a:schemeClr val="tx1"/>
+            </a:solidFill>
+            <a:headEnd type="triangle" w="lg" len="lg"/>
+            <a:tailEnd type="triangle" w="lg" len="lg"/>
+          </a:ln>
+        </p:spPr>
+        <p:style>
+          <a:lnRef idx="1">
+            <a:schemeClr val="accent1"/>
+          </a:lnRef>
+          <a:fillRef idx="0">
+            <a:schemeClr val="accent1"/>
+          </a:fillRef>
+          <a:effectRef idx="0">
+            <a:schemeClr val="accent1"/>
+          </a:effectRef>
+          <a:fontRef idx="minor">
+            <a:schemeClr val="tx1"/>
+          </a:fontRef>
+        </p:style>
+      </p:cxnSp>
+      <p:sp>
+        <p:nvSpPr>
+          <p:cNvPr id="100" name="矩形 99">
+            <a:extLst>
+              <a:ext uri="{FF2B5EF4-FFF2-40B4-BE49-F238E27FC236}">
+                <a16:creationId xmlns:a16="http://schemas.microsoft.com/office/drawing/2014/main" id="{74437320-C86F-43AB-9238-DE3DD21B519C}"/>
+              </a:ext>
+            </a:extLst>
+          </p:cNvPr>
+          <p:cNvSpPr/>
+          <p:nvPr/>
+        </p:nvSpPr>
+        <p:spPr>
+          <a:xfrm>
+            <a:off x="6984256" y="6182227"/>
+            <a:ext cx="716175" cy="515259"/>
+          </a:xfrm>
+          <a:prstGeom prst="rect">
+            <a:avLst/>
+          </a:prstGeom>
+          <a:noFill/>
+          <a:ln w="6350">
+            <a:solidFill>
+              <a:schemeClr val="tx1"/>
+            </a:solidFill>
+          </a:ln>
+        </p:spPr>
+        <p:style>
+          <a:lnRef idx="2">
+            <a:schemeClr val="accent1">
+              <a:shade val="50000"/>
+            </a:schemeClr>
+          </a:lnRef>
+          <a:fillRef idx="1">
+            <a:schemeClr val="accent1"/>
+          </a:fillRef>
+          <a:effectRef idx="0">
+            <a:schemeClr val="accent1"/>
+          </a:effectRef>
+          <a:fontRef idx="minor">
+            <a:schemeClr val="lt1"/>
+          </a:fontRef>
+        </p:style>
+        <p:txBody>
+          <a:bodyPr rtlCol="0" anchor="ctr"/>
+          <a:lstStyle/>
+          <a:p>
+            <a:pPr algn="ctr"/>
+            <a:r>
+              <a:rPr lang="en-US" altLang="zh-CN" sz="3200" dirty="0">
+                <a:solidFill>
+                  <a:sysClr val="windowText" lastClr="000000"/>
+                </a:solidFill>
+                <a:latin typeface="Times New Roman" panose="02020603050405020304" pitchFamily="18" charset="0"/>
+                <a:cs typeface="Times New Roman" panose="02020603050405020304" pitchFamily="18" charset="0"/>
+              </a:rPr>
+              <a:t>8</a:t>
+            </a:r>
+            <a:endParaRPr lang="zh-CN" altLang="en-US" sz="3200" dirty="0">
+              <a:solidFill>
+                <a:sysClr val="windowText" lastClr="000000"/>
+              </a:solidFill>
+              <a:latin typeface="Times New Roman" panose="02020603050405020304" pitchFamily="18" charset="0"/>
+              <a:cs typeface="Times New Roman" panose="02020603050405020304" pitchFamily="18" charset="0"/>
+            </a:endParaRPr>
+          </a:p>
+        </p:txBody>
+      </p:sp>
+      <p:sp>
+        <p:nvSpPr>
+          <p:cNvPr id="101" name="矩形 100">
+            <a:extLst>
+              <a:ext uri="{FF2B5EF4-FFF2-40B4-BE49-F238E27FC236}">
+                <a16:creationId xmlns:a16="http://schemas.microsoft.com/office/drawing/2014/main" id="{9C31CF1A-92D5-44FF-A8CD-331D6CB99FE3}"/>
+              </a:ext>
+            </a:extLst>
+          </p:cNvPr>
+          <p:cNvSpPr/>
+          <p:nvPr/>
+        </p:nvSpPr>
+        <p:spPr>
+          <a:xfrm>
+            <a:off x="8430744" y="6188100"/>
+            <a:ext cx="716175" cy="515259"/>
+          </a:xfrm>
+          <a:prstGeom prst="rect">
+            <a:avLst/>
+          </a:prstGeom>
+          <a:noFill/>
+          <a:ln w="6350">
+            <a:solidFill>
+              <a:schemeClr val="tx1"/>
+            </a:solidFill>
+          </a:ln>
+        </p:spPr>
+        <p:style>
+          <a:lnRef idx="2">
+            <a:schemeClr val="accent1">
+              <a:shade val="50000"/>
+            </a:schemeClr>
+          </a:lnRef>
+          <a:fillRef idx="1">
+            <a:schemeClr val="accent1"/>
+          </a:fillRef>
+          <a:effectRef idx="0">
+            <a:schemeClr val="accent1"/>
+          </a:effectRef>
+          <a:fontRef idx="minor">
+            <a:schemeClr val="lt1"/>
+          </a:fontRef>
+        </p:style>
+        <p:txBody>
+          <a:bodyPr rtlCol="0" anchor="ctr"/>
+          <a:lstStyle/>
+          <a:p>
+            <a:pPr algn="ctr"/>
+            <a:r>
+              <a:rPr lang="en-US" altLang="zh-CN" sz="3200" dirty="0">
+                <a:solidFill>
+                  <a:sysClr val="windowText" lastClr="000000"/>
+                </a:solidFill>
+                <a:latin typeface="Times New Roman" panose="02020603050405020304" pitchFamily="18" charset="0"/>
+                <a:cs typeface="Times New Roman" panose="02020603050405020304" pitchFamily="18" charset="0"/>
+              </a:rPr>
+              <a:t>3</a:t>
+            </a:r>
+            <a:endParaRPr lang="zh-CN" altLang="en-US" sz="3200" dirty="0">
+              <a:solidFill>
+                <a:sysClr val="windowText" lastClr="000000"/>
+              </a:solidFill>
+              <a:latin typeface="Times New Roman" panose="02020603050405020304" pitchFamily="18" charset="0"/>
+              <a:cs typeface="Times New Roman" panose="02020603050405020304" pitchFamily="18" charset="0"/>
+            </a:endParaRPr>
+          </a:p>
+        </p:txBody>
+      </p:sp>
+      <p:cxnSp>
+        <p:nvCxnSpPr>
+          <p:cNvPr id="102" name="直接箭头连接符 101">
+            <a:extLst>
+              <a:ext uri="{FF2B5EF4-FFF2-40B4-BE49-F238E27FC236}">
+                <a16:creationId xmlns:a16="http://schemas.microsoft.com/office/drawing/2014/main" id="{A03D18BA-28A5-4A2C-86EE-747FBD247CB7}"/>
+              </a:ext>
+            </a:extLst>
+          </p:cNvPr>
+          <p:cNvCxnSpPr>
+            <a:cxnSpLocks/>
+            <a:endCxn id="101" idx="1"/>
+          </p:cNvCxnSpPr>
+          <p:nvPr/>
+        </p:nvCxnSpPr>
+        <p:spPr>
+          <a:xfrm>
+            <a:off x="7727529" y="6439857"/>
+            <a:ext cx="703215" cy="5873"/>
+          </a:xfrm>
+          <a:prstGeom prst="straightConnector1">
+            <a:avLst/>
+          </a:prstGeom>
+          <a:ln w="19050">
+            <a:solidFill>
+              <a:schemeClr val="tx1"/>
+            </a:solidFill>
+            <a:headEnd type="triangle" w="lg" len="lg"/>
+            <a:tailEnd type="triangle" w="lg" len="lg"/>
+          </a:ln>
+        </p:spPr>
+        <p:style>
+          <a:lnRef idx="1">
+            <a:schemeClr val="accent1"/>
+          </a:lnRef>
+          <a:fillRef idx="0">
+            <a:schemeClr val="accent1"/>
+          </a:fillRef>
+          <a:effectRef idx="0">
+            <a:schemeClr val="accent1"/>
+          </a:effectRef>
+          <a:fontRef idx="minor">
+            <a:schemeClr val="tx1"/>
+          </a:fontRef>
+        </p:style>
+      </p:cxnSp>
+    </p:spTree>
+    <p:extLst>
+      <p:ext uri="{BB962C8B-B14F-4D97-AF65-F5344CB8AC3E}">
+        <p14:creationId xmlns:p14="http://schemas.microsoft.com/office/powerpoint/2010/main" val="2575880562"/>
+      </p:ext>
+    </p:extLst>
+  </p:cSld>
+  <p:clrMapOvr>
+    <a:masterClrMapping/>
+  </p:clrMapOvr>
+</p:sld>
+</file>
+
+<file path=ppt/slides/slide4.xml><?xml version="1.0" encoding="utf-8"?>
+<p:sld xmlns:a="http://schemas.openxmlformats.org/drawingml/2006/main" xmlns:r="http://schemas.openxmlformats.org/officeDocument/2006/relationships" xmlns:p="http://schemas.openxmlformats.org/presentationml/2006/main">
+  <p:cSld>
+    <p:spTree>
+      <p:nvGrpSpPr>
+        <p:cNvPr id="1" name=""/>
+        <p:cNvGrpSpPr/>
+        <p:nvPr/>
+      </p:nvGrpSpPr>
+      <p:grpSpPr>
+        <a:xfrm>
+          <a:off x="0" y="0"/>
+          <a:ext cx="0" cy="0"/>
+          <a:chOff x="0" y="0"/>
+          <a:chExt cx="0" cy="0"/>
+        </a:xfrm>
+      </p:grpSpPr>
+      <p:sp>
+        <p:nvSpPr>
+          <p:cNvPr id="33" name="矩形 32">
+            <a:extLst>
+              <a:ext uri="{FF2B5EF4-FFF2-40B4-BE49-F238E27FC236}">
+                <a16:creationId xmlns:a16="http://schemas.microsoft.com/office/drawing/2014/main" id="{162C3AFE-38D8-419F-BFED-D6A56B060777}"/>
+              </a:ext>
+            </a:extLst>
+          </p:cNvPr>
+          <p:cNvSpPr/>
+          <p:nvPr/>
+        </p:nvSpPr>
+        <p:spPr>
+          <a:xfrm>
+            <a:off x="4189112" y="1025236"/>
+            <a:ext cx="716175" cy="515259"/>
+          </a:xfrm>
+          <a:prstGeom prst="rect">
+            <a:avLst/>
+          </a:prstGeom>
+          <a:solidFill>
+            <a:srgbClr val="FFC000"/>
+          </a:solidFill>
+          <a:ln w="6350">
+            <a:solidFill>
+              <a:schemeClr val="tx1"/>
+            </a:solidFill>
+          </a:ln>
+        </p:spPr>
+        <p:style>
+          <a:lnRef idx="2">
+            <a:schemeClr val="accent1">
+              <a:shade val="50000"/>
+            </a:schemeClr>
+          </a:lnRef>
+          <a:fillRef idx="1">
+            <a:schemeClr val="accent1"/>
+          </a:fillRef>
+          <a:effectRef idx="0">
+            <a:schemeClr val="accent1"/>
+          </a:effectRef>
+          <a:fontRef idx="minor">
+            <a:schemeClr val="lt1"/>
+          </a:fontRef>
+        </p:style>
+        <p:txBody>
+          <a:bodyPr rtlCol="0" anchor="ctr"/>
+          <a:lstStyle/>
+          <a:p>
+            <a:pPr algn="ctr"/>
+            <a:r>
+              <a:rPr lang="en-US" altLang="zh-CN" sz="3200" dirty="0">
+                <a:solidFill>
+                  <a:sysClr val="windowText" lastClr="000000"/>
+                </a:solidFill>
+                <a:latin typeface="Times New Roman" panose="02020603050405020304" pitchFamily="18" charset="0"/>
+                <a:cs typeface="Times New Roman" panose="02020603050405020304" pitchFamily="18" charset="0"/>
+              </a:rPr>
+              <a:t>4</a:t>
+            </a:r>
+            <a:endParaRPr lang="zh-CN" altLang="en-US" sz="3200" dirty="0">
+              <a:solidFill>
+                <a:sysClr val="windowText" lastClr="000000"/>
+              </a:solidFill>
+              <a:latin typeface="Times New Roman" panose="02020603050405020304" pitchFamily="18" charset="0"/>
+              <a:cs typeface="Times New Roman" panose="02020603050405020304" pitchFamily="18" charset="0"/>
+            </a:endParaRPr>
+          </a:p>
+        </p:txBody>
+      </p:sp>
+      <p:sp>
+        <p:nvSpPr>
+          <p:cNvPr id="34" name="矩形 33">
+            <a:extLst>
+              <a:ext uri="{FF2B5EF4-FFF2-40B4-BE49-F238E27FC236}">
+                <a16:creationId xmlns:a16="http://schemas.microsoft.com/office/drawing/2014/main" id="{0E149954-43DB-4FB5-8D4D-E63106847FAC}"/>
+              </a:ext>
+            </a:extLst>
+          </p:cNvPr>
+          <p:cNvSpPr/>
+          <p:nvPr/>
+        </p:nvSpPr>
+        <p:spPr>
+          <a:xfrm>
+            <a:off x="4189112" y="2739481"/>
+            <a:ext cx="716175" cy="515259"/>
+          </a:xfrm>
+          <a:prstGeom prst="rect">
+            <a:avLst/>
+          </a:prstGeom>
+          <a:solidFill>
+            <a:srgbClr val="00B0F0"/>
+          </a:solidFill>
+          <a:ln w="6350">
+            <a:solidFill>
+              <a:schemeClr val="tx1"/>
+            </a:solidFill>
+          </a:ln>
+        </p:spPr>
+        <p:style>
+          <a:lnRef idx="2">
+            <a:schemeClr val="accent1">
+              <a:shade val="50000"/>
+            </a:schemeClr>
+          </a:lnRef>
+          <a:fillRef idx="1">
+            <a:schemeClr val="accent1"/>
+          </a:fillRef>
+          <a:effectRef idx="0">
+            <a:schemeClr val="accent1"/>
+          </a:effectRef>
+          <a:fontRef idx="minor">
+            <a:schemeClr val="lt1"/>
+          </a:fontRef>
+        </p:style>
+        <p:txBody>
+          <a:bodyPr rtlCol="0" anchor="ctr"/>
+          <a:lstStyle/>
+          <a:p>
+            <a:pPr algn="ctr"/>
+            <a:r>
+              <a:rPr lang="en-US" altLang="zh-CN" sz="3200" dirty="0">
+                <a:solidFill>
+                  <a:sysClr val="windowText" lastClr="000000"/>
+                </a:solidFill>
+                <a:latin typeface="Times New Roman" panose="02020603050405020304" pitchFamily="18" charset="0"/>
+                <a:cs typeface="Times New Roman" panose="02020603050405020304" pitchFamily="18" charset="0"/>
+              </a:rPr>
+              <a:t>8</a:t>
+            </a:r>
+            <a:endParaRPr lang="zh-CN" altLang="en-US" sz="3200" dirty="0">
+              <a:solidFill>
+                <a:sysClr val="windowText" lastClr="000000"/>
+              </a:solidFill>
+              <a:latin typeface="Times New Roman" panose="02020603050405020304" pitchFamily="18" charset="0"/>
+              <a:cs typeface="Times New Roman" panose="02020603050405020304" pitchFamily="18" charset="0"/>
+            </a:endParaRPr>
+          </a:p>
+        </p:txBody>
+      </p:sp>
+      <p:sp>
+        <p:nvSpPr>
+          <p:cNvPr id="35" name="矩形 34">
+            <a:extLst>
+              <a:ext uri="{FF2B5EF4-FFF2-40B4-BE49-F238E27FC236}">
+                <a16:creationId xmlns:a16="http://schemas.microsoft.com/office/drawing/2014/main" id="{DE18DDB2-E2AD-4343-BEDE-7364B5A33B34}"/>
+              </a:ext>
+            </a:extLst>
+          </p:cNvPr>
+          <p:cNvSpPr/>
+          <p:nvPr/>
+        </p:nvSpPr>
+        <p:spPr>
+          <a:xfrm>
+            <a:off x="2095256" y="1025236"/>
+            <a:ext cx="1313180" cy="584775"/>
+          </a:xfrm>
+          <a:prstGeom prst="rect">
+            <a:avLst/>
+          </a:prstGeom>
+        </p:spPr>
+        <p:txBody>
+          <a:bodyPr wrap="none">
+            <a:spAutoFit/>
+          </a:bodyPr>
+          <a:lstStyle/>
+          <a:p>
+            <a:r>
+              <a:rPr lang="en-US" altLang="zh-CN" sz="3200" dirty="0">
+                <a:latin typeface="Times New Roman" panose="02020603050405020304" pitchFamily="18" charset="0"/>
+                <a:cs typeface="Times New Roman" panose="02020603050405020304" pitchFamily="18" charset="0"/>
+              </a:rPr>
+              <a:t>child</a:t>
+            </a:r>
+            <a:r>
+              <a:rPr lang="zh-CN" altLang="en-US" sz="3200" dirty="0">
+                <a:latin typeface="Times New Roman" panose="02020603050405020304" pitchFamily="18" charset="0"/>
+                <a:cs typeface="Times New Roman" panose="02020603050405020304" pitchFamily="18" charset="0"/>
+              </a:rPr>
+              <a:t>1 </a:t>
+            </a:r>
+          </a:p>
+        </p:txBody>
+      </p:sp>
+      <p:sp>
+        <p:nvSpPr>
+          <p:cNvPr id="36" name="矩形 35">
+            <a:extLst>
+              <a:ext uri="{FF2B5EF4-FFF2-40B4-BE49-F238E27FC236}">
+                <a16:creationId xmlns:a16="http://schemas.microsoft.com/office/drawing/2014/main" id="{7810FE74-4E0B-4BBE-82FF-95EC85157DE9}"/>
+              </a:ext>
+            </a:extLst>
+          </p:cNvPr>
+          <p:cNvSpPr/>
+          <p:nvPr/>
+        </p:nvSpPr>
+        <p:spPr>
+          <a:xfrm>
+            <a:off x="2082449" y="2699763"/>
+            <a:ext cx="1415772" cy="584775"/>
+          </a:xfrm>
+          <a:prstGeom prst="rect">
+            <a:avLst/>
+          </a:prstGeom>
+        </p:spPr>
+        <p:txBody>
+          <a:bodyPr wrap="none">
+            <a:spAutoFit/>
+          </a:bodyPr>
+          <a:lstStyle/>
+          <a:p>
+            <a:r>
+              <a:rPr lang="en-US" altLang="zh-CN" sz="3200" dirty="0">
+                <a:latin typeface="Times New Roman" panose="02020603050405020304" pitchFamily="18" charset="0"/>
+                <a:cs typeface="Times New Roman" panose="02020603050405020304" pitchFamily="18" charset="0"/>
+              </a:rPr>
+              <a:t>child 2</a:t>
+            </a:r>
+            <a:r>
+              <a:rPr lang="zh-CN" altLang="en-US" sz="3200" dirty="0">
+                <a:latin typeface="Times New Roman" panose="02020603050405020304" pitchFamily="18" charset="0"/>
+                <a:cs typeface="Times New Roman" panose="02020603050405020304" pitchFamily="18" charset="0"/>
+              </a:rPr>
+              <a:t> </a:t>
+            </a:r>
+          </a:p>
+        </p:txBody>
+      </p:sp>
+      <p:sp>
+        <p:nvSpPr>
+          <p:cNvPr id="37" name="矩形 36">
+            <a:extLst>
+              <a:ext uri="{FF2B5EF4-FFF2-40B4-BE49-F238E27FC236}">
+                <a16:creationId xmlns:a16="http://schemas.microsoft.com/office/drawing/2014/main" id="{AD1F0142-0AFF-4AA5-AE08-B4C0BB7643D8}"/>
+              </a:ext>
+            </a:extLst>
+          </p:cNvPr>
+          <p:cNvSpPr/>
+          <p:nvPr/>
+        </p:nvSpPr>
+        <p:spPr>
+          <a:xfrm>
+            <a:off x="4905286" y="2740009"/>
+            <a:ext cx="716175" cy="515259"/>
+          </a:xfrm>
+          <a:prstGeom prst="rect">
+            <a:avLst/>
+          </a:prstGeom>
+          <a:solidFill>
+            <a:srgbClr val="FFC000"/>
+          </a:solidFill>
+          <a:ln w="6350">
+            <a:solidFill>
+              <a:schemeClr val="tx1"/>
+            </a:solidFill>
+          </a:ln>
+        </p:spPr>
+        <p:style>
+          <a:lnRef idx="2">
+            <a:schemeClr val="accent1">
+              <a:shade val="50000"/>
+            </a:schemeClr>
+          </a:lnRef>
+          <a:fillRef idx="1">
+            <a:schemeClr val="accent1"/>
+          </a:fillRef>
+          <a:effectRef idx="0">
+            <a:schemeClr val="accent1"/>
+          </a:effectRef>
+          <a:fontRef idx="minor">
+            <a:schemeClr val="lt1"/>
+          </a:fontRef>
+        </p:style>
+        <p:txBody>
+          <a:bodyPr rtlCol="0" anchor="ctr"/>
+          <a:lstStyle/>
+          <a:p>
+            <a:pPr algn="ctr"/>
+            <a:r>
+              <a:rPr lang="en-US" altLang="zh-CN" sz="3200" dirty="0">
+                <a:solidFill>
+                  <a:sysClr val="windowText" lastClr="000000"/>
+                </a:solidFill>
+                <a:latin typeface="Times New Roman" panose="02020603050405020304" pitchFamily="18" charset="0"/>
+                <a:cs typeface="Times New Roman" panose="02020603050405020304" pitchFamily="18" charset="0"/>
+              </a:rPr>
+              <a:t>2</a:t>
+            </a:r>
+            <a:endParaRPr lang="zh-CN" altLang="en-US" sz="3200" dirty="0">
+              <a:solidFill>
+                <a:sysClr val="windowText" lastClr="000000"/>
+              </a:solidFill>
+              <a:latin typeface="Times New Roman" panose="02020603050405020304" pitchFamily="18" charset="0"/>
+              <a:cs typeface="Times New Roman" panose="02020603050405020304" pitchFamily="18" charset="0"/>
+            </a:endParaRPr>
+          </a:p>
+        </p:txBody>
+      </p:sp>
+      <p:sp>
+        <p:nvSpPr>
+          <p:cNvPr id="39" name="矩形 38">
+            <a:extLst>
+              <a:ext uri="{FF2B5EF4-FFF2-40B4-BE49-F238E27FC236}">
+                <a16:creationId xmlns:a16="http://schemas.microsoft.com/office/drawing/2014/main" id="{3AB4E588-3B10-4841-99AB-811E8580EA20}"/>
+              </a:ext>
+            </a:extLst>
+          </p:cNvPr>
+          <p:cNvSpPr/>
+          <p:nvPr/>
+        </p:nvSpPr>
+        <p:spPr>
+          <a:xfrm>
+            <a:off x="5621461" y="2740009"/>
+            <a:ext cx="716175" cy="515259"/>
+          </a:xfrm>
+          <a:prstGeom prst="rect">
+            <a:avLst/>
+          </a:prstGeom>
+          <a:solidFill>
+            <a:srgbClr val="FFC000"/>
+          </a:solidFill>
+          <a:ln w="6350">
+            <a:solidFill>
+              <a:schemeClr val="tx1"/>
+            </a:solidFill>
+          </a:ln>
+        </p:spPr>
+        <p:style>
+          <a:lnRef idx="2">
+            <a:schemeClr val="accent1">
+              <a:shade val="50000"/>
+            </a:schemeClr>
+          </a:lnRef>
+          <a:fillRef idx="1">
+            <a:schemeClr val="accent1"/>
+          </a:fillRef>
+          <a:effectRef idx="0">
+            <a:schemeClr val="accent1"/>
+          </a:effectRef>
+          <a:fontRef idx="minor">
+            <a:schemeClr val="lt1"/>
+          </a:fontRef>
+        </p:style>
+        <p:txBody>
+          <a:bodyPr rtlCol="0" anchor="ctr"/>
+          <a:lstStyle/>
+          <a:p>
+            <a:pPr algn="ctr"/>
+            <a:r>
+              <a:rPr lang="en-US" altLang="zh-CN" sz="3200" dirty="0">
+                <a:solidFill>
+                  <a:sysClr val="windowText" lastClr="000000"/>
+                </a:solidFill>
+                <a:latin typeface="Times New Roman" panose="02020603050405020304" pitchFamily="18" charset="0"/>
+                <a:cs typeface="Times New Roman" panose="02020603050405020304" pitchFamily="18" charset="0"/>
+              </a:rPr>
+              <a:t>3</a:t>
+            </a:r>
+            <a:endParaRPr lang="zh-CN" altLang="en-US" sz="3200" dirty="0">
+              <a:solidFill>
+                <a:sysClr val="windowText" lastClr="000000"/>
+              </a:solidFill>
+              <a:latin typeface="Times New Roman" panose="02020603050405020304" pitchFamily="18" charset="0"/>
+              <a:cs typeface="Times New Roman" panose="02020603050405020304" pitchFamily="18" charset="0"/>
+            </a:endParaRPr>
+          </a:p>
+        </p:txBody>
+      </p:sp>
+      <p:sp>
+        <p:nvSpPr>
+          <p:cNvPr id="40" name="矩形 39">
+            <a:extLst>
+              <a:ext uri="{FF2B5EF4-FFF2-40B4-BE49-F238E27FC236}">
+                <a16:creationId xmlns:a16="http://schemas.microsoft.com/office/drawing/2014/main" id="{B953EE7F-9B6B-4108-BD38-64D843A8076B}"/>
+              </a:ext>
+            </a:extLst>
+          </p:cNvPr>
+          <p:cNvSpPr/>
+          <p:nvPr/>
+        </p:nvSpPr>
+        <p:spPr>
+          <a:xfrm>
+            <a:off x="6337636" y="2740009"/>
+            <a:ext cx="716175" cy="515259"/>
+          </a:xfrm>
+          <a:prstGeom prst="rect">
+            <a:avLst/>
+          </a:prstGeom>
+          <a:solidFill>
+            <a:srgbClr val="FFC000"/>
+          </a:solidFill>
+          <a:ln w="6350">
+            <a:solidFill>
+              <a:schemeClr val="tx1"/>
+            </a:solidFill>
+          </a:ln>
+        </p:spPr>
+        <p:style>
+          <a:lnRef idx="2">
+            <a:schemeClr val="accent1">
+              <a:shade val="50000"/>
+            </a:schemeClr>
+          </a:lnRef>
+          <a:fillRef idx="1">
+            <a:schemeClr val="accent1"/>
+          </a:fillRef>
+          <a:effectRef idx="0">
+            <a:schemeClr val="accent1"/>
+          </a:effectRef>
+          <a:fontRef idx="minor">
+            <a:schemeClr val="lt1"/>
+          </a:fontRef>
+        </p:style>
+        <p:txBody>
+          <a:bodyPr rtlCol="0" anchor="ctr"/>
+          <a:lstStyle/>
+          <a:p>
+            <a:pPr algn="ctr"/>
+            <a:r>
+              <a:rPr lang="en-US" altLang="zh-CN" sz="3200" dirty="0">
+                <a:solidFill>
+                  <a:sysClr val="windowText" lastClr="000000"/>
+                </a:solidFill>
+                <a:latin typeface="Times New Roman" panose="02020603050405020304" pitchFamily="18" charset="0"/>
+                <a:cs typeface="Times New Roman" panose="02020603050405020304" pitchFamily="18" charset="0"/>
+              </a:rPr>
+              <a:t>4</a:t>
+            </a:r>
+            <a:endParaRPr lang="zh-CN" altLang="en-US" sz="3200" dirty="0">
+              <a:solidFill>
+                <a:sysClr val="windowText" lastClr="000000"/>
+              </a:solidFill>
+              <a:latin typeface="Times New Roman" panose="02020603050405020304" pitchFamily="18" charset="0"/>
+              <a:cs typeface="Times New Roman" panose="02020603050405020304" pitchFamily="18" charset="0"/>
+            </a:endParaRPr>
+          </a:p>
+        </p:txBody>
+      </p:sp>
+      <p:sp>
+        <p:nvSpPr>
+          <p:cNvPr id="42" name="矩形 41">
+            <a:extLst>
+              <a:ext uri="{FF2B5EF4-FFF2-40B4-BE49-F238E27FC236}">
+                <a16:creationId xmlns:a16="http://schemas.microsoft.com/office/drawing/2014/main" id="{37AB43B5-6531-4DEE-8895-1D70178DFF81}"/>
+              </a:ext>
+            </a:extLst>
+          </p:cNvPr>
+          <p:cNvSpPr/>
+          <p:nvPr/>
+        </p:nvSpPr>
+        <p:spPr>
+          <a:xfrm>
+            <a:off x="7053810" y="2740009"/>
+            <a:ext cx="716175" cy="515259"/>
+          </a:xfrm>
+          <a:prstGeom prst="rect">
+            <a:avLst/>
+          </a:prstGeom>
+          <a:solidFill>
+            <a:srgbClr val="FFC000"/>
+          </a:solidFill>
+          <a:ln w="6350">
+            <a:solidFill>
+              <a:schemeClr val="tx1"/>
+            </a:solidFill>
+          </a:ln>
+        </p:spPr>
+        <p:style>
+          <a:lnRef idx="2">
+            <a:schemeClr val="accent1">
+              <a:shade val="50000"/>
+            </a:schemeClr>
+          </a:lnRef>
+          <a:fillRef idx="1">
+            <a:schemeClr val="accent1"/>
+          </a:fillRef>
+          <a:effectRef idx="0">
+            <a:schemeClr val="accent1"/>
+          </a:effectRef>
+          <a:fontRef idx="minor">
+            <a:schemeClr val="lt1"/>
+          </a:fontRef>
+        </p:style>
+        <p:txBody>
+          <a:bodyPr rtlCol="0" anchor="ctr"/>
+          <a:lstStyle/>
+          <a:p>
+            <a:pPr algn="ctr"/>
+            <a:r>
+              <a:rPr lang="en-US" altLang="zh-CN" sz="3200" dirty="0">
+                <a:solidFill>
+                  <a:sysClr val="windowText" lastClr="000000"/>
+                </a:solidFill>
+                <a:latin typeface="Times New Roman" panose="02020603050405020304" pitchFamily="18" charset="0"/>
+                <a:cs typeface="Times New Roman" panose="02020603050405020304" pitchFamily="18" charset="0"/>
+              </a:rPr>
+              <a:t>5</a:t>
+            </a:r>
+            <a:endParaRPr lang="zh-CN" altLang="en-US" sz="3200" dirty="0">
+              <a:solidFill>
+                <a:sysClr val="windowText" lastClr="000000"/>
+              </a:solidFill>
+              <a:latin typeface="Times New Roman" panose="02020603050405020304" pitchFamily="18" charset="0"/>
+              <a:cs typeface="Times New Roman" panose="02020603050405020304" pitchFamily="18" charset="0"/>
+            </a:endParaRPr>
+          </a:p>
+        </p:txBody>
+      </p:sp>
+      <p:sp>
+        <p:nvSpPr>
+          <p:cNvPr id="43" name="矩形 42">
+            <a:extLst>
+              <a:ext uri="{FF2B5EF4-FFF2-40B4-BE49-F238E27FC236}">
+                <a16:creationId xmlns:a16="http://schemas.microsoft.com/office/drawing/2014/main" id="{CE3FDAFD-2ED0-4C71-A648-DE35AF94F6DB}"/>
+              </a:ext>
+            </a:extLst>
+          </p:cNvPr>
+          <p:cNvSpPr/>
+          <p:nvPr/>
+        </p:nvSpPr>
+        <p:spPr>
+          <a:xfrm>
+            <a:off x="7769985" y="1025236"/>
+            <a:ext cx="716175" cy="515259"/>
+          </a:xfrm>
+          <a:prstGeom prst="rect">
+            <a:avLst/>
+          </a:prstGeom>
+          <a:solidFill>
+            <a:srgbClr val="FFC000"/>
+          </a:solidFill>
+          <a:ln w="6350">
+            <a:solidFill>
+              <a:schemeClr val="tx1"/>
+            </a:solidFill>
+          </a:ln>
+        </p:spPr>
+        <p:style>
+          <a:lnRef idx="2">
+            <a:schemeClr val="accent1">
+              <a:shade val="50000"/>
+            </a:schemeClr>
+          </a:lnRef>
+          <a:fillRef idx="1">
+            <a:schemeClr val="accent1"/>
+          </a:fillRef>
+          <a:effectRef idx="0">
+            <a:schemeClr val="accent1"/>
+          </a:effectRef>
+          <a:fontRef idx="minor">
+            <a:schemeClr val="lt1"/>
+          </a:fontRef>
+        </p:style>
+        <p:txBody>
+          <a:bodyPr rtlCol="0" anchor="ctr"/>
+          <a:lstStyle/>
+          <a:p>
+            <a:pPr algn="ctr"/>
+            <a:r>
+              <a:rPr lang="en-US" altLang="zh-CN" sz="3200" dirty="0">
+                <a:solidFill>
+                  <a:sysClr val="windowText" lastClr="000000"/>
+                </a:solidFill>
+                <a:latin typeface="Times New Roman" panose="02020603050405020304" pitchFamily="18" charset="0"/>
+                <a:cs typeface="Times New Roman" panose="02020603050405020304" pitchFamily="18" charset="0"/>
+              </a:rPr>
+              <a:t>6</a:t>
+            </a:r>
+            <a:endParaRPr lang="zh-CN" altLang="en-US" sz="3200" dirty="0">
+              <a:solidFill>
+                <a:sysClr val="windowText" lastClr="000000"/>
+              </a:solidFill>
+              <a:latin typeface="Times New Roman" panose="02020603050405020304" pitchFamily="18" charset="0"/>
+              <a:cs typeface="Times New Roman" panose="02020603050405020304" pitchFamily="18" charset="0"/>
+            </a:endParaRPr>
+          </a:p>
+        </p:txBody>
+      </p:sp>
+      <p:sp>
+        <p:nvSpPr>
+          <p:cNvPr id="44" name="矩形 43">
+            <a:extLst>
+              <a:ext uri="{FF2B5EF4-FFF2-40B4-BE49-F238E27FC236}">
+                <a16:creationId xmlns:a16="http://schemas.microsoft.com/office/drawing/2014/main" id="{5EFC57CD-80DC-4FD9-8C99-29C9B554F773}"/>
+              </a:ext>
+            </a:extLst>
+          </p:cNvPr>
+          <p:cNvSpPr/>
+          <p:nvPr/>
+        </p:nvSpPr>
+        <p:spPr>
+          <a:xfrm>
+            <a:off x="8486160" y="1025236"/>
+            <a:ext cx="716175" cy="515259"/>
+          </a:xfrm>
+          <a:prstGeom prst="rect">
+            <a:avLst/>
+          </a:prstGeom>
+          <a:solidFill>
+            <a:srgbClr val="FFC000"/>
+          </a:solidFill>
+          <a:ln w="6350">
+            <a:solidFill>
+              <a:schemeClr val="tx1"/>
+            </a:solidFill>
+          </a:ln>
+        </p:spPr>
+        <p:style>
+          <a:lnRef idx="2">
+            <a:schemeClr val="accent1">
+              <a:shade val="50000"/>
+            </a:schemeClr>
+          </a:lnRef>
+          <a:fillRef idx="1">
+            <a:schemeClr val="accent1"/>
+          </a:fillRef>
+          <a:effectRef idx="0">
+            <a:schemeClr val="accent1"/>
+          </a:effectRef>
+          <a:fontRef idx="minor">
+            <a:schemeClr val="lt1"/>
+          </a:fontRef>
+        </p:style>
+        <p:txBody>
+          <a:bodyPr rtlCol="0" anchor="ctr"/>
+          <a:lstStyle/>
+          <a:p>
+            <a:pPr algn="ctr"/>
+            <a:r>
+              <a:rPr lang="en-US" altLang="zh-CN" sz="3200" dirty="0">
+                <a:solidFill>
+                  <a:sysClr val="windowText" lastClr="000000"/>
+                </a:solidFill>
+                <a:latin typeface="Times New Roman" panose="02020603050405020304" pitchFamily="18" charset="0"/>
+                <a:cs typeface="Times New Roman" panose="02020603050405020304" pitchFamily="18" charset="0"/>
+              </a:rPr>
+              <a:t>2</a:t>
+            </a:r>
+            <a:endParaRPr lang="zh-CN" altLang="en-US" sz="3200" dirty="0">
+              <a:solidFill>
+                <a:sysClr val="windowText" lastClr="000000"/>
+              </a:solidFill>
+              <a:latin typeface="Times New Roman" panose="02020603050405020304" pitchFamily="18" charset="0"/>
+              <a:cs typeface="Times New Roman" panose="02020603050405020304" pitchFamily="18" charset="0"/>
+            </a:endParaRPr>
+          </a:p>
+        </p:txBody>
+      </p:sp>
+      <p:sp>
+        <p:nvSpPr>
+          <p:cNvPr id="45" name="矩形 44">
+            <a:extLst>
+              <a:ext uri="{FF2B5EF4-FFF2-40B4-BE49-F238E27FC236}">
+                <a16:creationId xmlns:a16="http://schemas.microsoft.com/office/drawing/2014/main" id="{0EB755B2-D250-416D-BB10-24462651D829}"/>
+              </a:ext>
+            </a:extLst>
+          </p:cNvPr>
+          <p:cNvSpPr/>
+          <p:nvPr/>
+        </p:nvSpPr>
+        <p:spPr>
+          <a:xfrm>
+            <a:off x="9202334" y="1025236"/>
+            <a:ext cx="716175" cy="515259"/>
+          </a:xfrm>
+          <a:prstGeom prst="rect">
+            <a:avLst/>
+          </a:prstGeom>
+          <a:solidFill>
+            <a:srgbClr val="FFC000"/>
+          </a:solidFill>
+          <a:ln w="6350">
+            <a:solidFill>
+              <a:schemeClr val="tx1"/>
+            </a:solidFill>
+          </a:ln>
+        </p:spPr>
+        <p:style>
+          <a:lnRef idx="2">
+            <a:schemeClr val="accent1">
+              <a:shade val="50000"/>
+            </a:schemeClr>
+          </a:lnRef>
+          <a:fillRef idx="1">
+            <a:schemeClr val="accent1"/>
+          </a:fillRef>
+          <a:effectRef idx="0">
+            <a:schemeClr val="accent1"/>
+          </a:effectRef>
+          <a:fontRef idx="minor">
+            <a:schemeClr val="lt1"/>
+          </a:fontRef>
+        </p:style>
+        <p:txBody>
+          <a:bodyPr rtlCol="0" anchor="ctr"/>
+          <a:lstStyle/>
+          <a:p>
+            <a:pPr algn="ctr"/>
+            <a:r>
+              <a:rPr lang="en-US" altLang="zh-CN" sz="3200" dirty="0">
+                <a:solidFill>
+                  <a:sysClr val="windowText" lastClr="000000"/>
+                </a:solidFill>
+                <a:latin typeface="Times New Roman" panose="02020603050405020304" pitchFamily="18" charset="0"/>
+                <a:cs typeface="Times New Roman" panose="02020603050405020304" pitchFamily="18" charset="0"/>
+              </a:rPr>
+              <a:t>3</a:t>
+            </a:r>
+            <a:endParaRPr lang="zh-CN" altLang="en-US" sz="3200" dirty="0">
+              <a:solidFill>
+                <a:sysClr val="windowText" lastClr="000000"/>
+              </a:solidFill>
+              <a:latin typeface="Times New Roman" panose="02020603050405020304" pitchFamily="18" charset="0"/>
+              <a:cs typeface="Times New Roman" panose="02020603050405020304" pitchFamily="18" charset="0"/>
+            </a:endParaRPr>
+          </a:p>
+        </p:txBody>
+      </p:sp>
+      <p:sp>
+        <p:nvSpPr>
+          <p:cNvPr id="53" name="矩形 52">
+            <a:extLst>
+              <a:ext uri="{FF2B5EF4-FFF2-40B4-BE49-F238E27FC236}">
+                <a16:creationId xmlns:a16="http://schemas.microsoft.com/office/drawing/2014/main" id="{07F60909-F413-4721-ACB5-AF998FB330BC}"/>
+              </a:ext>
+            </a:extLst>
+          </p:cNvPr>
+          <p:cNvSpPr/>
+          <p:nvPr/>
+        </p:nvSpPr>
+        <p:spPr>
+          <a:xfrm>
+            <a:off x="7769985" y="2739481"/>
+            <a:ext cx="716175" cy="515259"/>
+          </a:xfrm>
+          <a:prstGeom prst="rect">
+            <a:avLst/>
+          </a:prstGeom>
+          <a:solidFill>
+            <a:srgbClr val="00B0F0"/>
+          </a:solidFill>
+          <a:ln w="6350">
+            <a:solidFill>
+              <a:schemeClr val="tx1"/>
+            </a:solidFill>
+          </a:ln>
+        </p:spPr>
+        <p:style>
+          <a:lnRef idx="2">
+            <a:schemeClr val="accent1">
+              <a:shade val="50000"/>
+            </a:schemeClr>
+          </a:lnRef>
+          <a:fillRef idx="1">
+            <a:schemeClr val="accent1"/>
+          </a:fillRef>
+          <a:effectRef idx="0">
+            <a:schemeClr val="accent1"/>
+          </a:effectRef>
+          <a:fontRef idx="minor">
+            <a:schemeClr val="lt1"/>
+          </a:fontRef>
+        </p:style>
+        <p:txBody>
+          <a:bodyPr rtlCol="0" anchor="ctr"/>
+          <a:lstStyle/>
+          <a:p>
+            <a:pPr algn="ctr"/>
+            <a:r>
+              <a:rPr lang="en-US" altLang="zh-CN" sz="3200" dirty="0">
+                <a:solidFill>
+                  <a:sysClr val="windowText" lastClr="000000"/>
+                </a:solidFill>
+                <a:latin typeface="Times New Roman" panose="02020603050405020304" pitchFamily="18" charset="0"/>
+                <a:cs typeface="Times New Roman" panose="02020603050405020304" pitchFamily="18" charset="0"/>
+              </a:rPr>
+              <a:t>1</a:t>
+            </a:r>
+            <a:endParaRPr lang="zh-CN" altLang="en-US" sz="3200" dirty="0">
+              <a:solidFill>
+                <a:sysClr val="windowText" lastClr="000000"/>
+              </a:solidFill>
+              <a:latin typeface="Times New Roman" panose="02020603050405020304" pitchFamily="18" charset="0"/>
+              <a:cs typeface="Times New Roman" panose="02020603050405020304" pitchFamily="18" charset="0"/>
+            </a:endParaRPr>
+          </a:p>
+        </p:txBody>
+      </p:sp>
+      <p:sp>
+        <p:nvSpPr>
+          <p:cNvPr id="54" name="矩形 53">
+            <a:extLst>
+              <a:ext uri="{FF2B5EF4-FFF2-40B4-BE49-F238E27FC236}">
+                <a16:creationId xmlns:a16="http://schemas.microsoft.com/office/drawing/2014/main" id="{DC76737A-AE8C-4224-BC3C-28F21715B856}"/>
+              </a:ext>
+            </a:extLst>
+          </p:cNvPr>
+          <p:cNvSpPr/>
+          <p:nvPr/>
+        </p:nvSpPr>
+        <p:spPr>
+          <a:xfrm>
+            <a:off x="8486160" y="2739481"/>
+            <a:ext cx="716175" cy="515259"/>
+          </a:xfrm>
+          <a:prstGeom prst="rect">
+            <a:avLst/>
+          </a:prstGeom>
+          <a:solidFill>
+            <a:srgbClr val="00B0F0"/>
+          </a:solidFill>
+          <a:ln w="6350">
+            <a:solidFill>
+              <a:schemeClr val="tx1"/>
+            </a:solidFill>
+          </a:ln>
+        </p:spPr>
+        <p:style>
+          <a:lnRef idx="2">
+            <a:schemeClr val="accent1">
+              <a:shade val="50000"/>
+            </a:schemeClr>
+          </a:lnRef>
+          <a:fillRef idx="1">
+            <a:schemeClr val="accent1"/>
+          </a:fillRef>
+          <a:effectRef idx="0">
+            <a:schemeClr val="accent1"/>
+          </a:effectRef>
+          <a:fontRef idx="minor">
+            <a:schemeClr val="lt1"/>
+          </a:fontRef>
+        </p:style>
+        <p:txBody>
+          <a:bodyPr rtlCol="0" anchor="ctr"/>
+          <a:lstStyle/>
+          <a:p>
+            <a:pPr algn="ctr"/>
+            <a:r>
+              <a:rPr lang="en-US" altLang="zh-CN" sz="3200" dirty="0">
+                <a:solidFill>
+                  <a:sysClr val="windowText" lastClr="000000"/>
+                </a:solidFill>
+                <a:latin typeface="Times New Roman" panose="02020603050405020304" pitchFamily="18" charset="0"/>
+                <a:cs typeface="Times New Roman" panose="02020603050405020304" pitchFamily="18" charset="0"/>
+              </a:rPr>
+              <a:t>7</a:t>
+            </a:r>
+            <a:endParaRPr lang="zh-CN" altLang="en-US" sz="3200" dirty="0">
+              <a:solidFill>
+                <a:sysClr val="windowText" lastClr="000000"/>
+              </a:solidFill>
+              <a:latin typeface="Times New Roman" panose="02020603050405020304" pitchFamily="18" charset="0"/>
+              <a:cs typeface="Times New Roman" panose="02020603050405020304" pitchFamily="18" charset="0"/>
+            </a:endParaRPr>
+          </a:p>
+        </p:txBody>
+      </p:sp>
+      <p:sp>
+        <p:nvSpPr>
+          <p:cNvPr id="55" name="矩形 54">
+            <a:extLst>
+              <a:ext uri="{FF2B5EF4-FFF2-40B4-BE49-F238E27FC236}">
+                <a16:creationId xmlns:a16="http://schemas.microsoft.com/office/drawing/2014/main" id="{419B718B-EFE9-485E-B912-00DCBBAAA22A}"/>
+              </a:ext>
+            </a:extLst>
+          </p:cNvPr>
+          <p:cNvSpPr/>
+          <p:nvPr/>
+        </p:nvSpPr>
+        <p:spPr>
+          <a:xfrm>
+            <a:off x="9202334" y="2739481"/>
+            <a:ext cx="716175" cy="515259"/>
+          </a:xfrm>
+          <a:prstGeom prst="rect">
+            <a:avLst/>
+          </a:prstGeom>
+          <a:solidFill>
+            <a:srgbClr val="00B0F0"/>
+          </a:solidFill>
+          <a:ln w="6350">
+            <a:solidFill>
+              <a:schemeClr val="tx1"/>
+            </a:solidFill>
+          </a:ln>
+        </p:spPr>
+        <p:style>
+          <a:lnRef idx="2">
+            <a:schemeClr val="accent1">
+              <a:shade val="50000"/>
+            </a:schemeClr>
+          </a:lnRef>
+          <a:fillRef idx="1">
+            <a:schemeClr val="accent1"/>
+          </a:fillRef>
+          <a:effectRef idx="0">
+            <a:schemeClr val="accent1"/>
+          </a:effectRef>
+          <a:fontRef idx="minor">
+            <a:schemeClr val="lt1"/>
+          </a:fontRef>
+        </p:style>
+        <p:txBody>
+          <a:bodyPr rtlCol="0" anchor="ctr"/>
+          <a:lstStyle/>
+          <a:p>
+            <a:pPr algn="ctr"/>
+            <a:r>
+              <a:rPr lang="en-US" altLang="zh-CN" sz="3200" dirty="0">
+                <a:solidFill>
+                  <a:sysClr val="windowText" lastClr="000000"/>
+                </a:solidFill>
+                <a:latin typeface="Times New Roman" panose="02020603050405020304" pitchFamily="18" charset="0"/>
+                <a:cs typeface="Times New Roman" panose="02020603050405020304" pitchFamily="18" charset="0"/>
+              </a:rPr>
+              <a:t>6</a:t>
+            </a:r>
+            <a:endParaRPr lang="zh-CN" altLang="en-US" sz="3200" dirty="0">
+              <a:solidFill>
+                <a:sysClr val="windowText" lastClr="000000"/>
+              </a:solidFill>
+              <a:latin typeface="Times New Roman" panose="02020603050405020304" pitchFamily="18" charset="0"/>
+              <a:cs typeface="Times New Roman" panose="02020603050405020304" pitchFamily="18" charset="0"/>
+            </a:endParaRPr>
+          </a:p>
+        </p:txBody>
+      </p:sp>
+      <p:sp>
+        <p:nvSpPr>
+          <p:cNvPr id="59" name="矩形 58">
+            <a:extLst>
+              <a:ext uri="{FF2B5EF4-FFF2-40B4-BE49-F238E27FC236}">
+                <a16:creationId xmlns:a16="http://schemas.microsoft.com/office/drawing/2014/main" id="{A5D1396A-F00C-455A-8E4F-FEADCF910BE4}"/>
+              </a:ext>
+            </a:extLst>
+          </p:cNvPr>
+          <p:cNvSpPr/>
+          <p:nvPr/>
+        </p:nvSpPr>
+        <p:spPr>
+          <a:xfrm>
+            <a:off x="8844244" y="2139988"/>
+            <a:ext cx="543596" cy="247246"/>
+          </a:xfrm>
+          <a:prstGeom prst="rect">
+            <a:avLst/>
+          </a:prstGeom>
+          <a:noFill/>
+          <a:ln>
+            <a:noFill/>
+          </a:ln>
+        </p:spPr>
+        <p:style>
+          <a:lnRef idx="2">
+            <a:schemeClr val="accent1">
+              <a:shade val="50000"/>
+            </a:schemeClr>
+          </a:lnRef>
+          <a:fillRef idx="1">
+            <a:schemeClr val="accent1"/>
+          </a:fillRef>
+          <a:effectRef idx="0">
+            <a:schemeClr val="accent1"/>
+          </a:effectRef>
+          <a:fontRef idx="minor">
+            <a:schemeClr val="lt1"/>
+          </a:fontRef>
+        </p:style>
+        <p:txBody>
+          <a:bodyPr rtlCol="0" anchor="ctr"/>
+          <a:lstStyle/>
+          <a:p>
+            <a:pPr algn="ctr"/>
+            <a:endParaRPr lang="zh-CN" altLang="en-US">
+              <a:latin typeface="Times New Roman" panose="02020603050405020304" pitchFamily="18" charset="0"/>
+              <a:cs typeface="Times New Roman" panose="02020603050405020304" pitchFamily="18" charset="0"/>
+            </a:endParaRPr>
+          </a:p>
+        </p:txBody>
+      </p:sp>
+      <p:cxnSp>
+        <p:nvCxnSpPr>
+          <p:cNvPr id="61" name="直接箭头连接符 60">
+            <a:extLst>
+              <a:ext uri="{FF2B5EF4-FFF2-40B4-BE49-F238E27FC236}">
+                <a16:creationId xmlns:a16="http://schemas.microsoft.com/office/drawing/2014/main" id="{D075368A-9153-4AFB-AEAB-D2FE633564F3}"/>
+              </a:ext>
+            </a:extLst>
+          </p:cNvPr>
+          <p:cNvCxnSpPr/>
+          <p:nvPr/>
+        </p:nvCxnSpPr>
+        <p:spPr>
+          <a:xfrm>
+            <a:off x="6333280" y="1700847"/>
+            <a:ext cx="2470" cy="878282"/>
+          </a:xfrm>
+          <a:prstGeom prst="straightConnector1">
+            <a:avLst/>
+          </a:prstGeom>
+          <a:ln w="19050">
+            <a:solidFill>
+              <a:srgbClr val="FF0000"/>
+            </a:solidFill>
+            <a:headEnd type="triangle" w="lg" len="lg"/>
+            <a:tailEnd type="triangle" w="lg" len="lg"/>
+          </a:ln>
+        </p:spPr>
+        <p:style>
+          <a:lnRef idx="1">
+            <a:schemeClr val="accent1"/>
+          </a:lnRef>
+          <a:fillRef idx="0">
+            <a:schemeClr val="accent1"/>
+          </a:fillRef>
+          <a:effectRef idx="0">
+            <a:schemeClr val="accent1"/>
+          </a:effectRef>
+          <a:fontRef idx="minor">
+            <a:schemeClr val="tx1"/>
+          </a:fontRef>
+        </p:style>
+      </p:cxnSp>
+      <p:sp>
+        <p:nvSpPr>
+          <p:cNvPr id="64" name="矩形 63">
+            <a:extLst>
+              <a:ext uri="{FF2B5EF4-FFF2-40B4-BE49-F238E27FC236}">
+                <a16:creationId xmlns:a16="http://schemas.microsoft.com/office/drawing/2014/main" id="{DCCFF04B-6937-4C41-89EC-0D9F1F8DDA25}"/>
+              </a:ext>
+            </a:extLst>
+          </p:cNvPr>
+          <p:cNvSpPr/>
+          <p:nvPr/>
+        </p:nvSpPr>
+        <p:spPr>
+          <a:xfrm>
+            <a:off x="4900930" y="1025760"/>
+            <a:ext cx="716175" cy="515259"/>
+          </a:xfrm>
+          <a:prstGeom prst="rect">
+            <a:avLst/>
+          </a:prstGeom>
+          <a:solidFill>
+            <a:srgbClr val="00B0F0"/>
+          </a:solidFill>
+          <a:ln w="6350">
+            <a:solidFill>
+              <a:schemeClr val="tx1"/>
+            </a:solidFill>
+          </a:ln>
+        </p:spPr>
+        <p:style>
+          <a:lnRef idx="2">
+            <a:schemeClr val="accent1">
+              <a:shade val="50000"/>
+            </a:schemeClr>
+          </a:lnRef>
+          <a:fillRef idx="1">
+            <a:schemeClr val="accent1"/>
+          </a:fillRef>
+          <a:effectRef idx="0">
+            <a:schemeClr val="accent1"/>
+          </a:effectRef>
+          <a:fontRef idx="minor">
+            <a:schemeClr val="lt1"/>
+          </a:fontRef>
+        </p:style>
+        <p:txBody>
+          <a:bodyPr rtlCol="0" anchor="ctr"/>
+          <a:lstStyle/>
+          <a:p>
+            <a:pPr algn="ctr"/>
+            <a:r>
+              <a:rPr lang="en-US" altLang="zh-CN" sz="3200" dirty="0">
+                <a:solidFill>
+                  <a:sysClr val="windowText" lastClr="000000"/>
+                </a:solidFill>
+                <a:latin typeface="Times New Roman" panose="02020603050405020304" pitchFamily="18" charset="0"/>
+                <a:cs typeface="Times New Roman" panose="02020603050405020304" pitchFamily="18" charset="0"/>
+              </a:rPr>
+              <a:t>5</a:t>
+            </a:r>
+            <a:endParaRPr lang="zh-CN" altLang="en-US" sz="3200" dirty="0">
+              <a:solidFill>
+                <a:sysClr val="windowText" lastClr="000000"/>
+              </a:solidFill>
+              <a:latin typeface="Times New Roman" panose="02020603050405020304" pitchFamily="18" charset="0"/>
+              <a:cs typeface="Times New Roman" panose="02020603050405020304" pitchFamily="18" charset="0"/>
+            </a:endParaRPr>
+          </a:p>
+        </p:txBody>
+      </p:sp>
+      <p:sp>
+        <p:nvSpPr>
+          <p:cNvPr id="65" name="矩形 64">
+            <a:extLst>
+              <a:ext uri="{FF2B5EF4-FFF2-40B4-BE49-F238E27FC236}">
+                <a16:creationId xmlns:a16="http://schemas.microsoft.com/office/drawing/2014/main" id="{144C9F66-44A3-49A9-8CD1-490E851CCC01}"/>
+              </a:ext>
+            </a:extLst>
+          </p:cNvPr>
+          <p:cNvSpPr/>
+          <p:nvPr/>
+        </p:nvSpPr>
+        <p:spPr>
+          <a:xfrm>
+            <a:off x="5617105" y="1025760"/>
+            <a:ext cx="716175" cy="515259"/>
+          </a:xfrm>
+          <a:prstGeom prst="rect">
+            <a:avLst/>
+          </a:prstGeom>
+          <a:solidFill>
+            <a:srgbClr val="00B0F0"/>
+          </a:solidFill>
+          <a:ln w="6350">
+            <a:solidFill>
+              <a:schemeClr val="tx1"/>
+            </a:solidFill>
+          </a:ln>
+        </p:spPr>
+        <p:style>
+          <a:lnRef idx="2">
+            <a:schemeClr val="accent1">
+              <a:shade val="50000"/>
+            </a:schemeClr>
+          </a:lnRef>
+          <a:fillRef idx="1">
+            <a:schemeClr val="accent1"/>
+          </a:fillRef>
+          <a:effectRef idx="0">
+            <a:schemeClr val="accent1"/>
+          </a:effectRef>
+          <a:fontRef idx="minor">
+            <a:schemeClr val="lt1"/>
+          </a:fontRef>
+        </p:style>
+        <p:txBody>
+          <a:bodyPr rtlCol="0" anchor="ctr"/>
+          <a:lstStyle/>
+          <a:p>
+            <a:pPr algn="ctr"/>
+            <a:r>
+              <a:rPr lang="en-US" altLang="zh-CN" sz="3200" dirty="0">
+                <a:solidFill>
+                  <a:sysClr val="windowText" lastClr="000000"/>
+                </a:solidFill>
+                <a:latin typeface="Times New Roman" panose="02020603050405020304" pitchFamily="18" charset="0"/>
+                <a:cs typeface="Times New Roman" panose="02020603050405020304" pitchFamily="18" charset="0"/>
+              </a:rPr>
+              <a:t>8</a:t>
+            </a:r>
+            <a:endParaRPr lang="zh-CN" altLang="en-US" sz="3200" dirty="0">
+              <a:solidFill>
+                <a:sysClr val="windowText" lastClr="000000"/>
+              </a:solidFill>
+              <a:latin typeface="Times New Roman" panose="02020603050405020304" pitchFamily="18" charset="0"/>
+              <a:cs typeface="Times New Roman" panose="02020603050405020304" pitchFamily="18" charset="0"/>
+            </a:endParaRPr>
+          </a:p>
+        </p:txBody>
+      </p:sp>
+      <p:sp>
+        <p:nvSpPr>
+          <p:cNvPr id="66" name="矩形 65">
+            <a:extLst>
+              <a:ext uri="{FF2B5EF4-FFF2-40B4-BE49-F238E27FC236}">
+                <a16:creationId xmlns:a16="http://schemas.microsoft.com/office/drawing/2014/main" id="{14C4B04F-DFCA-481A-91C1-A657EE6F8230}"/>
+              </a:ext>
+            </a:extLst>
+          </p:cNvPr>
+          <p:cNvSpPr/>
+          <p:nvPr/>
+        </p:nvSpPr>
+        <p:spPr>
+          <a:xfrm>
+            <a:off x="6333280" y="1025760"/>
+            <a:ext cx="716175" cy="515259"/>
+          </a:xfrm>
+          <a:prstGeom prst="rect">
+            <a:avLst/>
+          </a:prstGeom>
+          <a:solidFill>
+            <a:srgbClr val="00B0F0"/>
+          </a:solidFill>
+          <a:ln w="6350">
+            <a:solidFill>
+              <a:schemeClr val="tx1"/>
+            </a:solidFill>
+          </a:ln>
+        </p:spPr>
+        <p:style>
+          <a:lnRef idx="2">
+            <a:schemeClr val="accent1">
+              <a:shade val="50000"/>
+            </a:schemeClr>
+          </a:lnRef>
+          <a:fillRef idx="1">
+            <a:schemeClr val="accent1"/>
+          </a:fillRef>
+          <a:effectRef idx="0">
+            <a:schemeClr val="accent1"/>
+          </a:effectRef>
+          <a:fontRef idx="minor">
+            <a:schemeClr val="lt1"/>
+          </a:fontRef>
+        </p:style>
+        <p:txBody>
+          <a:bodyPr rtlCol="0" anchor="ctr"/>
+          <a:lstStyle/>
+          <a:p>
+            <a:pPr algn="ctr"/>
+            <a:r>
+              <a:rPr lang="en-US" altLang="zh-CN" sz="3200" dirty="0">
+                <a:solidFill>
+                  <a:sysClr val="windowText" lastClr="000000"/>
+                </a:solidFill>
+                <a:latin typeface="Times New Roman" panose="02020603050405020304" pitchFamily="18" charset="0"/>
+                <a:cs typeface="Times New Roman" panose="02020603050405020304" pitchFamily="18" charset="0"/>
+              </a:rPr>
+              <a:t>1</a:t>
+            </a:r>
+            <a:endParaRPr lang="zh-CN" altLang="en-US" sz="3200" dirty="0">
+              <a:solidFill>
+                <a:sysClr val="windowText" lastClr="000000"/>
+              </a:solidFill>
+              <a:latin typeface="Times New Roman" panose="02020603050405020304" pitchFamily="18" charset="0"/>
+              <a:cs typeface="Times New Roman" panose="02020603050405020304" pitchFamily="18" charset="0"/>
+            </a:endParaRPr>
+          </a:p>
+        </p:txBody>
+      </p:sp>
+      <p:sp>
+        <p:nvSpPr>
+          <p:cNvPr id="67" name="矩形 66">
+            <a:extLst>
+              <a:ext uri="{FF2B5EF4-FFF2-40B4-BE49-F238E27FC236}">
+                <a16:creationId xmlns:a16="http://schemas.microsoft.com/office/drawing/2014/main" id="{8CDE22BD-5883-4276-9932-23A50B8214A3}"/>
+              </a:ext>
+            </a:extLst>
+          </p:cNvPr>
+          <p:cNvSpPr/>
+          <p:nvPr/>
+        </p:nvSpPr>
+        <p:spPr>
+          <a:xfrm>
+            <a:off x="7049454" y="1025760"/>
+            <a:ext cx="716175" cy="515259"/>
+          </a:xfrm>
+          <a:prstGeom prst="rect">
+            <a:avLst/>
+          </a:prstGeom>
+          <a:solidFill>
+            <a:srgbClr val="00B0F0"/>
+          </a:solidFill>
+          <a:ln w="6350">
+            <a:solidFill>
+              <a:schemeClr val="tx1"/>
+            </a:solidFill>
+          </a:ln>
+        </p:spPr>
+        <p:style>
+          <a:lnRef idx="2">
+            <a:schemeClr val="accent1">
+              <a:shade val="50000"/>
+            </a:schemeClr>
+          </a:lnRef>
+          <a:fillRef idx="1">
+            <a:schemeClr val="accent1"/>
+          </a:fillRef>
+          <a:effectRef idx="0">
+            <a:schemeClr val="accent1"/>
+          </a:effectRef>
+          <a:fontRef idx="minor">
+            <a:schemeClr val="lt1"/>
+          </a:fontRef>
+        </p:style>
+        <p:txBody>
+          <a:bodyPr rtlCol="0" anchor="ctr"/>
+          <a:lstStyle/>
+          <a:p>
+            <a:pPr algn="ctr"/>
+            <a:r>
+              <a:rPr lang="en-US" altLang="zh-CN" sz="3200" dirty="0">
+                <a:solidFill>
+                  <a:sysClr val="windowText" lastClr="000000"/>
+                </a:solidFill>
+                <a:latin typeface="Times New Roman" panose="02020603050405020304" pitchFamily="18" charset="0"/>
+                <a:cs typeface="Times New Roman" panose="02020603050405020304" pitchFamily="18" charset="0"/>
+              </a:rPr>
+              <a:t>7</a:t>
+            </a:r>
+            <a:endParaRPr lang="zh-CN" altLang="en-US" sz="3200" dirty="0">
+              <a:solidFill>
+                <a:sysClr val="windowText" lastClr="000000"/>
+              </a:solidFill>
+              <a:latin typeface="Times New Roman" panose="02020603050405020304" pitchFamily="18" charset="0"/>
+              <a:cs typeface="Times New Roman" panose="02020603050405020304" pitchFamily="18" charset="0"/>
+            </a:endParaRPr>
+          </a:p>
+        </p:txBody>
+      </p:sp>
+      <p:sp>
+        <p:nvSpPr>
+          <p:cNvPr id="68" name="矩形 67">
+            <a:extLst>
+              <a:ext uri="{FF2B5EF4-FFF2-40B4-BE49-F238E27FC236}">
+                <a16:creationId xmlns:a16="http://schemas.microsoft.com/office/drawing/2014/main" id="{BDA51FE3-E76A-4AFF-AB3B-02D46AA3EFDA}"/>
+              </a:ext>
+            </a:extLst>
+          </p:cNvPr>
+          <p:cNvSpPr/>
+          <p:nvPr/>
+        </p:nvSpPr>
+        <p:spPr>
+          <a:xfrm>
+            <a:off x="1588772" y="5832764"/>
+            <a:ext cx="716175" cy="515259"/>
+          </a:xfrm>
+          <a:prstGeom prst="rect">
+            <a:avLst/>
+          </a:prstGeom>
+          <a:solidFill>
+            <a:srgbClr val="FFC000"/>
+          </a:solidFill>
+          <a:ln w="6350">
+            <a:solidFill>
+              <a:schemeClr val="tx1"/>
+            </a:solidFill>
+          </a:ln>
+        </p:spPr>
+        <p:style>
+          <a:lnRef idx="2">
+            <a:schemeClr val="accent1">
+              <a:shade val="50000"/>
+            </a:schemeClr>
+          </a:lnRef>
+          <a:fillRef idx="1">
+            <a:schemeClr val="accent1"/>
+          </a:fillRef>
+          <a:effectRef idx="0">
+            <a:schemeClr val="accent1"/>
+          </a:effectRef>
+          <a:fontRef idx="minor">
+            <a:schemeClr val="lt1"/>
+          </a:fontRef>
+        </p:style>
+        <p:txBody>
+          <a:bodyPr rtlCol="0" anchor="ctr"/>
+          <a:lstStyle/>
+          <a:p>
+            <a:pPr algn="ctr"/>
+            <a:r>
+              <a:rPr lang="en-US" altLang="zh-CN" sz="3200" dirty="0">
+                <a:solidFill>
+                  <a:sysClr val="windowText" lastClr="000000"/>
+                </a:solidFill>
+                <a:latin typeface="Times New Roman" panose="02020603050405020304" pitchFamily="18" charset="0"/>
+                <a:cs typeface="Times New Roman" panose="02020603050405020304" pitchFamily="18" charset="0"/>
+              </a:rPr>
+              <a:t>2</a:t>
+            </a:r>
+            <a:endParaRPr lang="zh-CN" altLang="en-US" sz="3200" dirty="0">
+              <a:solidFill>
+                <a:sysClr val="windowText" lastClr="000000"/>
+              </a:solidFill>
+              <a:latin typeface="Times New Roman" panose="02020603050405020304" pitchFamily="18" charset="0"/>
+              <a:cs typeface="Times New Roman" panose="02020603050405020304" pitchFamily="18" charset="0"/>
+            </a:endParaRPr>
+          </a:p>
+        </p:txBody>
+      </p:sp>
+      <p:sp>
+        <p:nvSpPr>
+          <p:cNvPr id="69" name="矩形 68">
+            <a:extLst>
+              <a:ext uri="{FF2B5EF4-FFF2-40B4-BE49-F238E27FC236}">
+                <a16:creationId xmlns:a16="http://schemas.microsoft.com/office/drawing/2014/main" id="{10717D42-FD32-4D3A-A2AE-3332C52657C1}"/>
+              </a:ext>
+            </a:extLst>
+          </p:cNvPr>
+          <p:cNvSpPr/>
+          <p:nvPr/>
+        </p:nvSpPr>
+        <p:spPr>
+          <a:xfrm>
+            <a:off x="2304947" y="5832764"/>
+            <a:ext cx="716175" cy="515259"/>
+          </a:xfrm>
+          <a:prstGeom prst="rect">
+            <a:avLst/>
+          </a:prstGeom>
+          <a:solidFill>
+            <a:srgbClr val="FFC000"/>
+          </a:solidFill>
+          <a:ln w="6350">
+            <a:solidFill>
+              <a:schemeClr val="tx1"/>
+            </a:solidFill>
+          </a:ln>
+        </p:spPr>
+        <p:style>
+          <a:lnRef idx="2">
+            <a:schemeClr val="accent1">
+              <a:shade val="50000"/>
+            </a:schemeClr>
+          </a:lnRef>
+          <a:fillRef idx="1">
+            <a:schemeClr val="accent1"/>
+          </a:fillRef>
+          <a:effectRef idx="0">
+            <a:schemeClr val="accent1"/>
+          </a:effectRef>
+          <a:fontRef idx="minor">
+            <a:schemeClr val="lt1"/>
+          </a:fontRef>
+        </p:style>
+        <p:txBody>
+          <a:bodyPr rtlCol="0" anchor="ctr"/>
+          <a:lstStyle/>
+          <a:p>
+            <a:pPr algn="ctr"/>
+            <a:r>
+              <a:rPr lang="en-US" altLang="zh-CN" sz="3200" dirty="0">
+                <a:solidFill>
+                  <a:sysClr val="windowText" lastClr="000000"/>
+                </a:solidFill>
+                <a:latin typeface="Times New Roman" panose="02020603050405020304" pitchFamily="18" charset="0"/>
+                <a:cs typeface="Times New Roman" panose="02020603050405020304" pitchFamily="18" charset="0"/>
+              </a:rPr>
+              <a:t>3</a:t>
+            </a:r>
+            <a:endParaRPr lang="zh-CN" altLang="en-US" sz="3200" dirty="0">
+              <a:solidFill>
+                <a:sysClr val="windowText" lastClr="000000"/>
+              </a:solidFill>
+              <a:latin typeface="Times New Roman" panose="02020603050405020304" pitchFamily="18" charset="0"/>
+              <a:cs typeface="Times New Roman" panose="02020603050405020304" pitchFamily="18" charset="0"/>
+            </a:endParaRPr>
+          </a:p>
+        </p:txBody>
+      </p:sp>
+      <p:sp>
+        <p:nvSpPr>
+          <p:cNvPr id="70" name="矩形 69">
+            <a:extLst>
+              <a:ext uri="{FF2B5EF4-FFF2-40B4-BE49-F238E27FC236}">
+                <a16:creationId xmlns:a16="http://schemas.microsoft.com/office/drawing/2014/main" id="{C81BB4C0-95B0-4D6A-8B42-197F300D7E2F}"/>
+              </a:ext>
+            </a:extLst>
+          </p:cNvPr>
+          <p:cNvSpPr/>
+          <p:nvPr/>
+        </p:nvSpPr>
+        <p:spPr>
+          <a:xfrm>
+            <a:off x="3021122" y="5832764"/>
+            <a:ext cx="716175" cy="515259"/>
+          </a:xfrm>
+          <a:prstGeom prst="rect">
+            <a:avLst/>
+          </a:prstGeom>
+          <a:solidFill>
+            <a:srgbClr val="FFC000"/>
+          </a:solidFill>
+          <a:ln w="6350">
+            <a:solidFill>
+              <a:schemeClr val="tx1"/>
+            </a:solidFill>
+          </a:ln>
+        </p:spPr>
+        <p:style>
+          <a:lnRef idx="2">
+            <a:schemeClr val="accent1">
+              <a:shade val="50000"/>
+            </a:schemeClr>
+          </a:lnRef>
+          <a:fillRef idx="1">
+            <a:schemeClr val="accent1"/>
+          </a:fillRef>
+          <a:effectRef idx="0">
+            <a:schemeClr val="accent1"/>
+          </a:effectRef>
+          <a:fontRef idx="minor">
+            <a:schemeClr val="lt1"/>
+          </a:fontRef>
+        </p:style>
+        <p:txBody>
+          <a:bodyPr rtlCol="0" anchor="ctr"/>
+          <a:lstStyle/>
+          <a:p>
+            <a:pPr algn="ctr"/>
+            <a:r>
+              <a:rPr lang="en-US" altLang="zh-CN" sz="3200" dirty="0">
+                <a:solidFill>
+                  <a:sysClr val="windowText" lastClr="000000"/>
+                </a:solidFill>
+                <a:latin typeface="Times New Roman" panose="02020603050405020304" pitchFamily="18" charset="0"/>
+                <a:cs typeface="Times New Roman" panose="02020603050405020304" pitchFamily="18" charset="0"/>
+              </a:rPr>
+              <a:t>4</a:t>
+            </a:r>
+            <a:endParaRPr lang="zh-CN" altLang="en-US" sz="3200" dirty="0">
+              <a:solidFill>
+                <a:sysClr val="windowText" lastClr="000000"/>
+              </a:solidFill>
+              <a:latin typeface="Times New Roman" panose="02020603050405020304" pitchFamily="18" charset="0"/>
+              <a:cs typeface="Times New Roman" panose="02020603050405020304" pitchFamily="18" charset="0"/>
+            </a:endParaRPr>
+          </a:p>
+        </p:txBody>
+      </p:sp>
+      <p:sp>
+        <p:nvSpPr>
+          <p:cNvPr id="71" name="矩形 70">
+            <a:extLst>
+              <a:ext uri="{FF2B5EF4-FFF2-40B4-BE49-F238E27FC236}">
+                <a16:creationId xmlns:a16="http://schemas.microsoft.com/office/drawing/2014/main" id="{A756C539-2540-4305-9C86-EEE5E1AF0824}"/>
+              </a:ext>
+            </a:extLst>
+          </p:cNvPr>
+          <p:cNvSpPr/>
+          <p:nvPr/>
+        </p:nvSpPr>
+        <p:spPr>
+          <a:xfrm>
+            <a:off x="3737296" y="5832764"/>
+            <a:ext cx="716175" cy="515259"/>
+          </a:xfrm>
+          <a:prstGeom prst="rect">
+            <a:avLst/>
+          </a:prstGeom>
+          <a:solidFill>
+            <a:srgbClr val="FFC000"/>
+          </a:solidFill>
+          <a:ln w="6350">
+            <a:solidFill>
+              <a:schemeClr val="tx1"/>
+            </a:solidFill>
+          </a:ln>
+        </p:spPr>
+        <p:style>
+          <a:lnRef idx="2">
+            <a:schemeClr val="accent1">
+              <a:shade val="50000"/>
+            </a:schemeClr>
+          </a:lnRef>
+          <a:fillRef idx="1">
+            <a:schemeClr val="accent1"/>
+          </a:fillRef>
+          <a:effectRef idx="0">
+            <a:schemeClr val="accent1"/>
+          </a:effectRef>
+          <a:fontRef idx="minor">
+            <a:schemeClr val="lt1"/>
+          </a:fontRef>
+        </p:style>
+        <p:txBody>
+          <a:bodyPr rtlCol="0" anchor="ctr"/>
+          <a:lstStyle/>
+          <a:p>
+            <a:pPr algn="ctr"/>
+            <a:r>
+              <a:rPr lang="en-US" altLang="zh-CN" sz="3200" dirty="0">
+                <a:solidFill>
+                  <a:sysClr val="windowText" lastClr="000000"/>
+                </a:solidFill>
+                <a:latin typeface="Times New Roman" panose="02020603050405020304" pitchFamily="18" charset="0"/>
+                <a:cs typeface="Times New Roman" panose="02020603050405020304" pitchFamily="18" charset="0"/>
+              </a:rPr>
+              <a:t>5</a:t>
+            </a:r>
+            <a:endParaRPr lang="zh-CN" altLang="en-US" sz="3200" dirty="0">
+              <a:solidFill>
+                <a:sysClr val="windowText" lastClr="000000"/>
+              </a:solidFill>
+              <a:latin typeface="Times New Roman" panose="02020603050405020304" pitchFamily="18" charset="0"/>
+              <a:cs typeface="Times New Roman" panose="02020603050405020304" pitchFamily="18" charset="0"/>
+            </a:endParaRPr>
+          </a:p>
+        </p:txBody>
+      </p:sp>
+      <p:cxnSp>
+        <p:nvCxnSpPr>
+          <p:cNvPr id="72" name="直接箭头连接符 71">
+            <a:extLst>
+              <a:ext uri="{FF2B5EF4-FFF2-40B4-BE49-F238E27FC236}">
+                <a16:creationId xmlns:a16="http://schemas.microsoft.com/office/drawing/2014/main" id="{9E9F4FA5-241F-4D61-A05E-3C300D9D0D2B}"/>
+              </a:ext>
+            </a:extLst>
+          </p:cNvPr>
+          <p:cNvCxnSpPr>
+            <a:cxnSpLocks/>
+            <a:stCxn id="73" idx="2"/>
+            <a:endCxn id="68" idx="0"/>
+          </p:cNvCxnSpPr>
+          <p:nvPr/>
+        </p:nvCxnSpPr>
+        <p:spPr>
+          <a:xfrm>
+            <a:off x="1942504" y="4633774"/>
+            <a:ext cx="4356" cy="1198990"/>
+          </a:xfrm>
+          <a:prstGeom prst="straightConnector1">
+            <a:avLst/>
+          </a:prstGeom>
+          <a:ln w="19050">
+            <a:solidFill>
+              <a:srgbClr val="FF0000"/>
+            </a:solidFill>
+            <a:headEnd type="triangle" w="lg" len="lg"/>
+            <a:tailEnd type="triangle" w="lg" len="lg"/>
+          </a:ln>
+        </p:spPr>
+        <p:style>
+          <a:lnRef idx="1">
+            <a:schemeClr val="accent1"/>
+          </a:lnRef>
+          <a:fillRef idx="0">
+            <a:schemeClr val="accent1"/>
+          </a:fillRef>
+          <a:effectRef idx="0">
+            <a:schemeClr val="accent1"/>
+          </a:effectRef>
+          <a:fontRef idx="minor">
+            <a:schemeClr val="tx1"/>
+          </a:fontRef>
+        </p:style>
+      </p:cxnSp>
+      <p:sp>
+        <p:nvSpPr>
+          <p:cNvPr id="73" name="矩形 72">
+            <a:extLst>
+              <a:ext uri="{FF2B5EF4-FFF2-40B4-BE49-F238E27FC236}">
+                <a16:creationId xmlns:a16="http://schemas.microsoft.com/office/drawing/2014/main" id="{1C1D740F-444F-4546-BAA8-3F57D9711EBD}"/>
+              </a:ext>
+            </a:extLst>
+          </p:cNvPr>
+          <p:cNvSpPr/>
+          <p:nvPr/>
+        </p:nvSpPr>
+        <p:spPr>
+          <a:xfrm>
+            <a:off x="1584416" y="4118515"/>
+            <a:ext cx="716175" cy="515259"/>
+          </a:xfrm>
+          <a:prstGeom prst="rect">
+            <a:avLst/>
+          </a:prstGeom>
+          <a:solidFill>
+            <a:srgbClr val="00B0F0"/>
+          </a:solidFill>
+          <a:ln w="6350">
+            <a:solidFill>
+              <a:schemeClr val="tx1"/>
+            </a:solidFill>
+          </a:ln>
+        </p:spPr>
+        <p:style>
+          <a:lnRef idx="2">
+            <a:schemeClr val="accent1">
+              <a:shade val="50000"/>
+            </a:schemeClr>
+          </a:lnRef>
+          <a:fillRef idx="1">
+            <a:schemeClr val="accent1"/>
+          </a:fillRef>
+          <a:effectRef idx="0">
+            <a:schemeClr val="accent1"/>
+          </a:effectRef>
+          <a:fontRef idx="minor">
+            <a:schemeClr val="lt1"/>
+          </a:fontRef>
+        </p:style>
+        <p:txBody>
+          <a:bodyPr rtlCol="0" anchor="ctr"/>
+          <a:lstStyle/>
+          <a:p>
+            <a:pPr algn="ctr"/>
+            <a:r>
+              <a:rPr lang="en-US" altLang="zh-CN" sz="3200" dirty="0">
+                <a:solidFill>
+                  <a:sysClr val="windowText" lastClr="000000"/>
+                </a:solidFill>
+                <a:latin typeface="Times New Roman" panose="02020603050405020304" pitchFamily="18" charset="0"/>
+                <a:cs typeface="Times New Roman" panose="02020603050405020304" pitchFamily="18" charset="0"/>
+              </a:rPr>
+              <a:t>5</a:t>
+            </a:r>
+            <a:endParaRPr lang="zh-CN" altLang="en-US" sz="3200" dirty="0">
+              <a:solidFill>
+                <a:sysClr val="windowText" lastClr="000000"/>
+              </a:solidFill>
+              <a:latin typeface="Times New Roman" panose="02020603050405020304" pitchFamily="18" charset="0"/>
+              <a:cs typeface="Times New Roman" panose="02020603050405020304" pitchFamily="18" charset="0"/>
+            </a:endParaRPr>
+          </a:p>
+        </p:txBody>
+      </p:sp>
+      <p:sp>
+        <p:nvSpPr>
+          <p:cNvPr id="74" name="矩形 73">
+            <a:extLst>
+              <a:ext uri="{FF2B5EF4-FFF2-40B4-BE49-F238E27FC236}">
+                <a16:creationId xmlns:a16="http://schemas.microsoft.com/office/drawing/2014/main" id="{17632E29-42FD-4392-A6FE-FE60A8CEFA89}"/>
+              </a:ext>
+            </a:extLst>
+          </p:cNvPr>
+          <p:cNvSpPr/>
+          <p:nvPr/>
+        </p:nvSpPr>
+        <p:spPr>
+          <a:xfrm>
+            <a:off x="2300591" y="4118515"/>
+            <a:ext cx="716175" cy="515259"/>
+          </a:xfrm>
+          <a:prstGeom prst="rect">
+            <a:avLst/>
+          </a:prstGeom>
+          <a:solidFill>
+            <a:srgbClr val="00B0F0"/>
+          </a:solidFill>
+          <a:ln w="6350">
+            <a:solidFill>
+              <a:schemeClr val="tx1"/>
+            </a:solidFill>
+          </a:ln>
+        </p:spPr>
+        <p:style>
+          <a:lnRef idx="2">
+            <a:schemeClr val="accent1">
+              <a:shade val="50000"/>
+            </a:schemeClr>
+          </a:lnRef>
+          <a:fillRef idx="1">
+            <a:schemeClr val="accent1"/>
+          </a:fillRef>
+          <a:effectRef idx="0">
+            <a:schemeClr val="accent1"/>
+          </a:effectRef>
+          <a:fontRef idx="minor">
+            <a:schemeClr val="lt1"/>
+          </a:fontRef>
+        </p:style>
+        <p:txBody>
+          <a:bodyPr rtlCol="0" anchor="ctr"/>
+          <a:lstStyle/>
+          <a:p>
+            <a:pPr algn="ctr"/>
+            <a:r>
+              <a:rPr lang="en-US" altLang="zh-CN" sz="3200" dirty="0">
+                <a:solidFill>
+                  <a:sysClr val="windowText" lastClr="000000"/>
+                </a:solidFill>
+                <a:latin typeface="Times New Roman" panose="02020603050405020304" pitchFamily="18" charset="0"/>
+                <a:cs typeface="Times New Roman" panose="02020603050405020304" pitchFamily="18" charset="0"/>
+              </a:rPr>
+              <a:t>8</a:t>
+            </a:r>
+            <a:endParaRPr lang="zh-CN" altLang="en-US" sz="3200" dirty="0">
+              <a:solidFill>
+                <a:sysClr val="windowText" lastClr="000000"/>
+              </a:solidFill>
+              <a:latin typeface="Times New Roman" panose="02020603050405020304" pitchFamily="18" charset="0"/>
+              <a:cs typeface="Times New Roman" panose="02020603050405020304" pitchFamily="18" charset="0"/>
+            </a:endParaRPr>
+          </a:p>
+        </p:txBody>
+      </p:sp>
+      <p:sp>
+        <p:nvSpPr>
+          <p:cNvPr id="75" name="矩形 74">
+            <a:extLst>
+              <a:ext uri="{FF2B5EF4-FFF2-40B4-BE49-F238E27FC236}">
+                <a16:creationId xmlns:a16="http://schemas.microsoft.com/office/drawing/2014/main" id="{2F279F99-F18D-463E-9FF6-B5D98606EC04}"/>
+              </a:ext>
+            </a:extLst>
+          </p:cNvPr>
+          <p:cNvSpPr/>
+          <p:nvPr/>
+        </p:nvSpPr>
+        <p:spPr>
+          <a:xfrm>
+            <a:off x="3016766" y="4118515"/>
+            <a:ext cx="716175" cy="515259"/>
+          </a:xfrm>
+          <a:prstGeom prst="rect">
+            <a:avLst/>
+          </a:prstGeom>
+          <a:solidFill>
+            <a:srgbClr val="00B0F0"/>
+          </a:solidFill>
+          <a:ln w="6350">
+            <a:solidFill>
+              <a:schemeClr val="tx1"/>
+            </a:solidFill>
+          </a:ln>
+        </p:spPr>
+        <p:style>
+          <a:lnRef idx="2">
+            <a:schemeClr val="accent1">
+              <a:shade val="50000"/>
+            </a:schemeClr>
+          </a:lnRef>
+          <a:fillRef idx="1">
+            <a:schemeClr val="accent1"/>
+          </a:fillRef>
+          <a:effectRef idx="0">
+            <a:schemeClr val="accent1"/>
+          </a:effectRef>
+          <a:fontRef idx="minor">
+            <a:schemeClr val="lt1"/>
+          </a:fontRef>
+        </p:style>
+        <p:txBody>
+          <a:bodyPr rtlCol="0" anchor="ctr"/>
+          <a:lstStyle/>
+          <a:p>
+            <a:pPr algn="ctr"/>
+            <a:r>
+              <a:rPr lang="en-US" altLang="zh-CN" sz="3200" dirty="0">
+                <a:solidFill>
+                  <a:sysClr val="windowText" lastClr="000000"/>
+                </a:solidFill>
+                <a:latin typeface="Times New Roman" panose="02020603050405020304" pitchFamily="18" charset="0"/>
+                <a:cs typeface="Times New Roman" panose="02020603050405020304" pitchFamily="18" charset="0"/>
+              </a:rPr>
+              <a:t>1</a:t>
+            </a:r>
+            <a:endParaRPr lang="zh-CN" altLang="en-US" sz="3200" dirty="0">
+              <a:solidFill>
+                <a:sysClr val="windowText" lastClr="000000"/>
+              </a:solidFill>
+              <a:latin typeface="Times New Roman" panose="02020603050405020304" pitchFamily="18" charset="0"/>
+              <a:cs typeface="Times New Roman" panose="02020603050405020304" pitchFamily="18" charset="0"/>
+            </a:endParaRPr>
+          </a:p>
+        </p:txBody>
+      </p:sp>
+      <p:sp>
+        <p:nvSpPr>
+          <p:cNvPr id="76" name="矩形 75">
+            <a:extLst>
+              <a:ext uri="{FF2B5EF4-FFF2-40B4-BE49-F238E27FC236}">
+                <a16:creationId xmlns:a16="http://schemas.microsoft.com/office/drawing/2014/main" id="{7A123A2E-20FB-4F48-A86B-E528CFDC4919}"/>
+              </a:ext>
+            </a:extLst>
+          </p:cNvPr>
+          <p:cNvSpPr/>
+          <p:nvPr/>
+        </p:nvSpPr>
+        <p:spPr>
+          <a:xfrm>
+            <a:off x="3732940" y="4118515"/>
+            <a:ext cx="716175" cy="515259"/>
+          </a:xfrm>
+          <a:prstGeom prst="rect">
+            <a:avLst/>
+          </a:prstGeom>
+          <a:solidFill>
+            <a:srgbClr val="00B0F0"/>
+          </a:solidFill>
+          <a:ln w="6350">
+            <a:solidFill>
+              <a:schemeClr val="tx1"/>
+            </a:solidFill>
+          </a:ln>
+        </p:spPr>
+        <p:style>
+          <a:lnRef idx="2">
+            <a:schemeClr val="accent1">
+              <a:shade val="50000"/>
+            </a:schemeClr>
+          </a:lnRef>
+          <a:fillRef idx="1">
+            <a:schemeClr val="accent1"/>
+          </a:fillRef>
+          <a:effectRef idx="0">
+            <a:schemeClr val="accent1"/>
+          </a:effectRef>
+          <a:fontRef idx="minor">
+            <a:schemeClr val="lt1"/>
+          </a:fontRef>
+        </p:style>
+        <p:txBody>
+          <a:bodyPr rtlCol="0" anchor="ctr"/>
+          <a:lstStyle/>
+          <a:p>
+            <a:pPr algn="ctr"/>
+            <a:r>
+              <a:rPr lang="en-US" altLang="zh-CN" sz="3200" dirty="0">
+                <a:solidFill>
+                  <a:sysClr val="windowText" lastClr="000000"/>
+                </a:solidFill>
+                <a:latin typeface="Times New Roman" panose="02020603050405020304" pitchFamily="18" charset="0"/>
+                <a:cs typeface="Times New Roman" panose="02020603050405020304" pitchFamily="18" charset="0"/>
+              </a:rPr>
+              <a:t>7</a:t>
+            </a:r>
+            <a:endParaRPr lang="zh-CN" altLang="en-US" sz="3200" dirty="0">
+              <a:solidFill>
+                <a:sysClr val="windowText" lastClr="000000"/>
+              </a:solidFill>
+              <a:latin typeface="Times New Roman" panose="02020603050405020304" pitchFamily="18" charset="0"/>
+              <a:cs typeface="Times New Roman" panose="02020603050405020304" pitchFamily="18" charset="0"/>
+            </a:endParaRPr>
+          </a:p>
+        </p:txBody>
+      </p:sp>
+      <p:cxnSp>
+        <p:nvCxnSpPr>
+          <p:cNvPr id="77" name="直接箭头连接符 76">
+            <a:extLst>
+              <a:ext uri="{FF2B5EF4-FFF2-40B4-BE49-F238E27FC236}">
+                <a16:creationId xmlns:a16="http://schemas.microsoft.com/office/drawing/2014/main" id="{B7A01B05-3679-4514-86C8-EE56CA2216A0}"/>
+              </a:ext>
+            </a:extLst>
+          </p:cNvPr>
+          <p:cNvCxnSpPr>
+            <a:cxnSpLocks/>
+            <a:stCxn id="74" idx="2"/>
+            <a:endCxn id="69" idx="0"/>
+          </p:cNvCxnSpPr>
+          <p:nvPr/>
+        </p:nvCxnSpPr>
+        <p:spPr>
+          <a:xfrm>
+            <a:off x="2658679" y="4633774"/>
+            <a:ext cx="4356" cy="1198990"/>
+          </a:xfrm>
+          <a:prstGeom prst="straightConnector1">
+            <a:avLst/>
+          </a:prstGeom>
+          <a:ln w="19050">
+            <a:solidFill>
+              <a:srgbClr val="FF0000"/>
+            </a:solidFill>
+            <a:headEnd type="triangle" w="lg" len="lg"/>
+            <a:tailEnd type="triangle" w="lg" len="lg"/>
+          </a:ln>
+        </p:spPr>
+        <p:style>
+          <a:lnRef idx="1">
+            <a:schemeClr val="accent1"/>
+          </a:lnRef>
+          <a:fillRef idx="0">
+            <a:schemeClr val="accent1"/>
+          </a:fillRef>
+          <a:effectRef idx="0">
+            <a:schemeClr val="accent1"/>
+          </a:effectRef>
+          <a:fontRef idx="minor">
+            <a:schemeClr val="tx1"/>
+          </a:fontRef>
+        </p:style>
+      </p:cxnSp>
+      <p:cxnSp>
+        <p:nvCxnSpPr>
+          <p:cNvPr id="78" name="直接箭头连接符 77">
+            <a:extLst>
+              <a:ext uri="{FF2B5EF4-FFF2-40B4-BE49-F238E27FC236}">
+                <a16:creationId xmlns:a16="http://schemas.microsoft.com/office/drawing/2014/main" id="{C19787D1-9A8A-4A3B-AEAD-C90E4E0A7EC5}"/>
+              </a:ext>
+            </a:extLst>
+          </p:cNvPr>
+          <p:cNvCxnSpPr>
+            <a:cxnSpLocks/>
+            <a:stCxn id="75" idx="2"/>
+            <a:endCxn id="70" idx="0"/>
+          </p:cNvCxnSpPr>
+          <p:nvPr/>
+        </p:nvCxnSpPr>
+        <p:spPr>
+          <a:xfrm>
+            <a:off x="3374854" y="4633774"/>
+            <a:ext cx="4356" cy="1198990"/>
+          </a:xfrm>
+          <a:prstGeom prst="straightConnector1">
+            <a:avLst/>
+          </a:prstGeom>
+          <a:ln w="19050">
+            <a:solidFill>
+              <a:srgbClr val="FF0000"/>
+            </a:solidFill>
+            <a:headEnd type="triangle" w="lg" len="lg"/>
+            <a:tailEnd type="triangle" w="lg" len="lg"/>
+          </a:ln>
+        </p:spPr>
+        <p:style>
+          <a:lnRef idx="1">
+            <a:schemeClr val="accent1"/>
+          </a:lnRef>
+          <a:fillRef idx="0">
+            <a:schemeClr val="accent1"/>
+          </a:fillRef>
+          <a:effectRef idx="0">
+            <a:schemeClr val="accent1"/>
+          </a:effectRef>
+          <a:fontRef idx="minor">
+            <a:schemeClr val="tx1"/>
+          </a:fontRef>
+        </p:style>
+      </p:cxnSp>
+      <p:cxnSp>
+        <p:nvCxnSpPr>
+          <p:cNvPr id="79" name="直接箭头连接符 78">
+            <a:extLst>
+              <a:ext uri="{FF2B5EF4-FFF2-40B4-BE49-F238E27FC236}">
+                <a16:creationId xmlns:a16="http://schemas.microsoft.com/office/drawing/2014/main" id="{38A9B191-BB89-4E16-BD5A-72CE414D16D2}"/>
+              </a:ext>
+            </a:extLst>
+          </p:cNvPr>
+          <p:cNvCxnSpPr>
+            <a:cxnSpLocks/>
+            <a:stCxn id="76" idx="2"/>
+            <a:endCxn id="71" idx="0"/>
+          </p:cNvCxnSpPr>
+          <p:nvPr/>
+        </p:nvCxnSpPr>
+        <p:spPr>
+          <a:xfrm>
+            <a:off x="4091028" y="4633774"/>
+            <a:ext cx="4356" cy="1198990"/>
+          </a:xfrm>
+          <a:prstGeom prst="straightConnector1">
+            <a:avLst/>
+          </a:prstGeom>
+          <a:ln w="19050">
+            <a:solidFill>
+              <a:srgbClr val="FF0000"/>
+            </a:solidFill>
+            <a:headEnd type="triangle" w="lg" len="lg"/>
+            <a:tailEnd type="triangle" w="lg" len="lg"/>
+          </a:ln>
+        </p:spPr>
+        <p:style>
+          <a:lnRef idx="1">
+            <a:schemeClr val="accent1"/>
+          </a:lnRef>
+          <a:fillRef idx="0">
+            <a:schemeClr val="accent1"/>
+          </a:fillRef>
+          <a:effectRef idx="0">
+            <a:schemeClr val="accent1"/>
+          </a:effectRef>
+          <a:fontRef idx="minor">
+            <a:schemeClr val="tx1"/>
+          </a:fontRef>
+        </p:style>
+      </p:cxnSp>
+      <p:sp>
+        <p:nvSpPr>
+          <p:cNvPr id="11" name="箭头: 右 10">
+            <a:extLst>
+              <a:ext uri="{FF2B5EF4-FFF2-40B4-BE49-F238E27FC236}">
+                <a16:creationId xmlns:a16="http://schemas.microsoft.com/office/drawing/2014/main" id="{8EA400AB-AEA1-4BE4-9D2D-35DB892809F5}"/>
+              </a:ext>
+            </a:extLst>
+          </p:cNvPr>
+          <p:cNvSpPr/>
+          <p:nvPr/>
+        </p:nvSpPr>
+        <p:spPr>
+          <a:xfrm>
+            <a:off x="4900930" y="5021943"/>
+            <a:ext cx="1491141" cy="515259"/>
+          </a:xfrm>
+          <a:prstGeom prst="rightArrow">
+            <a:avLst/>
+          </a:prstGeom>
+          <a:solidFill>
+            <a:schemeClr val="accent6">
+              <a:lumMod val="40000"/>
+              <a:lumOff val="60000"/>
+            </a:schemeClr>
+          </a:solidFill>
+          <a:ln>
+            <a:noFill/>
+          </a:ln>
+        </p:spPr>
+        <p:style>
+          <a:lnRef idx="2">
+            <a:schemeClr val="accent1">
+              <a:shade val="50000"/>
+            </a:schemeClr>
+          </a:lnRef>
+          <a:fillRef idx="1">
+            <a:schemeClr val="accent1"/>
+          </a:fillRef>
+          <a:effectRef idx="0">
+            <a:schemeClr val="accent1"/>
+          </a:effectRef>
+          <a:fontRef idx="minor">
+            <a:schemeClr val="lt1"/>
+          </a:fontRef>
+        </p:style>
+        <p:txBody>
+          <a:bodyPr rtlCol="0" anchor="ctr"/>
+          <a:lstStyle/>
+          <a:p>
+            <a:pPr algn="ctr"/>
+            <a:endParaRPr lang="zh-CN" altLang="en-US"/>
+          </a:p>
+        </p:txBody>
+      </p:sp>
+      <p:sp>
+        <p:nvSpPr>
+          <p:cNvPr id="81" name="矩形 80">
+            <a:extLst>
+              <a:ext uri="{FF2B5EF4-FFF2-40B4-BE49-F238E27FC236}">
+                <a16:creationId xmlns:a16="http://schemas.microsoft.com/office/drawing/2014/main" id="{0F2693FD-1B24-4423-90EA-1B6C2F2C2366}"/>
+              </a:ext>
+            </a:extLst>
+          </p:cNvPr>
+          <p:cNvSpPr/>
+          <p:nvPr/>
+        </p:nvSpPr>
+        <p:spPr>
+          <a:xfrm>
+            <a:off x="6988612" y="3857687"/>
+            <a:ext cx="716175" cy="515259"/>
+          </a:xfrm>
+          <a:prstGeom prst="rect">
+            <a:avLst/>
+          </a:prstGeom>
+          <a:noFill/>
+          <a:ln w="6350">
+            <a:solidFill>
+              <a:schemeClr val="tx1"/>
+            </a:solidFill>
+          </a:ln>
+        </p:spPr>
+        <p:style>
+          <a:lnRef idx="2">
+            <a:schemeClr val="accent1">
+              <a:shade val="50000"/>
+            </a:schemeClr>
+          </a:lnRef>
+          <a:fillRef idx="1">
+            <a:schemeClr val="accent1"/>
+          </a:fillRef>
+          <a:effectRef idx="0">
+            <a:schemeClr val="accent1"/>
+          </a:effectRef>
+          <a:fontRef idx="minor">
+            <a:schemeClr val="lt1"/>
+          </a:fontRef>
+        </p:style>
+        <p:txBody>
+          <a:bodyPr rtlCol="0" anchor="ctr"/>
+          <a:lstStyle/>
+          <a:p>
+            <a:pPr algn="ctr"/>
+            <a:r>
+              <a:rPr lang="en-US" altLang="zh-CN" sz="3200" dirty="0">
+                <a:solidFill>
+                  <a:sysClr val="windowText" lastClr="000000"/>
+                </a:solidFill>
+                <a:latin typeface="Times New Roman" panose="02020603050405020304" pitchFamily="18" charset="0"/>
+                <a:cs typeface="Times New Roman" panose="02020603050405020304" pitchFamily="18" charset="0"/>
+              </a:rPr>
+              <a:t>1</a:t>
+            </a:r>
+            <a:endParaRPr lang="zh-CN" altLang="en-US" sz="3200" dirty="0">
+              <a:solidFill>
+                <a:sysClr val="windowText" lastClr="000000"/>
+              </a:solidFill>
+              <a:latin typeface="Times New Roman" panose="02020603050405020304" pitchFamily="18" charset="0"/>
+              <a:cs typeface="Times New Roman" panose="02020603050405020304" pitchFamily="18" charset="0"/>
+            </a:endParaRPr>
+          </a:p>
+        </p:txBody>
+      </p:sp>
+      <p:sp>
+        <p:nvSpPr>
+          <p:cNvPr id="82" name="矩形 81">
+            <a:extLst>
+              <a:ext uri="{FF2B5EF4-FFF2-40B4-BE49-F238E27FC236}">
+                <a16:creationId xmlns:a16="http://schemas.microsoft.com/office/drawing/2014/main" id="{238D91B9-6413-400D-8AC7-08D5323E98E1}"/>
+              </a:ext>
+            </a:extLst>
+          </p:cNvPr>
+          <p:cNvSpPr/>
+          <p:nvPr/>
+        </p:nvSpPr>
+        <p:spPr>
+          <a:xfrm>
+            <a:off x="8434029" y="3851814"/>
+            <a:ext cx="716175" cy="515259"/>
+          </a:xfrm>
+          <a:prstGeom prst="rect">
+            <a:avLst/>
+          </a:prstGeom>
+          <a:noFill/>
+          <a:ln w="6350">
+            <a:solidFill>
+              <a:schemeClr val="tx1"/>
+            </a:solidFill>
+          </a:ln>
+        </p:spPr>
+        <p:style>
+          <a:lnRef idx="2">
+            <a:schemeClr val="accent1">
+              <a:shade val="50000"/>
+            </a:schemeClr>
+          </a:lnRef>
+          <a:fillRef idx="1">
+            <a:schemeClr val="accent1"/>
+          </a:fillRef>
+          <a:effectRef idx="0">
+            <a:schemeClr val="accent1"/>
+          </a:effectRef>
+          <a:fontRef idx="minor">
+            <a:schemeClr val="lt1"/>
+          </a:fontRef>
+        </p:style>
+        <p:txBody>
+          <a:bodyPr rtlCol="0" anchor="ctr"/>
+          <a:lstStyle/>
+          <a:p>
+            <a:pPr algn="ctr"/>
+            <a:r>
+              <a:rPr lang="en-US" altLang="zh-CN" sz="3200" dirty="0">
+                <a:solidFill>
+                  <a:sysClr val="windowText" lastClr="000000"/>
+                </a:solidFill>
+                <a:latin typeface="Times New Roman" panose="02020603050405020304" pitchFamily="18" charset="0"/>
+                <a:cs typeface="Times New Roman" panose="02020603050405020304" pitchFamily="18" charset="0"/>
+              </a:rPr>
+              <a:t>4</a:t>
+            </a:r>
+            <a:endParaRPr lang="zh-CN" altLang="en-US" sz="3200" dirty="0">
+              <a:solidFill>
+                <a:sysClr val="windowText" lastClr="000000"/>
+              </a:solidFill>
+              <a:latin typeface="Times New Roman" panose="02020603050405020304" pitchFamily="18" charset="0"/>
+              <a:cs typeface="Times New Roman" panose="02020603050405020304" pitchFamily="18" charset="0"/>
+            </a:endParaRPr>
+          </a:p>
+        </p:txBody>
+      </p:sp>
+      <p:cxnSp>
+        <p:nvCxnSpPr>
+          <p:cNvPr id="83" name="直接箭头连接符 82">
+            <a:extLst>
+              <a:ext uri="{FF2B5EF4-FFF2-40B4-BE49-F238E27FC236}">
+                <a16:creationId xmlns:a16="http://schemas.microsoft.com/office/drawing/2014/main" id="{10763666-4B02-4312-BF23-389BEE627B08}"/>
+              </a:ext>
+            </a:extLst>
+          </p:cNvPr>
+          <p:cNvCxnSpPr>
+            <a:cxnSpLocks/>
+            <a:stCxn id="81" idx="3"/>
+            <a:endCxn id="82" idx="1"/>
+          </p:cNvCxnSpPr>
+          <p:nvPr/>
+        </p:nvCxnSpPr>
+        <p:spPr>
+          <a:xfrm flipV="1">
+            <a:off x="7704787" y="4109444"/>
+            <a:ext cx="729242" cy="5873"/>
+          </a:xfrm>
+          <a:prstGeom prst="straightConnector1">
+            <a:avLst/>
+          </a:prstGeom>
+          <a:ln w="19050">
+            <a:solidFill>
+              <a:schemeClr val="tx1"/>
+            </a:solidFill>
+            <a:headEnd type="triangle" w="lg" len="lg"/>
+            <a:tailEnd type="triangle" w="lg" len="lg"/>
+          </a:ln>
+        </p:spPr>
+        <p:style>
+          <a:lnRef idx="1">
+            <a:schemeClr val="accent1"/>
+          </a:lnRef>
+          <a:fillRef idx="0">
+            <a:schemeClr val="accent1"/>
+          </a:fillRef>
+          <a:effectRef idx="0">
+            <a:schemeClr val="accent1"/>
+          </a:effectRef>
+          <a:fontRef idx="minor">
+            <a:schemeClr val="tx1"/>
+          </a:fontRef>
+        </p:style>
+      </p:cxnSp>
+      <p:sp>
+        <p:nvSpPr>
+          <p:cNvPr id="86" name="矩形 85">
+            <a:extLst>
+              <a:ext uri="{FF2B5EF4-FFF2-40B4-BE49-F238E27FC236}">
+                <a16:creationId xmlns:a16="http://schemas.microsoft.com/office/drawing/2014/main" id="{1DCE54D8-5BD3-46AE-B88E-DD74BA28EFA8}"/>
+              </a:ext>
+            </a:extLst>
+          </p:cNvPr>
+          <p:cNvSpPr/>
+          <p:nvPr/>
+        </p:nvSpPr>
+        <p:spPr>
+          <a:xfrm>
+            <a:off x="6988612" y="4636449"/>
+            <a:ext cx="716175" cy="515259"/>
+          </a:xfrm>
+          <a:prstGeom prst="rect">
+            <a:avLst/>
+          </a:prstGeom>
+          <a:noFill/>
+          <a:ln w="6350">
+            <a:solidFill>
+              <a:schemeClr val="tx1"/>
+            </a:solidFill>
+          </a:ln>
+        </p:spPr>
+        <p:style>
+          <a:lnRef idx="2">
+            <a:schemeClr val="accent1">
+              <a:shade val="50000"/>
+            </a:schemeClr>
+          </a:lnRef>
+          <a:fillRef idx="1">
+            <a:schemeClr val="accent1"/>
+          </a:fillRef>
+          <a:effectRef idx="0">
+            <a:schemeClr val="accent1"/>
+          </a:effectRef>
+          <a:fontRef idx="minor">
+            <a:schemeClr val="lt1"/>
+          </a:fontRef>
+        </p:style>
+        <p:txBody>
+          <a:bodyPr rtlCol="0" anchor="ctr"/>
+          <a:lstStyle/>
+          <a:p>
+            <a:pPr algn="ctr"/>
+            <a:r>
+              <a:rPr lang="en-US" altLang="zh-CN" sz="3200" dirty="0">
+                <a:solidFill>
+                  <a:sysClr val="windowText" lastClr="000000"/>
+                </a:solidFill>
+                <a:latin typeface="Times New Roman" panose="02020603050405020304" pitchFamily="18" charset="0"/>
+                <a:cs typeface="Times New Roman" panose="02020603050405020304" pitchFamily="18" charset="0"/>
+              </a:rPr>
+              <a:t>5</a:t>
+            </a:r>
+            <a:endParaRPr lang="zh-CN" altLang="en-US" sz="3200" dirty="0">
+              <a:solidFill>
+                <a:sysClr val="windowText" lastClr="000000"/>
+              </a:solidFill>
+              <a:latin typeface="Times New Roman" panose="02020603050405020304" pitchFamily="18" charset="0"/>
+              <a:cs typeface="Times New Roman" panose="02020603050405020304" pitchFamily="18" charset="0"/>
+            </a:endParaRPr>
+          </a:p>
+        </p:txBody>
+      </p:sp>
+      <p:sp>
+        <p:nvSpPr>
+          <p:cNvPr id="87" name="矩形 86">
+            <a:extLst>
+              <a:ext uri="{FF2B5EF4-FFF2-40B4-BE49-F238E27FC236}">
+                <a16:creationId xmlns:a16="http://schemas.microsoft.com/office/drawing/2014/main" id="{8DDECF70-719C-496C-8164-ECD2003C4114}"/>
+              </a:ext>
+            </a:extLst>
+          </p:cNvPr>
+          <p:cNvSpPr/>
+          <p:nvPr/>
+        </p:nvSpPr>
+        <p:spPr>
+          <a:xfrm>
+            <a:off x="8434029" y="4630576"/>
+            <a:ext cx="716175" cy="515259"/>
+          </a:xfrm>
+          <a:prstGeom prst="rect">
+            <a:avLst/>
+          </a:prstGeom>
+          <a:noFill/>
+          <a:ln w="6350">
+            <a:solidFill>
+              <a:schemeClr val="tx1"/>
+            </a:solidFill>
+          </a:ln>
+        </p:spPr>
+        <p:style>
+          <a:lnRef idx="2">
+            <a:schemeClr val="accent1">
+              <a:shade val="50000"/>
+            </a:schemeClr>
+          </a:lnRef>
+          <a:fillRef idx="1">
+            <a:schemeClr val="accent1"/>
+          </a:fillRef>
+          <a:effectRef idx="0">
+            <a:schemeClr val="accent1"/>
+          </a:effectRef>
+          <a:fontRef idx="minor">
+            <a:schemeClr val="lt1"/>
+          </a:fontRef>
+        </p:style>
+        <p:txBody>
+          <a:bodyPr rtlCol="0" anchor="ctr"/>
+          <a:lstStyle/>
+          <a:p>
+            <a:pPr algn="ctr"/>
+            <a:r>
+              <a:rPr lang="en-US" altLang="zh-CN" sz="3200" dirty="0">
+                <a:solidFill>
+                  <a:sysClr val="windowText" lastClr="000000"/>
+                </a:solidFill>
+                <a:latin typeface="Times New Roman" panose="02020603050405020304" pitchFamily="18" charset="0"/>
+                <a:cs typeface="Times New Roman" panose="02020603050405020304" pitchFamily="18" charset="0"/>
+              </a:rPr>
+              <a:t>2</a:t>
+            </a:r>
+            <a:endParaRPr lang="zh-CN" altLang="en-US" sz="3200" dirty="0">
+              <a:solidFill>
+                <a:sysClr val="windowText" lastClr="000000"/>
+              </a:solidFill>
+              <a:latin typeface="Times New Roman" panose="02020603050405020304" pitchFamily="18" charset="0"/>
+              <a:cs typeface="Times New Roman" panose="02020603050405020304" pitchFamily="18" charset="0"/>
+            </a:endParaRPr>
+          </a:p>
+        </p:txBody>
+      </p:sp>
+      <p:cxnSp>
+        <p:nvCxnSpPr>
+          <p:cNvPr id="88" name="直接箭头连接符 87">
+            <a:extLst>
+              <a:ext uri="{FF2B5EF4-FFF2-40B4-BE49-F238E27FC236}">
+                <a16:creationId xmlns:a16="http://schemas.microsoft.com/office/drawing/2014/main" id="{466F9975-F138-49BA-AD1F-6178DE8F0DC9}"/>
+              </a:ext>
+            </a:extLst>
+          </p:cNvPr>
+          <p:cNvCxnSpPr>
+            <a:cxnSpLocks/>
+            <a:stCxn id="86" idx="3"/>
+            <a:endCxn id="87" idx="1"/>
+          </p:cNvCxnSpPr>
+          <p:nvPr/>
+        </p:nvCxnSpPr>
+        <p:spPr>
+          <a:xfrm flipV="1">
+            <a:off x="7704787" y="4888206"/>
+            <a:ext cx="729242" cy="5873"/>
+          </a:xfrm>
+          <a:prstGeom prst="straightConnector1">
+            <a:avLst/>
+          </a:prstGeom>
+          <a:ln w="19050">
+            <a:solidFill>
+              <a:schemeClr val="tx1"/>
+            </a:solidFill>
+            <a:headEnd type="triangle" w="lg" len="lg"/>
+            <a:tailEnd type="triangle" w="lg" len="lg"/>
+          </a:ln>
+        </p:spPr>
+        <p:style>
+          <a:lnRef idx="1">
+            <a:schemeClr val="accent1"/>
+          </a:lnRef>
+          <a:fillRef idx="0">
+            <a:schemeClr val="accent1"/>
+          </a:fillRef>
+          <a:effectRef idx="0">
+            <a:schemeClr val="accent1"/>
+          </a:effectRef>
+          <a:fontRef idx="minor">
+            <a:schemeClr val="tx1"/>
+          </a:fontRef>
+        </p:style>
+      </p:cxnSp>
+      <p:sp>
+        <p:nvSpPr>
+          <p:cNvPr id="89" name="矩形 88">
+            <a:extLst>
+              <a:ext uri="{FF2B5EF4-FFF2-40B4-BE49-F238E27FC236}">
+                <a16:creationId xmlns:a16="http://schemas.microsoft.com/office/drawing/2014/main" id="{50D7E71B-4C61-443F-9516-82C5D54F8AA3}"/>
+              </a:ext>
+            </a:extLst>
+          </p:cNvPr>
+          <p:cNvSpPr/>
+          <p:nvPr/>
+        </p:nvSpPr>
+        <p:spPr>
+          <a:xfrm>
+            <a:off x="6984256" y="5415211"/>
+            <a:ext cx="716175" cy="515259"/>
+          </a:xfrm>
+          <a:prstGeom prst="rect">
+            <a:avLst/>
+          </a:prstGeom>
+          <a:noFill/>
+          <a:ln w="6350">
+            <a:solidFill>
+              <a:schemeClr val="tx1"/>
+            </a:solidFill>
+          </a:ln>
+        </p:spPr>
+        <p:style>
+          <a:lnRef idx="2">
+            <a:schemeClr val="accent1">
+              <a:shade val="50000"/>
+            </a:schemeClr>
+          </a:lnRef>
+          <a:fillRef idx="1">
+            <a:schemeClr val="accent1"/>
+          </a:fillRef>
+          <a:effectRef idx="0">
+            <a:schemeClr val="accent1"/>
+          </a:effectRef>
+          <a:fontRef idx="minor">
+            <a:schemeClr val="lt1"/>
+          </a:fontRef>
+        </p:style>
+        <p:txBody>
+          <a:bodyPr rtlCol="0" anchor="ctr"/>
+          <a:lstStyle/>
+          <a:p>
+            <a:pPr algn="ctr"/>
+            <a:r>
+              <a:rPr lang="en-US" altLang="zh-CN" sz="3200" dirty="0">
+                <a:solidFill>
+                  <a:sysClr val="windowText" lastClr="000000"/>
+                </a:solidFill>
+                <a:latin typeface="Times New Roman" panose="02020603050405020304" pitchFamily="18" charset="0"/>
+                <a:cs typeface="Times New Roman" panose="02020603050405020304" pitchFamily="18" charset="0"/>
+              </a:rPr>
+              <a:t>7</a:t>
+            </a:r>
+            <a:endParaRPr lang="zh-CN" altLang="en-US" sz="3200" dirty="0">
+              <a:solidFill>
+                <a:sysClr val="windowText" lastClr="000000"/>
+              </a:solidFill>
+              <a:latin typeface="Times New Roman" panose="02020603050405020304" pitchFamily="18" charset="0"/>
+              <a:cs typeface="Times New Roman" panose="02020603050405020304" pitchFamily="18" charset="0"/>
+            </a:endParaRPr>
+          </a:p>
+        </p:txBody>
+      </p:sp>
+      <p:sp>
+        <p:nvSpPr>
+          <p:cNvPr id="90" name="矩形 89">
+            <a:extLst>
+              <a:ext uri="{FF2B5EF4-FFF2-40B4-BE49-F238E27FC236}">
+                <a16:creationId xmlns:a16="http://schemas.microsoft.com/office/drawing/2014/main" id="{3C08533B-3A95-4D10-A2A2-C001F4AAEB02}"/>
+              </a:ext>
+            </a:extLst>
+          </p:cNvPr>
+          <p:cNvSpPr/>
+          <p:nvPr/>
+        </p:nvSpPr>
+        <p:spPr>
+          <a:xfrm>
+            <a:off x="8429673" y="5409338"/>
+            <a:ext cx="716175" cy="515259"/>
+          </a:xfrm>
+          <a:prstGeom prst="rect">
+            <a:avLst/>
+          </a:prstGeom>
+          <a:noFill/>
+          <a:ln w="6350">
+            <a:solidFill>
+              <a:schemeClr val="tx1"/>
+            </a:solidFill>
+          </a:ln>
+        </p:spPr>
+        <p:style>
+          <a:lnRef idx="2">
+            <a:schemeClr val="accent1">
+              <a:shade val="50000"/>
+            </a:schemeClr>
+          </a:lnRef>
+          <a:fillRef idx="1">
+            <a:schemeClr val="accent1"/>
+          </a:fillRef>
+          <a:effectRef idx="0">
+            <a:schemeClr val="accent1"/>
+          </a:effectRef>
+          <a:fontRef idx="minor">
+            <a:schemeClr val="lt1"/>
+          </a:fontRef>
+        </p:style>
+        <p:txBody>
+          <a:bodyPr rtlCol="0" anchor="ctr"/>
+          <a:lstStyle/>
+          <a:p>
+            <a:pPr algn="ctr"/>
+            <a:r>
+              <a:rPr lang="en-US" altLang="zh-CN" sz="3200" dirty="0">
+                <a:solidFill>
+                  <a:sysClr val="windowText" lastClr="000000"/>
+                </a:solidFill>
+                <a:latin typeface="Times New Roman" panose="02020603050405020304" pitchFamily="18" charset="0"/>
+                <a:cs typeface="Times New Roman" panose="02020603050405020304" pitchFamily="18" charset="0"/>
+              </a:rPr>
+              <a:t>5</a:t>
+            </a:r>
+            <a:endParaRPr lang="zh-CN" altLang="en-US" sz="3200" dirty="0">
+              <a:solidFill>
+                <a:sysClr val="windowText" lastClr="000000"/>
+              </a:solidFill>
+              <a:latin typeface="Times New Roman" panose="02020603050405020304" pitchFamily="18" charset="0"/>
+              <a:cs typeface="Times New Roman" panose="02020603050405020304" pitchFamily="18" charset="0"/>
+            </a:endParaRPr>
+          </a:p>
+        </p:txBody>
+      </p:sp>
+      <p:cxnSp>
+        <p:nvCxnSpPr>
+          <p:cNvPr id="91" name="直接箭头连接符 90">
+            <a:extLst>
+              <a:ext uri="{FF2B5EF4-FFF2-40B4-BE49-F238E27FC236}">
+                <a16:creationId xmlns:a16="http://schemas.microsoft.com/office/drawing/2014/main" id="{0B747AD3-13B6-4BF6-8839-8544B3E2ED29}"/>
+              </a:ext>
+            </a:extLst>
+          </p:cNvPr>
+          <p:cNvCxnSpPr>
+            <a:cxnSpLocks/>
+            <a:stCxn id="89" idx="3"/>
+            <a:endCxn id="90" idx="1"/>
+          </p:cNvCxnSpPr>
+          <p:nvPr/>
+        </p:nvCxnSpPr>
+        <p:spPr>
+          <a:xfrm flipV="1">
+            <a:off x="7700431" y="5666968"/>
+            <a:ext cx="729242" cy="5873"/>
+          </a:xfrm>
+          <a:prstGeom prst="straightConnector1">
+            <a:avLst/>
+          </a:prstGeom>
+          <a:ln w="19050">
+            <a:solidFill>
+              <a:schemeClr val="tx1"/>
+            </a:solidFill>
+            <a:headEnd type="triangle" w="lg" len="lg"/>
+            <a:tailEnd type="triangle" w="lg" len="lg"/>
+          </a:ln>
+        </p:spPr>
+        <p:style>
+          <a:lnRef idx="1">
+            <a:schemeClr val="accent1"/>
+          </a:lnRef>
+          <a:fillRef idx="0">
+            <a:schemeClr val="accent1"/>
+          </a:fillRef>
+          <a:effectRef idx="0">
+            <a:schemeClr val="accent1"/>
+          </a:effectRef>
+          <a:fontRef idx="minor">
+            <a:schemeClr val="tx1"/>
+          </a:fontRef>
+        </p:style>
+      </p:cxnSp>
+      <p:sp>
+        <p:nvSpPr>
+          <p:cNvPr id="92" name="矩形 91">
+            <a:extLst>
+              <a:ext uri="{FF2B5EF4-FFF2-40B4-BE49-F238E27FC236}">
+                <a16:creationId xmlns:a16="http://schemas.microsoft.com/office/drawing/2014/main" id="{6BFE2917-82DD-4E5A-9FBC-6DE86A0E1EE4}"/>
+              </a:ext>
+            </a:extLst>
+          </p:cNvPr>
+          <p:cNvSpPr/>
+          <p:nvPr/>
+        </p:nvSpPr>
+        <p:spPr>
+          <a:xfrm>
+            <a:off x="9911228" y="5409338"/>
+            <a:ext cx="716175" cy="515259"/>
+          </a:xfrm>
+          <a:prstGeom prst="rect">
+            <a:avLst/>
+          </a:prstGeom>
+          <a:noFill/>
+          <a:ln w="6350">
+            <a:solidFill>
+              <a:schemeClr val="tx1"/>
+            </a:solidFill>
+          </a:ln>
+        </p:spPr>
+        <p:style>
+          <a:lnRef idx="2">
+            <a:schemeClr val="accent1">
+              <a:shade val="50000"/>
+            </a:schemeClr>
+          </a:lnRef>
+          <a:fillRef idx="1">
+            <a:schemeClr val="accent1"/>
+          </a:fillRef>
+          <a:effectRef idx="0">
+            <a:schemeClr val="accent1"/>
+          </a:effectRef>
+          <a:fontRef idx="minor">
+            <a:schemeClr val="lt1"/>
+          </a:fontRef>
+        </p:style>
+        <p:txBody>
+          <a:bodyPr rtlCol="0" anchor="ctr"/>
+          <a:lstStyle/>
+          <a:p>
+            <a:pPr algn="ctr"/>
+            <a:r>
+              <a:rPr lang="en-US" altLang="zh-CN" sz="3200" dirty="0">
+                <a:solidFill>
+                  <a:sysClr val="windowText" lastClr="000000"/>
+                </a:solidFill>
+                <a:latin typeface="Times New Roman" panose="02020603050405020304" pitchFamily="18" charset="0"/>
+                <a:cs typeface="Times New Roman" panose="02020603050405020304" pitchFamily="18" charset="0"/>
+              </a:rPr>
+              <a:t>2</a:t>
+            </a:r>
+            <a:endParaRPr lang="zh-CN" altLang="en-US" sz="3200" dirty="0">
+              <a:solidFill>
+                <a:sysClr val="windowText" lastClr="000000"/>
+              </a:solidFill>
+              <a:latin typeface="Times New Roman" panose="02020603050405020304" pitchFamily="18" charset="0"/>
+              <a:cs typeface="Times New Roman" panose="02020603050405020304" pitchFamily="18" charset="0"/>
+            </a:endParaRPr>
+          </a:p>
+        </p:txBody>
+      </p:sp>
+      <p:cxnSp>
+        <p:nvCxnSpPr>
+          <p:cNvPr id="93" name="直接箭头连接符 92">
+            <a:extLst>
+              <a:ext uri="{FF2B5EF4-FFF2-40B4-BE49-F238E27FC236}">
+                <a16:creationId xmlns:a16="http://schemas.microsoft.com/office/drawing/2014/main" id="{C8124405-B0E9-44B9-898C-8A2639C894DE}"/>
+              </a:ext>
+            </a:extLst>
+          </p:cNvPr>
+          <p:cNvCxnSpPr>
+            <a:cxnSpLocks/>
+            <a:stCxn id="90" idx="3"/>
+            <a:endCxn id="92" idx="1"/>
+          </p:cNvCxnSpPr>
+          <p:nvPr/>
+        </p:nvCxnSpPr>
+        <p:spPr>
+          <a:xfrm>
+            <a:off x="9145848" y="5666968"/>
+            <a:ext cx="765380" cy="0"/>
+          </a:xfrm>
+          <a:prstGeom prst="straightConnector1">
+            <a:avLst/>
+          </a:prstGeom>
+          <a:ln w="19050">
+            <a:solidFill>
+              <a:schemeClr val="tx1"/>
+            </a:solidFill>
+            <a:headEnd type="triangle" w="lg" len="lg"/>
+            <a:tailEnd type="triangle" w="lg" len="lg"/>
+          </a:ln>
+        </p:spPr>
+        <p:style>
+          <a:lnRef idx="1">
+            <a:schemeClr val="accent1"/>
+          </a:lnRef>
+          <a:fillRef idx="0">
+            <a:schemeClr val="accent1"/>
+          </a:fillRef>
+          <a:effectRef idx="0">
+            <a:schemeClr val="accent1"/>
+          </a:effectRef>
+          <a:fontRef idx="minor">
+            <a:schemeClr val="tx1"/>
+          </a:fontRef>
+        </p:style>
+      </p:cxnSp>
+      <p:sp>
+        <p:nvSpPr>
+          <p:cNvPr id="100" name="矩形 99">
+            <a:extLst>
+              <a:ext uri="{FF2B5EF4-FFF2-40B4-BE49-F238E27FC236}">
+                <a16:creationId xmlns:a16="http://schemas.microsoft.com/office/drawing/2014/main" id="{74437320-C86F-43AB-9238-DE3DD21B519C}"/>
+              </a:ext>
+            </a:extLst>
+          </p:cNvPr>
+          <p:cNvSpPr/>
+          <p:nvPr/>
+        </p:nvSpPr>
+        <p:spPr>
+          <a:xfrm>
+            <a:off x="6984256" y="6182227"/>
+            <a:ext cx="716175" cy="515259"/>
+          </a:xfrm>
+          <a:prstGeom prst="rect">
+            <a:avLst/>
+          </a:prstGeom>
+          <a:noFill/>
+          <a:ln w="6350">
+            <a:solidFill>
+              <a:schemeClr val="tx1"/>
+            </a:solidFill>
+          </a:ln>
+        </p:spPr>
+        <p:style>
+          <a:lnRef idx="2">
+            <a:schemeClr val="accent1">
+              <a:shade val="50000"/>
+            </a:schemeClr>
+          </a:lnRef>
+          <a:fillRef idx="1">
+            <a:schemeClr val="accent1"/>
+          </a:fillRef>
+          <a:effectRef idx="0">
+            <a:schemeClr val="accent1"/>
+          </a:effectRef>
+          <a:fontRef idx="minor">
+            <a:schemeClr val="lt1"/>
+          </a:fontRef>
+        </p:style>
+        <p:txBody>
+          <a:bodyPr rtlCol="0" anchor="ctr"/>
+          <a:lstStyle/>
+          <a:p>
+            <a:pPr algn="ctr"/>
+            <a:r>
+              <a:rPr lang="en-US" altLang="zh-CN" sz="3200" dirty="0">
+                <a:solidFill>
+                  <a:sysClr val="windowText" lastClr="000000"/>
+                </a:solidFill>
+                <a:latin typeface="Times New Roman" panose="02020603050405020304" pitchFamily="18" charset="0"/>
+                <a:cs typeface="Times New Roman" panose="02020603050405020304" pitchFamily="18" charset="0"/>
+              </a:rPr>
+              <a:t>8</a:t>
+            </a:r>
+            <a:endParaRPr lang="zh-CN" altLang="en-US" sz="3200" dirty="0">
+              <a:solidFill>
+                <a:sysClr val="windowText" lastClr="000000"/>
+              </a:solidFill>
+              <a:latin typeface="Times New Roman" panose="02020603050405020304" pitchFamily="18" charset="0"/>
+              <a:cs typeface="Times New Roman" panose="02020603050405020304" pitchFamily="18" charset="0"/>
+            </a:endParaRPr>
+          </a:p>
+        </p:txBody>
+      </p:sp>
+      <p:sp>
+        <p:nvSpPr>
+          <p:cNvPr id="101" name="矩形 100">
+            <a:extLst>
+              <a:ext uri="{FF2B5EF4-FFF2-40B4-BE49-F238E27FC236}">
+                <a16:creationId xmlns:a16="http://schemas.microsoft.com/office/drawing/2014/main" id="{9C31CF1A-92D5-44FF-A8CD-331D6CB99FE3}"/>
+              </a:ext>
+            </a:extLst>
+          </p:cNvPr>
+          <p:cNvSpPr/>
+          <p:nvPr/>
+        </p:nvSpPr>
+        <p:spPr>
+          <a:xfrm>
+            <a:off x="8430744" y="6188100"/>
+            <a:ext cx="716175" cy="515259"/>
+          </a:xfrm>
+          <a:prstGeom prst="rect">
+            <a:avLst/>
+          </a:prstGeom>
+          <a:noFill/>
+          <a:ln w="6350">
+            <a:solidFill>
+              <a:schemeClr val="tx1"/>
+            </a:solidFill>
+          </a:ln>
+        </p:spPr>
+        <p:style>
+          <a:lnRef idx="2">
+            <a:schemeClr val="accent1">
+              <a:shade val="50000"/>
+            </a:schemeClr>
+          </a:lnRef>
+          <a:fillRef idx="1">
+            <a:schemeClr val="accent1"/>
+          </a:fillRef>
+          <a:effectRef idx="0">
+            <a:schemeClr val="accent1"/>
+          </a:effectRef>
+          <a:fontRef idx="minor">
+            <a:schemeClr val="lt1"/>
+          </a:fontRef>
+        </p:style>
+        <p:txBody>
+          <a:bodyPr rtlCol="0" anchor="ctr"/>
+          <a:lstStyle/>
+          <a:p>
+            <a:pPr algn="ctr"/>
+            <a:r>
+              <a:rPr lang="en-US" altLang="zh-CN" sz="3200" dirty="0">
+                <a:solidFill>
+                  <a:sysClr val="windowText" lastClr="000000"/>
+                </a:solidFill>
+                <a:latin typeface="Times New Roman" panose="02020603050405020304" pitchFamily="18" charset="0"/>
+                <a:cs typeface="Times New Roman" panose="02020603050405020304" pitchFamily="18" charset="0"/>
+              </a:rPr>
+              <a:t>3</a:t>
+            </a:r>
+            <a:endParaRPr lang="zh-CN" altLang="en-US" sz="3200" dirty="0">
+              <a:solidFill>
+                <a:sysClr val="windowText" lastClr="000000"/>
+              </a:solidFill>
+              <a:latin typeface="Times New Roman" panose="02020603050405020304" pitchFamily="18" charset="0"/>
+              <a:cs typeface="Times New Roman" panose="02020603050405020304" pitchFamily="18" charset="0"/>
+            </a:endParaRPr>
+          </a:p>
+        </p:txBody>
+      </p:sp>
+      <p:cxnSp>
+        <p:nvCxnSpPr>
+          <p:cNvPr id="102" name="直接箭头连接符 101">
+            <a:extLst>
+              <a:ext uri="{FF2B5EF4-FFF2-40B4-BE49-F238E27FC236}">
+                <a16:creationId xmlns:a16="http://schemas.microsoft.com/office/drawing/2014/main" id="{A03D18BA-28A5-4A2C-86EE-747FBD247CB7}"/>
+              </a:ext>
+            </a:extLst>
+          </p:cNvPr>
+          <p:cNvCxnSpPr>
+            <a:cxnSpLocks/>
+            <a:endCxn id="101" idx="1"/>
+          </p:cNvCxnSpPr>
+          <p:nvPr/>
+        </p:nvCxnSpPr>
+        <p:spPr>
+          <a:xfrm>
+            <a:off x="7727529" y="6439857"/>
+            <a:ext cx="703215" cy="5873"/>
+          </a:xfrm>
+          <a:prstGeom prst="straightConnector1">
+            <a:avLst/>
+          </a:prstGeom>
+          <a:ln w="19050">
+            <a:solidFill>
+              <a:schemeClr val="tx1"/>
+            </a:solidFill>
+            <a:headEnd type="triangle" w="lg" len="lg"/>
+            <a:tailEnd type="triangle" w="lg" len="lg"/>
+          </a:ln>
+        </p:spPr>
+        <p:style>
+          <a:lnRef idx="1">
+            <a:schemeClr val="accent1"/>
+          </a:lnRef>
+          <a:fillRef idx="0">
+            <a:schemeClr val="accent1"/>
+          </a:fillRef>
+          <a:effectRef idx="0">
+            <a:schemeClr val="accent1"/>
+          </a:effectRef>
+          <a:fontRef idx="minor">
+            <a:schemeClr val="tx1"/>
+          </a:fontRef>
+        </p:style>
+      </p:cxnSp>
+    </p:spTree>
+    <p:extLst>
+      <p:ext uri="{BB962C8B-B14F-4D97-AF65-F5344CB8AC3E}">
+        <p14:creationId xmlns:p14="http://schemas.microsoft.com/office/powerpoint/2010/main" val="2902676118"/>
+      </p:ext>
+    </p:extLst>
+  </p:cSld>
+  <p:clrMapOvr>
+    <a:masterClrMapping/>
+  </p:clrMapOvr>
+</p:sld>
+</file>
+
 <file path=ppt/theme/theme1.xml><?xml version="1.0" encoding="utf-8"?>
 <a:theme xmlns:a="http://schemas.openxmlformats.org/drawingml/2006/main" name="Office 主题​​">
   <a:themeElements>
